--- a/ppt/async-es6-nodejs.pptx
+++ b/ppt/async-es6-nodejs.pptx
@@ -5,7 +5,7 @@
     <p:sldMasterId id="2147483843" r:id="rId1"/>
   </p:sldMasterIdLst>
   <p:notesMasterIdLst>
-    <p:notesMasterId r:id="rId9"/>
+    <p:notesMasterId r:id="rId11"/>
   </p:notesMasterIdLst>
   <p:sldIdLst>
     <p:sldId id="256" r:id="rId2"/>
@@ -13,8 +13,10 @@
     <p:sldId id="258" r:id="rId4"/>
     <p:sldId id="259" r:id="rId5"/>
     <p:sldId id="260" r:id="rId6"/>
-    <p:sldId id="261" r:id="rId7"/>
-    <p:sldId id="262" r:id="rId8"/>
+    <p:sldId id="263" r:id="rId7"/>
+    <p:sldId id="261" r:id="rId8"/>
+    <p:sldId id="264" r:id="rId9"/>
+    <p:sldId id="262" r:id="rId10"/>
   </p:sldIdLst>
   <p:sldSz cx="12192000" cy="6858000"/>
   <p:notesSz cx="6858000" cy="9144000"/>
@@ -113,6 +115,11 @@
       </a:defRPr>
     </a:lvl9pPr>
   </p:defaultTextStyle>
+  <p:extLst>
+    <p:ext uri="{EFAFB233-063F-42B5-8137-9DF3F51BA10A}">
+      <p15:sldGuideLst xmlns:p15="http://schemas.microsoft.com/office/powerpoint/2012/main"/>
+    </p:ext>
+  </p:extLst>
 </p:presentation>
 </file>
 
@@ -3237,7 +3244,7 @@
           <a:p>
             <a:fld id="{A442E2AB-93A4-450A-A4DB-BD52D9511A6E}" type="datetimeFigureOut">
               <a:rPr lang="en-US" smtClean="0"/>
-              <a:t>10/20/2018</a:t>
+              <a:t>10/23/2018</a:t>
             </a:fld>
             <a:endParaRPr lang="en-US"/>
           </a:p>
@@ -3929,6 +3936,90 @@
 </p:notes>
 </file>
 
+<file path=ppt/notesSlides/notesSlide3.xml><?xml version="1.0" encoding="utf-8"?>
+<p:notes xmlns:a="http://schemas.openxmlformats.org/drawingml/2006/main" xmlns:r="http://schemas.openxmlformats.org/officeDocument/2006/relationships" xmlns:p="http://schemas.openxmlformats.org/presentationml/2006/main">
+  <p:cSld>
+    <p:spTree>
+      <p:nvGrpSpPr>
+        <p:cNvPr id="1" name=""/>
+        <p:cNvGrpSpPr/>
+        <p:nvPr/>
+      </p:nvGrpSpPr>
+      <p:grpSpPr>
+        <a:xfrm>
+          <a:off x="0" y="0"/>
+          <a:ext cx="0" cy="0"/>
+          <a:chOff x="0" y="0"/>
+          <a:chExt cx="0" cy="0"/>
+        </a:xfrm>
+      </p:grpSpPr>
+      <p:sp>
+        <p:nvSpPr>
+          <p:cNvPr id="2" name="Slide Image Placeholder 1"/>
+          <p:cNvSpPr>
+            <a:spLocks noGrp="1" noRot="1" noChangeAspect="1"/>
+          </p:cNvSpPr>
+          <p:nvPr>
+            <p:ph type="sldImg"/>
+          </p:nvPr>
+        </p:nvSpPr>
+        <p:spPr/>
+      </p:sp>
+      <p:sp>
+        <p:nvSpPr>
+          <p:cNvPr id="3" name="Notes Placeholder 2"/>
+          <p:cNvSpPr>
+            <a:spLocks noGrp="1"/>
+          </p:cNvSpPr>
+          <p:nvPr>
+            <p:ph type="body" idx="1"/>
+          </p:nvPr>
+        </p:nvSpPr>
+        <p:spPr/>
+        <p:txBody>
+          <a:bodyPr/>
+          <a:lstStyle/>
+          <a:p>
+            <a:endParaRPr lang="en-US" dirty="0"/>
+          </a:p>
+        </p:txBody>
+      </p:sp>
+      <p:sp>
+        <p:nvSpPr>
+          <p:cNvPr id="4" name="Slide Number Placeholder 3"/>
+          <p:cNvSpPr>
+            <a:spLocks noGrp="1"/>
+          </p:cNvSpPr>
+          <p:nvPr>
+            <p:ph type="sldNum" sz="quarter" idx="5"/>
+          </p:nvPr>
+        </p:nvSpPr>
+        <p:spPr/>
+        <p:txBody>
+          <a:bodyPr/>
+          <a:lstStyle/>
+          <a:p>
+            <a:fld id="{9ADF596C-E90F-4B4C-AC11-F1E208DF9D44}" type="slidenum">
+              <a:rPr lang="en-US" smtClean="0"/>
+              <a:t>6</a:t>
+            </a:fld>
+            <a:endParaRPr lang="en-US"/>
+          </a:p>
+        </p:txBody>
+      </p:sp>
+    </p:spTree>
+    <p:extLst>
+      <p:ext uri="{BB962C8B-B14F-4D97-AF65-F5344CB8AC3E}">
+        <p14:creationId xmlns:p14="http://schemas.microsoft.com/office/powerpoint/2010/main" val="2783399574"/>
+      </p:ext>
+    </p:extLst>
+  </p:cSld>
+  <p:clrMapOvr>
+    <a:masterClrMapping/>
+  </p:clrMapOvr>
+</p:notes>
+</file>
+
 <file path=ppt/slideLayouts/slideLayout1.xml><?xml version="1.0" encoding="utf-8"?>
 <p:sldLayout xmlns:a="http://schemas.openxmlformats.org/drawingml/2006/main" xmlns:r="http://schemas.openxmlformats.org/officeDocument/2006/relationships" xmlns:p="http://schemas.openxmlformats.org/presentationml/2006/main" showMasterSp="0" type="title" preserve="1">
   <p:cSld name="Title Slide">
@@ -4155,7 +4246,7 @@
           <a:p>
             <a:fld id="{40D91A4E-B5A1-41BD-9E91-011F503E5120}" type="datetimeFigureOut">
               <a:rPr lang="en-US" smtClean="0"/>
-              <a:t>10/20/2018</a:t>
+              <a:t>10/23/2018</a:t>
             </a:fld>
             <a:endParaRPr lang="en-US"/>
           </a:p>
@@ -4363,7 +4454,7 @@
           <a:p>
             <a:fld id="{40D91A4E-B5A1-41BD-9E91-011F503E5120}" type="datetimeFigureOut">
               <a:rPr lang="en-US" smtClean="0"/>
-              <a:t>10/20/2018</a:t>
+              <a:t>10/23/2018</a:t>
             </a:fld>
             <a:endParaRPr lang="en-US"/>
           </a:p>
@@ -4619,7 +4710,7 @@
           <a:p>
             <a:fld id="{40D91A4E-B5A1-41BD-9E91-011F503E5120}" type="datetimeFigureOut">
               <a:rPr lang="en-US" smtClean="0"/>
-              <a:t>10/20/2018</a:t>
+              <a:t>10/23/2018</a:t>
             </a:fld>
             <a:endParaRPr lang="en-US"/>
           </a:p>
@@ -4789,7 +4880,7 @@
           <a:p>
             <a:fld id="{40D91A4E-B5A1-41BD-9E91-011F503E5120}" type="datetimeFigureOut">
               <a:rPr lang="en-US" smtClean="0"/>
-              <a:t>10/20/2018</a:t>
+              <a:t>10/23/2018</a:t>
             </a:fld>
             <a:endParaRPr lang="en-US"/>
           </a:p>
@@ -5132,7 +5223,7 @@
           <a:p>
             <a:fld id="{40D91A4E-B5A1-41BD-9E91-011F503E5120}" type="datetimeFigureOut">
               <a:rPr lang="en-US" smtClean="0"/>
-              <a:t>10/20/2018</a:t>
+              <a:t>10/23/2018</a:t>
             </a:fld>
             <a:endParaRPr lang="en-US"/>
           </a:p>
@@ -5407,7 +5498,7 @@
           <a:p>
             <a:fld id="{40D91A4E-B5A1-41BD-9E91-011F503E5120}" type="datetimeFigureOut">
               <a:rPr lang="en-US" smtClean="0"/>
-              <a:t>10/20/2018</a:t>
+              <a:t>10/23/2018</a:t>
             </a:fld>
             <a:endParaRPr lang="en-US"/>
           </a:p>
@@ -5786,7 +5877,7 @@
           <a:p>
             <a:fld id="{40D91A4E-B5A1-41BD-9E91-011F503E5120}" type="datetimeFigureOut">
               <a:rPr lang="en-US" smtClean="0"/>
-              <a:t>10/20/2018</a:t>
+              <a:t>10/23/2018</a:t>
             </a:fld>
             <a:endParaRPr lang="en-US"/>
           </a:p>
@@ -5904,7 +5995,7 @@
           <a:p>
             <a:fld id="{40D91A4E-B5A1-41BD-9E91-011F503E5120}" type="datetimeFigureOut">
               <a:rPr lang="en-US" smtClean="0"/>
-              <a:t>10/20/2018</a:t>
+              <a:t>10/23/2018</a:t>
             </a:fld>
             <a:endParaRPr lang="en-US"/>
           </a:p>
@@ -6075,7 +6166,7 @@
           <a:p>
             <a:fld id="{40D91A4E-B5A1-41BD-9E91-011F503E5120}" type="datetimeFigureOut">
               <a:rPr lang="en-US" smtClean="0"/>
-              <a:t>10/20/2018</a:t>
+              <a:t>10/23/2018</a:t>
             </a:fld>
             <a:endParaRPr lang="en-US"/>
           </a:p>
@@ -6429,7 +6520,7 @@
           <a:p>
             <a:fld id="{40D91A4E-B5A1-41BD-9E91-011F503E5120}" type="datetimeFigureOut">
               <a:rPr lang="en-US" smtClean="0"/>
-              <a:t>10/20/2018</a:t>
+              <a:t>10/23/2018</a:t>
             </a:fld>
             <a:endParaRPr lang="en-US"/>
           </a:p>
@@ -6806,7 +6897,7 @@
           <a:p>
             <a:fld id="{40D91A4E-B5A1-41BD-9E91-011F503E5120}" type="datetimeFigureOut">
               <a:rPr lang="en-US" smtClean="0"/>
-              <a:t>10/20/2018</a:t>
+              <a:t>10/23/2018</a:t>
             </a:fld>
             <a:endParaRPr lang="en-US"/>
           </a:p>
@@ -7093,7 +7184,7 @@
           <a:p>
             <a:fld id="{40D91A4E-B5A1-41BD-9E91-011F503E5120}" type="datetimeFigureOut">
               <a:rPr lang="en-US" smtClean="0"/>
-              <a:t>10/20/2018</a:t>
+              <a:t>10/23/2018</a:t>
             </a:fld>
             <a:endParaRPr lang="en-US"/>
           </a:p>
@@ -10535,24 +10626,125 @@
           </a:graphicData>
         </a:graphic>
       </p:graphicFrame>
+    </p:spTree>
+    <p:extLst>
+      <p:ext uri="{BB962C8B-B14F-4D97-AF65-F5344CB8AC3E}">
+        <p14:creationId xmlns:p14="http://schemas.microsoft.com/office/powerpoint/2010/main" val="1132594767"/>
+      </p:ext>
+    </p:extLst>
+  </p:cSld>
+  <p:clrMapOvr>
+    <a:masterClrMapping/>
+  </p:clrMapOvr>
+</p:sld>
+</file>
+
+<file path=ppt/slides/slide6.xml><?xml version="1.0" encoding="utf-8"?>
+<p:sld xmlns:a="http://schemas.openxmlformats.org/drawingml/2006/main" xmlns:r="http://schemas.openxmlformats.org/officeDocument/2006/relationships" xmlns:p="http://schemas.openxmlformats.org/presentationml/2006/main">
+  <p:cSld>
+    <p:spTree>
+      <p:nvGrpSpPr>
+        <p:cNvPr id="1" name=""/>
+        <p:cNvGrpSpPr/>
+        <p:nvPr/>
+      </p:nvGrpSpPr>
+      <p:grpSpPr>
+        <a:xfrm>
+          <a:off x="0" y="0"/>
+          <a:ext cx="0" cy="0"/>
+          <a:chOff x="0" y="0"/>
+          <a:chExt cx="0" cy="0"/>
+        </a:xfrm>
+      </p:grpSpPr>
+      <p:sp>
+        <p:nvSpPr>
+          <p:cNvPr id="2" name="Title 1">
+            <a:extLst>
+              <a:ext uri="{FF2B5EF4-FFF2-40B4-BE49-F238E27FC236}">
+                <a16:creationId xmlns:a16="http://schemas.microsoft.com/office/drawing/2014/main" id="{FF503EBB-34B6-4F71-B3F3-49DE1851A975}"/>
+              </a:ext>
+            </a:extLst>
+          </p:cNvPr>
+          <p:cNvSpPr>
+            <a:spLocks noGrp="1"/>
+          </p:cNvSpPr>
+          <p:nvPr>
+            <p:ph type="title"/>
+          </p:nvPr>
+        </p:nvSpPr>
+        <p:spPr/>
+        <p:txBody>
+          <a:bodyPr/>
+          <a:lstStyle/>
+          <a:p>
+            <a:r>
+              <a:rPr lang="en-US" dirty="0"/>
+              <a:t>Promise</a:t>
+            </a:r>
+          </a:p>
+        </p:txBody>
+      </p:sp>
+      <p:sp>
+        <p:nvSpPr>
+          <p:cNvPr id="3" name="Content Placeholder 2">
+            <a:extLst>
+              <a:ext uri="{FF2B5EF4-FFF2-40B4-BE49-F238E27FC236}">
+                <a16:creationId xmlns:a16="http://schemas.microsoft.com/office/drawing/2014/main" id="{7D8E7C17-FFE9-4D5E-B57A-D12931149242}"/>
+              </a:ext>
+            </a:extLst>
+          </p:cNvPr>
+          <p:cNvSpPr>
+            <a:spLocks noGrp="1"/>
+          </p:cNvSpPr>
+          <p:nvPr>
+            <p:ph idx="1"/>
+          </p:nvPr>
+        </p:nvSpPr>
+        <p:spPr>
+          <a:xfrm>
+            <a:off x="1097280" y="1845734"/>
+            <a:ext cx="3387634" cy="4023360"/>
+          </a:xfrm>
+        </p:spPr>
+        <p:txBody>
+          <a:bodyPr/>
+          <a:lstStyle/>
+          <a:p>
+            <a:r>
+              <a:rPr lang="en-US" i="1" dirty="0"/>
+              <a:t>A promise in JavaScript world is piece of work which is expected to complete (or fail) at some point in future.</a:t>
+            </a:r>
+          </a:p>
+          <a:p>
+            <a:endParaRPr lang="en-US" i="1" dirty="0"/>
+          </a:p>
+          <a:p>
+            <a:pPr marL="0" indent="0">
+              <a:buNone/>
+            </a:pPr>
+            <a:r>
+              <a:rPr lang="en-US" i="1" dirty="0"/>
+              <a:t>A Promise can be in any of three states: Pending, Resolved and Rejected</a:t>
+            </a:r>
+          </a:p>
+        </p:txBody>
+      </p:sp>
       <p:pic>
         <p:nvPicPr>
-          <p:cNvPr id="3074" name="Picture 2" descr="Image result for javascript promise">
+          <p:cNvPr id="4" name="Picture 2" descr="Image result for javascript promise">
             <a:extLst>
               <a:ext uri="{FF2B5EF4-FFF2-40B4-BE49-F238E27FC236}">
-                <a16:creationId xmlns:a16="http://schemas.microsoft.com/office/drawing/2014/main" id="{51414558-D872-4939-94FB-2BF008ABE3D7}"/>
+                <a16:creationId xmlns:a16="http://schemas.microsoft.com/office/drawing/2014/main" id="{43B0BEA3-9086-4159-A57E-B26640B35059}"/>
               </a:ext>
             </a:extLst>
           </p:cNvPr>
           <p:cNvPicPr>
-            <a:picLocks noGrp="1" noChangeAspect="1" noChangeArrowheads="1"/>
+            <a:picLocks noChangeAspect="1" noChangeArrowheads="1"/>
           </p:cNvPicPr>
-          <p:nvPr>
-            <p:ph idx="1"/>
-          </p:nvPr>
+          <p:nvPr/>
         </p:nvPicPr>
         <p:blipFill>
-          <a:blip r:embed="rId2">
+          <a:blip r:embed="rId3">
             <a:extLst>
               <a:ext uri="{28A0092B-C50C-407E-A947-70E740481C1C}">
                 <a14:useLocalDpi xmlns:a14="http://schemas.microsoft.com/office/drawing/2010/main" val="0"/>
@@ -10566,7 +10758,7 @@
         </p:blipFill>
         <p:spPr bwMode="auto">
           <a:xfrm>
-            <a:off x="6411684" y="2421413"/>
+            <a:off x="5778871" y="2223993"/>
             <a:ext cx="5376809" cy="2614893"/>
           </a:xfrm>
           <a:prstGeom prst="rect">
@@ -10587,7 +10779,7 @@
     </p:spTree>
     <p:extLst>
       <p:ext uri="{BB962C8B-B14F-4D97-AF65-F5344CB8AC3E}">
-        <p14:creationId xmlns:p14="http://schemas.microsoft.com/office/powerpoint/2010/main" val="1132594767"/>
+        <p14:creationId xmlns:p14="http://schemas.microsoft.com/office/powerpoint/2010/main" val="923993779"/>
       </p:ext>
     </p:extLst>
   </p:cSld>
@@ -10597,7 +10789,7 @@
 </p:sld>
 </file>
 
-<file path=ppt/slides/slide6.xml><?xml version="1.0" encoding="utf-8"?>
+<file path=ppt/slides/slide7.xml><?xml version="1.0" encoding="utf-8"?>
 <p:sld xmlns:a="http://schemas.openxmlformats.org/drawingml/2006/main" xmlns:r="http://schemas.openxmlformats.org/officeDocument/2006/relationships" xmlns:p="http://schemas.openxmlformats.org/presentationml/2006/main">
   <p:cSld>
     <p:bg>
@@ -11115,7 +11307,400 @@
 </p:sld>
 </file>
 
-<file path=ppt/slides/slide7.xml><?xml version="1.0" encoding="utf-8"?>
+<file path=ppt/slides/slide8.xml><?xml version="1.0" encoding="utf-8"?>
+<p:sld xmlns:a="http://schemas.openxmlformats.org/drawingml/2006/main" xmlns:r="http://schemas.openxmlformats.org/officeDocument/2006/relationships" xmlns:p="http://schemas.openxmlformats.org/presentationml/2006/main">
+  <p:cSld>
+    <p:bg>
+      <p:bgPr>
+        <a:solidFill>
+          <a:schemeClr val="bg1"/>
+        </a:solidFill>
+        <a:effectLst/>
+      </p:bgPr>
+    </p:bg>
+    <p:spTree>
+      <p:nvGrpSpPr>
+        <p:cNvPr id="1" name=""/>
+        <p:cNvGrpSpPr/>
+        <p:nvPr/>
+      </p:nvGrpSpPr>
+      <p:grpSpPr>
+        <a:xfrm>
+          <a:off x="0" y="0"/>
+          <a:ext cx="0" cy="0"/>
+          <a:chOff x="0" y="0"/>
+          <a:chExt cx="0" cy="0"/>
+        </a:xfrm>
+      </p:grpSpPr>
+      <p:sp useBgFill="1">
+        <p:nvSpPr>
+          <p:cNvPr id="10" name="Rectangle 9">
+            <a:extLst>
+              <a:ext uri="{FF2B5EF4-FFF2-40B4-BE49-F238E27FC236}">
+                <a16:creationId xmlns:a16="http://schemas.microsoft.com/office/drawing/2014/main" id="{B9D3A0FC-5D74-4BAC-9DDB-68A942650BC9}"/>
+              </a:ext>
+              <a:ext uri="{C183D7F6-B498-43B3-948B-1728B52AA6E4}">
+                <adec:decorative xmlns:adec="http://schemas.microsoft.com/office/drawing/2017/decorative" val="1"/>
+              </a:ext>
+            </a:extLst>
+          </p:cNvPr>
+          <p:cNvSpPr>
+            <a:spLocks noGrp="1" noRot="1" noChangeAspect="1" noMove="1" noResize="1" noEditPoints="1" noAdjustHandles="1" noChangeArrowheads="1" noChangeShapeType="1" noTextEdit="1"/>
+          </p:cNvSpPr>
+          <p:nvPr>
+            <p:extLst>
+              <p:ext uri="{386F3935-93C4-4BCD-93E2-E3B085C9AB24}">
+                <p16:designElem xmlns:p16="http://schemas.microsoft.com/office/powerpoint/2015/main" val="1"/>
+              </p:ext>
+            </p:extLst>
+          </p:nvPr>
+        </p:nvSpPr>
+        <p:spPr>
+          <a:xfrm>
+            <a:off x="0" y="0"/>
+            <a:ext cx="12192001" cy="6334316"/>
+          </a:xfrm>
+          <a:prstGeom prst="rect">
+            <a:avLst/>
+          </a:prstGeom>
+          <a:ln>
+            <a:noFill/>
+          </a:ln>
+        </p:spPr>
+        <p:style>
+          <a:lnRef idx="2">
+            <a:schemeClr val="accent1">
+              <a:shade val="50000"/>
+            </a:schemeClr>
+          </a:lnRef>
+          <a:fillRef idx="1">
+            <a:schemeClr val="accent1"/>
+          </a:fillRef>
+          <a:effectRef idx="0">
+            <a:schemeClr val="accent1"/>
+          </a:effectRef>
+          <a:fontRef idx="minor">
+            <a:schemeClr val="lt1"/>
+          </a:fontRef>
+        </p:style>
+        <p:txBody>
+          <a:bodyPr rtlCol="0" anchor="ctr"/>
+          <a:lstStyle/>
+          <a:p>
+            <a:pPr algn="ctr"/>
+            <a:endParaRPr lang="en-US"/>
+          </a:p>
+        </p:txBody>
+      </p:sp>
+      <p:sp>
+        <p:nvSpPr>
+          <p:cNvPr id="2" name="Title 1">
+            <a:extLst>
+              <a:ext uri="{FF2B5EF4-FFF2-40B4-BE49-F238E27FC236}">
+                <a16:creationId xmlns:a16="http://schemas.microsoft.com/office/drawing/2014/main" id="{1A43DDAC-2C98-4FBD-B451-0148A5D92FDC}"/>
+              </a:ext>
+            </a:extLst>
+          </p:cNvPr>
+          <p:cNvSpPr>
+            <a:spLocks noGrp="1"/>
+          </p:cNvSpPr>
+          <p:nvPr>
+            <p:ph type="title"/>
+          </p:nvPr>
+        </p:nvSpPr>
+        <p:spPr>
+          <a:xfrm>
+            <a:off x="4974771" y="634946"/>
+            <a:ext cx="6574972" cy="1450757"/>
+          </a:xfrm>
+        </p:spPr>
+        <p:txBody>
+          <a:bodyPr>
+            <a:normAutofit/>
+          </a:bodyPr>
+          <a:lstStyle/>
+          <a:p>
+            <a:r>
+              <a:rPr lang="en-US" dirty="0"/>
+              <a:t>Async &amp; Await</a:t>
+            </a:r>
+          </a:p>
+        </p:txBody>
+      </p:sp>
+      <p:pic>
+        <p:nvPicPr>
+          <p:cNvPr id="5" name="Picture 4">
+            <a:extLst>
+              <a:ext uri="{FF2B5EF4-FFF2-40B4-BE49-F238E27FC236}">
+                <a16:creationId xmlns:a16="http://schemas.microsoft.com/office/drawing/2014/main" id="{82664AB9-AE66-4517-9BBF-A0EE7F9F3C09}"/>
+              </a:ext>
+            </a:extLst>
+          </p:cNvPr>
+          <p:cNvPicPr>
+            <a:picLocks noChangeAspect="1"/>
+          </p:cNvPicPr>
+          <p:nvPr/>
+        </p:nvPicPr>
+        <p:blipFill>
+          <a:blip r:embed="rId2"/>
+          <a:stretch>
+            <a:fillRect/>
+          </a:stretch>
+        </p:blipFill>
+        <p:spPr>
+          <a:xfrm>
+            <a:off x="633999" y="713613"/>
+            <a:ext cx="4001315" cy="5167342"/>
+          </a:xfrm>
+          <a:prstGeom prst="rect">
+            <a:avLst/>
+          </a:prstGeom>
+        </p:spPr>
+      </p:pic>
+      <p:cxnSp>
+        <p:nvCxnSpPr>
+          <p:cNvPr id="12" name="Straight Connector 11">
+            <a:extLst>
+              <a:ext uri="{FF2B5EF4-FFF2-40B4-BE49-F238E27FC236}">
+                <a16:creationId xmlns:a16="http://schemas.microsoft.com/office/drawing/2014/main" id="{69B36A11-4FA0-4989-A465-037DF52469FA}"/>
+              </a:ext>
+              <a:ext uri="{C183D7F6-B498-43B3-948B-1728B52AA6E4}">
+                <adec:decorative xmlns:adec="http://schemas.microsoft.com/office/drawing/2017/decorative" val="1"/>
+              </a:ext>
+            </a:extLst>
+          </p:cNvPr>
+          <p:cNvCxnSpPr>
+            <a:cxnSpLocks noGrp="1" noRot="1" noChangeAspect="1" noMove="1" noResize="1" noEditPoints="1" noAdjustHandles="1" noChangeArrowheads="1" noChangeShapeType="1"/>
+          </p:cNvCxnSpPr>
+          <p:nvPr>
+            <p:extLst>
+              <p:ext uri="{386F3935-93C4-4BCD-93E2-E3B085C9AB24}">
+                <p16:designElem xmlns:p16="http://schemas.microsoft.com/office/powerpoint/2015/main" val="1"/>
+              </p:ext>
+            </p:extLst>
+          </p:nvPr>
+        </p:nvCxnSpPr>
+        <p:spPr>
+          <a:xfrm>
+            <a:off x="4974770" y="2086188"/>
+            <a:ext cx="6089768" cy="0"/>
+          </a:xfrm>
+          <a:prstGeom prst="line">
+            <a:avLst/>
+          </a:prstGeom>
+          <a:ln w="6350">
+            <a:solidFill>
+              <a:schemeClr val="tx1">
+                <a:lumMod val="50000"/>
+                <a:lumOff val="50000"/>
+                <a:alpha val="90000"/>
+              </a:schemeClr>
+            </a:solidFill>
+          </a:ln>
+        </p:spPr>
+        <p:style>
+          <a:lnRef idx="1">
+            <a:schemeClr val="accent1"/>
+          </a:lnRef>
+          <a:fillRef idx="0">
+            <a:schemeClr val="accent1"/>
+          </a:fillRef>
+          <a:effectRef idx="0">
+            <a:schemeClr val="accent1"/>
+          </a:effectRef>
+          <a:fontRef idx="minor">
+            <a:schemeClr val="tx1"/>
+          </a:fontRef>
+        </p:style>
+      </p:cxnSp>
+      <p:sp>
+        <p:nvSpPr>
+          <p:cNvPr id="3" name="Content Placeholder 2">
+            <a:extLst>
+              <a:ext uri="{FF2B5EF4-FFF2-40B4-BE49-F238E27FC236}">
+                <a16:creationId xmlns:a16="http://schemas.microsoft.com/office/drawing/2014/main" id="{62536CC0-4C67-4844-87B6-27F19B02B0E9}"/>
+              </a:ext>
+            </a:extLst>
+          </p:cNvPr>
+          <p:cNvSpPr>
+            <a:spLocks noGrp="1"/>
+          </p:cNvSpPr>
+          <p:nvPr>
+            <p:ph idx="1"/>
+          </p:nvPr>
+        </p:nvSpPr>
+        <p:spPr>
+          <a:xfrm>
+            <a:off x="4974769" y="2198914"/>
+            <a:ext cx="6574973" cy="3670180"/>
+          </a:xfrm>
+        </p:spPr>
+        <p:txBody>
+          <a:bodyPr>
+            <a:normAutofit/>
+          </a:bodyPr>
+          <a:lstStyle/>
+          <a:p>
+            <a:r>
+              <a:rPr lang="en-US" dirty="0"/>
+              <a:t>ES 2017 introduced </a:t>
+            </a:r>
+            <a:r>
+              <a:rPr lang="en-US" b="1" dirty="0"/>
+              <a:t>Asynchronous</a:t>
+            </a:r>
+            <a:r>
+              <a:rPr lang="en-US" dirty="0"/>
+              <a:t> functions</a:t>
+            </a:r>
+          </a:p>
+          <a:p>
+            <a:r>
+              <a:rPr lang="en-US" dirty="0"/>
+              <a:t>It is non-blocking (just like promises and callbacks).</a:t>
+            </a:r>
+          </a:p>
+          <a:p>
+            <a:r>
+              <a:rPr lang="en-US" dirty="0"/>
+              <a:t>Async/Await was created to simplify the process of working with and writing chained promises.</a:t>
+            </a:r>
+          </a:p>
+          <a:p>
+            <a:r>
+              <a:rPr lang="en-US" dirty="0"/>
+              <a:t>Async functions return a Promise. If the function throws an error, the Promise will be rejected. If the function returns a value, the Promise will be resolved.</a:t>
+            </a:r>
+          </a:p>
+          <a:p>
+            <a:endParaRPr lang="en-US" dirty="0"/>
+          </a:p>
+        </p:txBody>
+      </p:sp>
+      <p:sp>
+        <p:nvSpPr>
+          <p:cNvPr id="14" name="Rectangle 13">
+            <a:extLst>
+              <a:ext uri="{FF2B5EF4-FFF2-40B4-BE49-F238E27FC236}">
+                <a16:creationId xmlns:a16="http://schemas.microsoft.com/office/drawing/2014/main" id="{B8DB8C60-3B7D-46C5-B1A9-A295D8A4853F}"/>
+              </a:ext>
+              <a:ext uri="{C183D7F6-B498-43B3-948B-1728B52AA6E4}">
+                <adec:decorative xmlns:adec="http://schemas.microsoft.com/office/drawing/2017/decorative" val="1"/>
+              </a:ext>
+            </a:extLst>
+          </p:cNvPr>
+          <p:cNvSpPr>
+            <a:spLocks noGrp="1" noRot="1" noChangeAspect="1" noMove="1" noResize="1" noEditPoints="1" noAdjustHandles="1" noChangeArrowheads="1" noChangeShapeType="1" noTextEdit="1"/>
+          </p:cNvSpPr>
+          <p:nvPr>
+            <p:extLst>
+              <p:ext uri="{386F3935-93C4-4BCD-93E2-E3B085C9AB24}">
+                <p16:designElem xmlns:p16="http://schemas.microsoft.com/office/powerpoint/2015/main" val="1"/>
+              </p:ext>
+            </p:extLst>
+          </p:nvPr>
+        </p:nvSpPr>
+        <p:spPr>
+          <a:xfrm>
+            <a:off x="15" y="6334316"/>
+            <a:ext cx="12191985" cy="66484"/>
+          </a:xfrm>
+          <a:prstGeom prst="rect">
+            <a:avLst/>
+          </a:prstGeom>
+          <a:solidFill>
+            <a:schemeClr val="accent1"/>
+          </a:solidFill>
+          <a:ln>
+            <a:noFill/>
+          </a:ln>
+        </p:spPr>
+        <p:style>
+          <a:lnRef idx="2">
+            <a:schemeClr val="accent1">
+              <a:shade val="50000"/>
+            </a:schemeClr>
+          </a:lnRef>
+          <a:fillRef idx="1">
+            <a:schemeClr val="accent1"/>
+          </a:fillRef>
+          <a:effectRef idx="0">
+            <a:schemeClr val="accent1"/>
+          </a:effectRef>
+          <a:fontRef idx="minor">
+            <a:schemeClr val="lt1"/>
+          </a:fontRef>
+        </p:style>
+      </p:sp>
+      <p:sp>
+        <p:nvSpPr>
+          <p:cNvPr id="16" name="Rectangle 15">
+            <a:extLst>
+              <a:ext uri="{FF2B5EF4-FFF2-40B4-BE49-F238E27FC236}">
+                <a16:creationId xmlns:a16="http://schemas.microsoft.com/office/drawing/2014/main" id="{7B7006A8-EB46-45ED-977F-BC489E2B7E7A}"/>
+              </a:ext>
+              <a:ext uri="{C183D7F6-B498-43B3-948B-1728B52AA6E4}">
+                <adec:decorative xmlns:adec="http://schemas.microsoft.com/office/drawing/2017/decorative" val="1"/>
+              </a:ext>
+            </a:extLst>
+          </p:cNvPr>
+          <p:cNvSpPr>
+            <a:spLocks noGrp="1" noRot="1" noChangeAspect="1" noMove="1" noResize="1" noEditPoints="1" noAdjustHandles="1" noChangeArrowheads="1" noChangeShapeType="1" noTextEdit="1"/>
+          </p:cNvSpPr>
+          <p:nvPr>
+            <p:extLst>
+              <p:ext uri="{386F3935-93C4-4BCD-93E2-E3B085C9AB24}">
+                <p16:designElem xmlns:p16="http://schemas.microsoft.com/office/powerpoint/2015/main" val="1"/>
+              </p:ext>
+            </p:extLst>
+          </p:nvPr>
+        </p:nvSpPr>
+        <p:spPr>
+          <a:xfrm>
+            <a:off x="1" y="6400800"/>
+            <a:ext cx="12192000" cy="457200"/>
+          </a:xfrm>
+          <a:prstGeom prst="rect">
+            <a:avLst/>
+          </a:prstGeom>
+          <a:solidFill>
+            <a:schemeClr val="accent2"/>
+          </a:solidFill>
+          <a:ln>
+            <a:noFill/>
+          </a:ln>
+        </p:spPr>
+        <p:style>
+          <a:lnRef idx="2">
+            <a:schemeClr val="accent1">
+              <a:shade val="50000"/>
+            </a:schemeClr>
+          </a:lnRef>
+          <a:fillRef idx="1">
+            <a:schemeClr val="accent1"/>
+          </a:fillRef>
+          <a:effectRef idx="0">
+            <a:schemeClr val="accent1"/>
+          </a:effectRef>
+          <a:fontRef idx="minor">
+            <a:schemeClr val="lt1"/>
+          </a:fontRef>
+        </p:style>
+      </p:sp>
+    </p:spTree>
+    <p:extLst>
+      <p:ext uri="{BB962C8B-B14F-4D97-AF65-F5344CB8AC3E}">
+        <p14:creationId xmlns:p14="http://schemas.microsoft.com/office/powerpoint/2010/main" val="1696922839"/>
+      </p:ext>
+    </p:extLst>
+  </p:cSld>
+  <p:clrMapOvr>
+    <a:masterClrMapping/>
+  </p:clrMapOvr>
+</p:sld>
+</file>
+
+<file path=ppt/slides/slide9.xml><?xml version="1.0" encoding="utf-8"?>
 <p:sld xmlns:a="http://schemas.openxmlformats.org/drawingml/2006/main" xmlns:r="http://schemas.openxmlformats.org/officeDocument/2006/relationships" xmlns:p="http://schemas.openxmlformats.org/presentationml/2006/main">
   <p:cSld>
     <p:bg>

--- a/ppt/async-es6-nodejs.pptx
+++ b/ppt/async-es6-nodejs.pptx
@@ -3244,7 +3244,7 @@
           <a:p>
             <a:fld id="{A442E2AB-93A4-450A-A4DB-BD52D9511A6E}" type="datetimeFigureOut">
               <a:rPr lang="en-US" smtClean="0"/>
-              <a:t>10/23/2018</a:t>
+              <a:t>10/24/2018</a:t>
             </a:fld>
             <a:endParaRPr lang="en-US"/>
           </a:p>
@@ -4246,7 +4246,7 @@
           <a:p>
             <a:fld id="{40D91A4E-B5A1-41BD-9E91-011F503E5120}" type="datetimeFigureOut">
               <a:rPr lang="en-US" smtClean="0"/>
-              <a:t>10/23/2018</a:t>
+              <a:t>10/24/2018</a:t>
             </a:fld>
             <a:endParaRPr lang="en-US"/>
           </a:p>
@@ -4454,7 +4454,7 @@
           <a:p>
             <a:fld id="{40D91A4E-B5A1-41BD-9E91-011F503E5120}" type="datetimeFigureOut">
               <a:rPr lang="en-US" smtClean="0"/>
-              <a:t>10/23/2018</a:t>
+              <a:t>10/24/2018</a:t>
             </a:fld>
             <a:endParaRPr lang="en-US"/>
           </a:p>
@@ -4710,7 +4710,7 @@
           <a:p>
             <a:fld id="{40D91A4E-B5A1-41BD-9E91-011F503E5120}" type="datetimeFigureOut">
               <a:rPr lang="en-US" smtClean="0"/>
-              <a:t>10/23/2018</a:t>
+              <a:t>10/24/2018</a:t>
             </a:fld>
             <a:endParaRPr lang="en-US"/>
           </a:p>
@@ -4880,7 +4880,7 @@
           <a:p>
             <a:fld id="{40D91A4E-B5A1-41BD-9E91-011F503E5120}" type="datetimeFigureOut">
               <a:rPr lang="en-US" smtClean="0"/>
-              <a:t>10/23/2018</a:t>
+              <a:t>10/24/2018</a:t>
             </a:fld>
             <a:endParaRPr lang="en-US"/>
           </a:p>
@@ -5223,7 +5223,7 @@
           <a:p>
             <a:fld id="{40D91A4E-B5A1-41BD-9E91-011F503E5120}" type="datetimeFigureOut">
               <a:rPr lang="en-US" smtClean="0"/>
-              <a:t>10/23/2018</a:t>
+              <a:t>10/24/2018</a:t>
             </a:fld>
             <a:endParaRPr lang="en-US"/>
           </a:p>
@@ -5498,7 +5498,7 @@
           <a:p>
             <a:fld id="{40D91A4E-B5A1-41BD-9E91-011F503E5120}" type="datetimeFigureOut">
               <a:rPr lang="en-US" smtClean="0"/>
-              <a:t>10/23/2018</a:t>
+              <a:t>10/24/2018</a:t>
             </a:fld>
             <a:endParaRPr lang="en-US"/>
           </a:p>
@@ -5877,7 +5877,7 @@
           <a:p>
             <a:fld id="{40D91A4E-B5A1-41BD-9E91-011F503E5120}" type="datetimeFigureOut">
               <a:rPr lang="en-US" smtClean="0"/>
-              <a:t>10/23/2018</a:t>
+              <a:t>10/24/2018</a:t>
             </a:fld>
             <a:endParaRPr lang="en-US"/>
           </a:p>
@@ -5995,7 +5995,7 @@
           <a:p>
             <a:fld id="{40D91A4E-B5A1-41BD-9E91-011F503E5120}" type="datetimeFigureOut">
               <a:rPr lang="en-US" smtClean="0"/>
-              <a:t>10/23/2018</a:t>
+              <a:t>10/24/2018</a:t>
             </a:fld>
             <a:endParaRPr lang="en-US"/>
           </a:p>
@@ -6166,7 +6166,7 @@
           <a:p>
             <a:fld id="{40D91A4E-B5A1-41BD-9E91-011F503E5120}" type="datetimeFigureOut">
               <a:rPr lang="en-US" smtClean="0"/>
-              <a:t>10/23/2018</a:t>
+              <a:t>10/24/2018</a:t>
             </a:fld>
             <a:endParaRPr lang="en-US"/>
           </a:p>
@@ -6520,7 +6520,7 @@
           <a:p>
             <a:fld id="{40D91A4E-B5A1-41BD-9E91-011F503E5120}" type="datetimeFigureOut">
               <a:rPr lang="en-US" smtClean="0"/>
-              <a:t>10/23/2018</a:t>
+              <a:t>10/24/2018</a:t>
             </a:fld>
             <a:endParaRPr lang="en-US"/>
           </a:p>
@@ -6897,7 +6897,7 @@
           <a:p>
             <a:fld id="{40D91A4E-B5A1-41BD-9E91-011F503E5120}" type="datetimeFigureOut">
               <a:rPr lang="en-US" smtClean="0"/>
-              <a:t>10/23/2018</a:t>
+              <a:t>10/24/2018</a:t>
             </a:fld>
             <a:endParaRPr lang="en-US"/>
           </a:p>
@@ -7184,7 +7184,7 @@
           <a:p>
             <a:fld id="{40D91A4E-B5A1-41BD-9E91-011F503E5120}" type="datetimeFigureOut">
               <a:rPr lang="en-US" smtClean="0"/>
-              <a:t>10/23/2018</a:t>
+              <a:t>10/24/2018</a:t>
             </a:fld>
             <a:endParaRPr lang="en-US"/>
           </a:p>
@@ -7766,6 +7766,40 @@
             <a:r>
               <a:rPr lang="en-US" dirty="0"/>
               <a:t>Senior consultant | Author | blogger</a:t>
+            </a:r>
+          </a:p>
+        </p:txBody>
+      </p:sp>
+      <p:sp>
+        <p:nvSpPr>
+          <p:cNvPr id="4" name="Rectangle 3">
+            <a:extLst>
+              <a:ext uri="{FF2B5EF4-FFF2-40B4-BE49-F238E27FC236}">
+                <a16:creationId xmlns:a16="http://schemas.microsoft.com/office/drawing/2014/main" id="{90C02DC2-4B12-457E-BD1F-F4C18A52BE8F}"/>
+              </a:ext>
+            </a:extLst>
+          </p:cNvPr>
+          <p:cNvSpPr/>
+          <p:nvPr/>
+        </p:nvSpPr>
+        <p:spPr>
+          <a:xfrm>
+            <a:off x="1097280" y="305277"/>
+            <a:ext cx="8423238" cy="369332"/>
+          </a:xfrm>
+          <a:prstGeom prst="rect">
+            <a:avLst/>
+          </a:prstGeom>
+        </p:spPr>
+        <p:txBody>
+          <a:bodyPr wrap="square">
+            <a:spAutoFit/>
+          </a:bodyPr>
+          <a:lstStyle/>
+          <a:p>
+            <a:r>
+              <a:rPr lang="en-US" dirty="0"/>
+              <a:t>git clone https://github.com/vishwanathsrikanth/nodejs-trainingmaterial</a:t>
             </a:r>
           </a:p>
         </p:txBody>

--- a/ppt/async-es6-nodejs.pptx
+++ b/ppt/async-es6-nodejs.pptx
@@ -11,11 +11,11 @@
     <p:sldId id="256" r:id="rId2"/>
     <p:sldId id="257" r:id="rId3"/>
     <p:sldId id="258" r:id="rId4"/>
-    <p:sldId id="259" r:id="rId5"/>
-    <p:sldId id="260" r:id="rId6"/>
-    <p:sldId id="263" r:id="rId7"/>
-    <p:sldId id="261" r:id="rId8"/>
-    <p:sldId id="264" r:id="rId9"/>
+    <p:sldId id="260" r:id="rId5"/>
+    <p:sldId id="263" r:id="rId6"/>
+    <p:sldId id="261" r:id="rId7"/>
+    <p:sldId id="264" r:id="rId8"/>
+    <p:sldId id="259" r:id="rId9"/>
     <p:sldId id="262" r:id="rId10"/>
   </p:sldIdLst>
   <p:sldSz cx="12192000" cy="6858000"/>
@@ -3642,6 +3642,90 @@
           <a:bodyPr/>
           <a:lstStyle/>
           <a:p>
+            <a:endParaRPr lang="en-US" dirty="0"/>
+          </a:p>
+        </p:txBody>
+      </p:sp>
+      <p:sp>
+        <p:nvSpPr>
+          <p:cNvPr id="4" name="Slide Number Placeholder 3"/>
+          <p:cNvSpPr>
+            <a:spLocks noGrp="1"/>
+          </p:cNvSpPr>
+          <p:nvPr>
+            <p:ph type="sldNum" sz="quarter" idx="5"/>
+          </p:nvPr>
+        </p:nvSpPr>
+        <p:spPr/>
+        <p:txBody>
+          <a:bodyPr/>
+          <a:lstStyle/>
+          <a:p>
+            <a:fld id="{9ADF596C-E90F-4B4C-AC11-F1E208DF9D44}" type="slidenum">
+              <a:rPr lang="en-US" smtClean="0"/>
+              <a:t>5</a:t>
+            </a:fld>
+            <a:endParaRPr lang="en-US"/>
+          </a:p>
+        </p:txBody>
+      </p:sp>
+    </p:spTree>
+    <p:extLst>
+      <p:ext uri="{BB962C8B-B14F-4D97-AF65-F5344CB8AC3E}">
+        <p14:creationId xmlns:p14="http://schemas.microsoft.com/office/powerpoint/2010/main" val="2783399574"/>
+      </p:ext>
+    </p:extLst>
+  </p:cSld>
+  <p:clrMapOvr>
+    <a:masterClrMapping/>
+  </p:clrMapOvr>
+</p:notes>
+</file>
+
+<file path=ppt/notesSlides/notesSlide3.xml><?xml version="1.0" encoding="utf-8"?>
+<p:notes xmlns:a="http://schemas.openxmlformats.org/drawingml/2006/main" xmlns:r="http://schemas.openxmlformats.org/officeDocument/2006/relationships" xmlns:p="http://schemas.openxmlformats.org/presentationml/2006/main">
+  <p:cSld>
+    <p:spTree>
+      <p:nvGrpSpPr>
+        <p:cNvPr id="1" name=""/>
+        <p:cNvGrpSpPr/>
+        <p:nvPr/>
+      </p:nvGrpSpPr>
+      <p:grpSpPr>
+        <a:xfrm>
+          <a:off x="0" y="0"/>
+          <a:ext cx="0" cy="0"/>
+          <a:chOff x="0" y="0"/>
+          <a:chExt cx="0" cy="0"/>
+        </a:xfrm>
+      </p:grpSpPr>
+      <p:sp>
+        <p:nvSpPr>
+          <p:cNvPr id="2" name="Slide Image Placeholder 1"/>
+          <p:cNvSpPr>
+            <a:spLocks noGrp="1" noRot="1" noChangeAspect="1"/>
+          </p:cNvSpPr>
+          <p:nvPr>
+            <p:ph type="sldImg"/>
+          </p:nvPr>
+        </p:nvSpPr>
+        <p:spPr/>
+      </p:sp>
+      <p:sp>
+        <p:nvSpPr>
+          <p:cNvPr id="3" name="Notes Placeholder 2"/>
+          <p:cNvSpPr>
+            <a:spLocks noGrp="1"/>
+          </p:cNvSpPr>
+          <p:nvPr>
+            <p:ph type="body" idx="1"/>
+          </p:nvPr>
+        </p:nvSpPr>
+        <p:spPr/>
+        <p:txBody>
+          <a:bodyPr/>
+          <a:lstStyle/>
+          <a:p>
             <a:r>
               <a:rPr lang="en-US" sz="1200" b="0" kern="1200" dirty="0">
                 <a:solidFill>
@@ -3917,7 +4001,7 @@
           <a:p>
             <a:fld id="{9ADF596C-E90F-4B4C-AC11-F1E208DF9D44}" type="slidenum">
               <a:rPr lang="en-US" smtClean="0"/>
-              <a:t>4</a:t>
+              <a:t>8</a:t>
             </a:fld>
             <a:endParaRPr lang="en-US"/>
           </a:p>
@@ -3927,90 +4011,6 @@
     <p:extLst>
       <p:ext uri="{BB962C8B-B14F-4D97-AF65-F5344CB8AC3E}">
         <p14:creationId xmlns:p14="http://schemas.microsoft.com/office/powerpoint/2010/main" val="3643108491"/>
-      </p:ext>
-    </p:extLst>
-  </p:cSld>
-  <p:clrMapOvr>
-    <a:masterClrMapping/>
-  </p:clrMapOvr>
-</p:notes>
-</file>
-
-<file path=ppt/notesSlides/notesSlide3.xml><?xml version="1.0" encoding="utf-8"?>
-<p:notes xmlns:a="http://schemas.openxmlformats.org/drawingml/2006/main" xmlns:r="http://schemas.openxmlformats.org/officeDocument/2006/relationships" xmlns:p="http://schemas.openxmlformats.org/presentationml/2006/main">
-  <p:cSld>
-    <p:spTree>
-      <p:nvGrpSpPr>
-        <p:cNvPr id="1" name=""/>
-        <p:cNvGrpSpPr/>
-        <p:nvPr/>
-      </p:nvGrpSpPr>
-      <p:grpSpPr>
-        <a:xfrm>
-          <a:off x="0" y="0"/>
-          <a:ext cx="0" cy="0"/>
-          <a:chOff x="0" y="0"/>
-          <a:chExt cx="0" cy="0"/>
-        </a:xfrm>
-      </p:grpSpPr>
-      <p:sp>
-        <p:nvSpPr>
-          <p:cNvPr id="2" name="Slide Image Placeholder 1"/>
-          <p:cNvSpPr>
-            <a:spLocks noGrp="1" noRot="1" noChangeAspect="1"/>
-          </p:cNvSpPr>
-          <p:nvPr>
-            <p:ph type="sldImg"/>
-          </p:nvPr>
-        </p:nvSpPr>
-        <p:spPr/>
-      </p:sp>
-      <p:sp>
-        <p:nvSpPr>
-          <p:cNvPr id="3" name="Notes Placeholder 2"/>
-          <p:cNvSpPr>
-            <a:spLocks noGrp="1"/>
-          </p:cNvSpPr>
-          <p:nvPr>
-            <p:ph type="body" idx="1"/>
-          </p:nvPr>
-        </p:nvSpPr>
-        <p:spPr/>
-        <p:txBody>
-          <a:bodyPr/>
-          <a:lstStyle/>
-          <a:p>
-            <a:endParaRPr lang="en-US" dirty="0"/>
-          </a:p>
-        </p:txBody>
-      </p:sp>
-      <p:sp>
-        <p:nvSpPr>
-          <p:cNvPr id="4" name="Slide Number Placeholder 3"/>
-          <p:cNvSpPr>
-            <a:spLocks noGrp="1"/>
-          </p:cNvSpPr>
-          <p:nvPr>
-            <p:ph type="sldNum" sz="quarter" idx="5"/>
-          </p:nvPr>
-        </p:nvSpPr>
-        <p:spPr/>
-        <p:txBody>
-          <a:bodyPr/>
-          <a:lstStyle/>
-          <a:p>
-            <a:fld id="{9ADF596C-E90F-4B4C-AC11-F1E208DF9D44}" type="slidenum">
-              <a:rPr lang="en-US" smtClean="0"/>
-              <a:t>6</a:t>
-            </a:fld>
-            <a:endParaRPr lang="en-US"/>
-          </a:p>
-        </p:txBody>
-      </p:sp>
-    </p:spTree>
-    <p:extLst>
-      <p:ext uri="{BB962C8B-B14F-4D97-AF65-F5344CB8AC3E}">
-        <p14:creationId xmlns:p14="http://schemas.microsoft.com/office/powerpoint/2010/main" val="2783399574"/>
       </p:ext>
     </p:extLst>
   </p:cSld>
@@ -8543,6 +8543,1787 @@
 </file>
 
 <file path=ppt/slides/slide4.xml><?xml version="1.0" encoding="utf-8"?>
+<p:sld xmlns:a="http://schemas.openxmlformats.org/drawingml/2006/main" xmlns:r="http://schemas.openxmlformats.org/officeDocument/2006/relationships" xmlns:p="http://schemas.openxmlformats.org/presentationml/2006/main">
+  <p:cSld>
+    <p:bg>
+      <p:bgPr>
+        <a:solidFill>
+          <a:schemeClr val="bg1"/>
+        </a:solidFill>
+        <a:effectLst/>
+      </p:bgPr>
+    </p:bg>
+    <p:spTree>
+      <p:nvGrpSpPr>
+        <p:cNvPr id="1" name=""/>
+        <p:cNvGrpSpPr/>
+        <p:nvPr/>
+      </p:nvGrpSpPr>
+      <p:grpSpPr>
+        <a:xfrm>
+          <a:off x="0" y="0"/>
+          <a:ext cx="0" cy="0"/>
+          <a:chOff x="0" y="0"/>
+          <a:chExt cx="0" cy="0"/>
+        </a:xfrm>
+      </p:grpSpPr>
+      <p:sp useBgFill="1">
+        <p:nvSpPr>
+          <p:cNvPr id="12" name="Rectangle 11">
+            <a:extLst>
+              <a:ext uri="{FF2B5EF4-FFF2-40B4-BE49-F238E27FC236}">
+                <a16:creationId xmlns:a16="http://schemas.microsoft.com/office/drawing/2014/main" id="{605A42EF-68E6-4808-81CD-E5ABD0ED92CA}"/>
+              </a:ext>
+              <a:ext uri="{C183D7F6-B498-43B3-948B-1728B52AA6E4}">
+                <adec:decorative xmlns:adec="http://schemas.microsoft.com/office/drawing/2017/decorative" val="1"/>
+              </a:ext>
+            </a:extLst>
+          </p:cNvPr>
+          <p:cNvSpPr>
+            <a:spLocks noGrp="1" noRot="1" noChangeAspect="1" noMove="1" noResize="1" noEditPoints="1" noAdjustHandles="1" noChangeArrowheads="1" noChangeShapeType="1" noTextEdit="1"/>
+          </p:cNvSpPr>
+          <p:nvPr>
+            <p:extLst>
+              <p:ext uri="{386F3935-93C4-4BCD-93E2-E3B085C9AB24}">
+                <p16:designElem xmlns:p16="http://schemas.microsoft.com/office/powerpoint/2015/main" val="1"/>
+              </p:ext>
+            </p:extLst>
+          </p:nvPr>
+        </p:nvSpPr>
+        <p:spPr>
+          <a:xfrm>
+            <a:off x="0" y="0"/>
+            <a:ext cx="12192001" cy="6334316"/>
+          </a:xfrm>
+          <a:prstGeom prst="rect">
+            <a:avLst/>
+          </a:prstGeom>
+          <a:ln>
+            <a:noFill/>
+          </a:ln>
+        </p:spPr>
+        <p:style>
+          <a:lnRef idx="2">
+            <a:schemeClr val="accent1">
+              <a:shade val="50000"/>
+            </a:schemeClr>
+          </a:lnRef>
+          <a:fillRef idx="1">
+            <a:schemeClr val="accent1"/>
+          </a:fillRef>
+          <a:effectRef idx="0">
+            <a:schemeClr val="accent1"/>
+          </a:effectRef>
+          <a:fontRef idx="minor">
+            <a:schemeClr val="lt1"/>
+          </a:fontRef>
+        </p:style>
+        <p:txBody>
+          <a:bodyPr rtlCol="0" anchor="ctr"/>
+          <a:lstStyle/>
+          <a:p>
+            <a:pPr algn="ctr"/>
+            <a:endParaRPr lang="en-US"/>
+          </a:p>
+        </p:txBody>
+      </p:sp>
+      <p:sp>
+        <p:nvSpPr>
+          <p:cNvPr id="2" name="Title 1">
+            <a:extLst>
+              <a:ext uri="{FF2B5EF4-FFF2-40B4-BE49-F238E27FC236}">
+                <a16:creationId xmlns:a16="http://schemas.microsoft.com/office/drawing/2014/main" id="{183999A5-C373-4C5D-B0FF-5FA3816C1A47}"/>
+              </a:ext>
+            </a:extLst>
+          </p:cNvPr>
+          <p:cNvSpPr>
+            <a:spLocks noGrp="1"/>
+          </p:cNvSpPr>
+          <p:nvPr>
+            <p:ph type="title"/>
+          </p:nvPr>
+        </p:nvSpPr>
+        <p:spPr>
+          <a:xfrm>
+            <a:off x="6411685" y="634946"/>
+            <a:ext cx="5127171" cy="1450757"/>
+          </a:xfrm>
+        </p:spPr>
+        <p:txBody>
+          <a:bodyPr>
+            <a:normAutofit/>
+          </a:bodyPr>
+          <a:lstStyle/>
+          <a:p>
+            <a:r>
+              <a:rPr lang="en-US" dirty="0"/>
+              <a:t>Asynchronous Programming </a:t>
+            </a:r>
+            <a:r>
+              <a:rPr lang="en-US"/>
+              <a:t>/ ES8</a:t>
+            </a:r>
+            <a:endParaRPr lang="en-US" dirty="0"/>
+          </a:p>
+        </p:txBody>
+      </p:sp>
+      <p:cxnSp>
+        <p:nvCxnSpPr>
+          <p:cNvPr id="14" name="Straight Connector 13">
+            <a:extLst>
+              <a:ext uri="{FF2B5EF4-FFF2-40B4-BE49-F238E27FC236}">
+                <a16:creationId xmlns:a16="http://schemas.microsoft.com/office/drawing/2014/main" id="{3C4A154E-1950-4755-A5FC-5998EE0CC14B}"/>
+              </a:ext>
+              <a:ext uri="{C183D7F6-B498-43B3-948B-1728B52AA6E4}">
+                <adec:decorative xmlns:adec="http://schemas.microsoft.com/office/drawing/2017/decorative" val="1"/>
+              </a:ext>
+            </a:extLst>
+          </p:cNvPr>
+          <p:cNvCxnSpPr>
+            <a:cxnSpLocks noGrp="1" noRot="1" noChangeAspect="1" noMove="1" noResize="1" noEditPoints="1" noAdjustHandles="1" noChangeArrowheads="1" noChangeShapeType="1"/>
+          </p:cNvCxnSpPr>
+          <p:nvPr>
+            <p:extLst>
+              <p:ext uri="{386F3935-93C4-4BCD-93E2-E3B085C9AB24}">
+                <p16:designElem xmlns:p16="http://schemas.microsoft.com/office/powerpoint/2015/main" val="1"/>
+              </p:ext>
+            </p:extLst>
+          </p:nvPr>
+        </p:nvCxnSpPr>
+        <p:spPr>
+          <a:xfrm>
+            <a:off x="6411684" y="2086188"/>
+            <a:ext cx="4748808" cy="0"/>
+          </a:xfrm>
+          <a:prstGeom prst="line">
+            <a:avLst/>
+          </a:prstGeom>
+          <a:ln w="6350">
+            <a:solidFill>
+              <a:schemeClr val="tx1">
+                <a:lumMod val="50000"/>
+                <a:lumOff val="50000"/>
+                <a:alpha val="90000"/>
+              </a:schemeClr>
+            </a:solidFill>
+          </a:ln>
+        </p:spPr>
+        <p:style>
+          <a:lnRef idx="1">
+            <a:schemeClr val="accent1"/>
+          </a:lnRef>
+          <a:fillRef idx="0">
+            <a:schemeClr val="accent1"/>
+          </a:fillRef>
+          <a:effectRef idx="0">
+            <a:schemeClr val="accent1"/>
+          </a:effectRef>
+          <a:fontRef idx="minor">
+            <a:schemeClr val="tx1"/>
+          </a:fontRef>
+        </p:style>
+      </p:cxnSp>
+      <p:sp>
+        <p:nvSpPr>
+          <p:cNvPr id="16" name="Rectangle 15">
+            <a:extLst>
+              <a:ext uri="{FF2B5EF4-FFF2-40B4-BE49-F238E27FC236}">
+                <a16:creationId xmlns:a16="http://schemas.microsoft.com/office/drawing/2014/main" id="{3FE9C285-56FB-4B36-8ECA-C2D6596AA906}"/>
+              </a:ext>
+              <a:ext uri="{C183D7F6-B498-43B3-948B-1728B52AA6E4}">
+                <adec:decorative xmlns:adec="http://schemas.microsoft.com/office/drawing/2017/decorative" val="1"/>
+              </a:ext>
+            </a:extLst>
+          </p:cNvPr>
+          <p:cNvSpPr>
+            <a:spLocks noGrp="1" noRot="1" noChangeAspect="1" noMove="1" noResize="1" noEditPoints="1" noAdjustHandles="1" noChangeArrowheads="1" noChangeShapeType="1" noTextEdit="1"/>
+          </p:cNvSpPr>
+          <p:nvPr>
+            <p:extLst>
+              <p:ext uri="{386F3935-93C4-4BCD-93E2-E3B085C9AB24}">
+                <p16:designElem xmlns:p16="http://schemas.microsoft.com/office/powerpoint/2015/main" val="1"/>
+              </p:ext>
+            </p:extLst>
+          </p:nvPr>
+        </p:nvSpPr>
+        <p:spPr>
+          <a:xfrm>
+            <a:off x="15" y="6334316"/>
+            <a:ext cx="12191985" cy="66484"/>
+          </a:xfrm>
+          <a:prstGeom prst="rect">
+            <a:avLst/>
+          </a:prstGeom>
+          <a:solidFill>
+            <a:schemeClr val="accent1"/>
+          </a:solidFill>
+          <a:ln>
+            <a:noFill/>
+          </a:ln>
+        </p:spPr>
+        <p:style>
+          <a:lnRef idx="2">
+            <a:schemeClr val="accent1">
+              <a:shade val="50000"/>
+            </a:schemeClr>
+          </a:lnRef>
+          <a:fillRef idx="1">
+            <a:schemeClr val="accent1"/>
+          </a:fillRef>
+          <a:effectRef idx="0">
+            <a:schemeClr val="accent1"/>
+          </a:effectRef>
+          <a:fontRef idx="minor">
+            <a:schemeClr val="lt1"/>
+          </a:fontRef>
+        </p:style>
+      </p:sp>
+      <p:sp>
+        <p:nvSpPr>
+          <p:cNvPr id="18" name="Rectangle 17">
+            <a:extLst>
+              <a:ext uri="{FF2B5EF4-FFF2-40B4-BE49-F238E27FC236}">
+                <a16:creationId xmlns:a16="http://schemas.microsoft.com/office/drawing/2014/main" id="{937C076B-00B1-4629-B27F-A86F9885FB4D}"/>
+              </a:ext>
+              <a:ext uri="{C183D7F6-B498-43B3-948B-1728B52AA6E4}">
+                <adec:decorative xmlns:adec="http://schemas.microsoft.com/office/drawing/2017/decorative" val="1"/>
+              </a:ext>
+            </a:extLst>
+          </p:cNvPr>
+          <p:cNvSpPr>
+            <a:spLocks noGrp="1" noRot="1" noChangeAspect="1" noMove="1" noResize="1" noEditPoints="1" noAdjustHandles="1" noChangeArrowheads="1" noChangeShapeType="1" noTextEdit="1"/>
+          </p:cNvSpPr>
+          <p:nvPr>
+            <p:extLst>
+              <p:ext uri="{386F3935-93C4-4BCD-93E2-E3B085C9AB24}">
+                <p16:designElem xmlns:p16="http://schemas.microsoft.com/office/powerpoint/2015/main" val="1"/>
+              </p:ext>
+            </p:extLst>
+          </p:nvPr>
+        </p:nvSpPr>
+        <p:spPr>
+          <a:xfrm>
+            <a:off x="1" y="6400800"/>
+            <a:ext cx="12192000" cy="457200"/>
+          </a:xfrm>
+          <a:prstGeom prst="rect">
+            <a:avLst/>
+          </a:prstGeom>
+          <a:solidFill>
+            <a:schemeClr val="accent2"/>
+          </a:solidFill>
+          <a:ln>
+            <a:noFill/>
+          </a:ln>
+        </p:spPr>
+        <p:style>
+          <a:lnRef idx="2">
+            <a:schemeClr val="accent1">
+              <a:shade val="50000"/>
+            </a:schemeClr>
+          </a:lnRef>
+          <a:fillRef idx="1">
+            <a:schemeClr val="accent1"/>
+          </a:fillRef>
+          <a:effectRef idx="0">
+            <a:schemeClr val="accent1"/>
+          </a:effectRef>
+          <a:fontRef idx="minor">
+            <a:schemeClr val="lt1"/>
+          </a:fontRef>
+        </p:style>
+      </p:sp>
+      <p:graphicFrame>
+        <p:nvGraphicFramePr>
+          <p:cNvPr id="7" name="Content Placeholder 3">
+            <a:extLst>
+              <a:ext uri="{FF2B5EF4-FFF2-40B4-BE49-F238E27FC236}">
+                <a16:creationId xmlns:a16="http://schemas.microsoft.com/office/drawing/2014/main" id="{82834486-4827-4EE7-B83F-E112915BB023}"/>
+              </a:ext>
+            </a:extLst>
+          </p:cNvPr>
+          <p:cNvGraphicFramePr>
+            <a:graphicFrameLocks/>
+          </p:cNvGraphicFramePr>
+          <p:nvPr>
+            <p:extLst>
+              <p:ext uri="{D42A27DB-BD31-4B8C-83A1-F6EECF244321}">
+                <p14:modId xmlns:p14="http://schemas.microsoft.com/office/powerpoint/2010/main" val="422335672"/>
+              </p:ext>
+            </p:extLst>
+          </p:nvPr>
+        </p:nvGraphicFramePr>
+        <p:xfrm>
+          <a:off x="812113" y="975359"/>
+          <a:ext cx="5113785" cy="4587240"/>
+        </p:xfrm>
+        <a:graphic>
+          <a:graphicData uri="http://schemas.openxmlformats.org/drawingml/2006/table">
+            <a:tbl>
+              <a:tblPr/>
+              <a:tblGrid>
+                <a:gridCol w="5113785">
+                  <a:extLst>
+                    <a:ext uri="{9D8B030D-6E8A-4147-A177-3AD203B41FA5}">
+                      <a16:colId xmlns:a16="http://schemas.microsoft.com/office/drawing/2014/main" val="1329727569"/>
+                    </a:ext>
+                  </a:extLst>
+                </a:gridCol>
+              </a:tblGrid>
+              <a:tr h="917448">
+                <a:tc>
+                  <a:txBody>
+                    <a:bodyPr/>
+                    <a:lstStyle/>
+                    <a:p>
+                      <a:pPr marL="0" marR="0" algn="l" fontAlgn="t">
+                        <a:spcBef>
+                          <a:spcPts val="0"/>
+                        </a:spcBef>
+                        <a:spcAft>
+                          <a:spcPts val="0"/>
+                        </a:spcAft>
+                      </a:pPr>
+                      <a:r>
+                        <a:rPr lang="en-US" sz="3300" b="0" i="0" u="none" strike="noStrike" dirty="0">
+                          <a:solidFill>
+                            <a:srgbClr val="000000"/>
+                          </a:solidFill>
+                          <a:effectLst/>
+                          <a:latin typeface="Calibri" panose="020F0502020204030204" pitchFamily="34" charset="0"/>
+                        </a:rPr>
+                        <a:t>Callback </a:t>
+                      </a:r>
+                      <a:endParaRPr lang="en-US" sz="5400" b="0" i="0" u="none" strike="noStrike" dirty="0">
+                        <a:effectLst/>
+                        <a:latin typeface="Arial" panose="020B0604020202020204" pitchFamily="34" charset="0"/>
+                      </a:endParaRPr>
+                    </a:p>
+                  </a:txBody>
+                  <a:tcPr marL="152400" marR="152400" marT="152400" marB="152400">
+                    <a:lnL w="12700" cap="flat" cmpd="sng" algn="ctr">
+                      <a:solidFill>
+                        <a:srgbClr val="A3A3A3"/>
+                      </a:solidFill>
+                      <a:prstDash val="solid"/>
+                      <a:round/>
+                      <a:headEnd type="none" w="med" len="med"/>
+                      <a:tailEnd type="none" w="med" len="med"/>
+                    </a:lnL>
+                    <a:lnR w="12700" cap="flat" cmpd="sng" algn="ctr">
+                      <a:solidFill>
+                        <a:srgbClr val="A3A3A3"/>
+                      </a:solidFill>
+                      <a:prstDash val="solid"/>
+                      <a:round/>
+                      <a:headEnd type="none" w="med" len="med"/>
+                      <a:tailEnd type="none" w="med" len="med"/>
+                    </a:lnR>
+                    <a:lnT w="12700" cap="flat" cmpd="sng" algn="ctr">
+                      <a:solidFill>
+                        <a:srgbClr val="A3A3A3"/>
+                      </a:solidFill>
+                      <a:prstDash val="solid"/>
+                      <a:round/>
+                      <a:headEnd type="none" w="med" len="med"/>
+                      <a:tailEnd type="none" w="med" len="med"/>
+                    </a:lnT>
+                    <a:lnB w="12700" cap="flat" cmpd="sng" algn="ctr">
+                      <a:solidFill>
+                        <a:srgbClr val="A3A3A3"/>
+                      </a:solidFill>
+                      <a:prstDash val="solid"/>
+                      <a:round/>
+                      <a:headEnd type="none" w="med" len="med"/>
+                      <a:tailEnd type="none" w="med" len="med"/>
+                    </a:lnB>
+                  </a:tcPr>
+                </a:tc>
+                <a:extLst>
+                  <a:ext uri="{0D108BD9-81ED-4DB2-BD59-A6C34878D82A}">
+                    <a16:rowId xmlns:a16="http://schemas.microsoft.com/office/drawing/2014/main" val="400951643"/>
+                  </a:ext>
+                </a:extLst>
+              </a:tr>
+              <a:tr h="917448">
+                <a:tc>
+                  <a:txBody>
+                    <a:bodyPr/>
+                    <a:lstStyle/>
+                    <a:p>
+                      <a:pPr marL="0" marR="0" algn="l" fontAlgn="t">
+                        <a:spcBef>
+                          <a:spcPts val="0"/>
+                        </a:spcBef>
+                        <a:spcAft>
+                          <a:spcPts val="0"/>
+                        </a:spcAft>
+                      </a:pPr>
+                      <a:r>
+                        <a:rPr lang="en-US" sz="3300" b="0" i="0" u="none" strike="noStrike">
+                          <a:solidFill>
+                            <a:srgbClr val="000000"/>
+                          </a:solidFill>
+                          <a:effectLst/>
+                          <a:latin typeface="Calibri" panose="020F0502020204030204" pitchFamily="34" charset="0"/>
+                        </a:rPr>
+                        <a:t>Callback hell</a:t>
+                      </a:r>
+                      <a:endParaRPr lang="en-US" sz="5400" b="0" i="0" u="none" strike="noStrike">
+                        <a:effectLst/>
+                        <a:latin typeface="Arial" panose="020B0604020202020204" pitchFamily="34" charset="0"/>
+                      </a:endParaRPr>
+                    </a:p>
+                  </a:txBody>
+                  <a:tcPr marL="152400" marR="152400" marT="152400" marB="152400">
+                    <a:lnL w="12700" cap="flat" cmpd="sng" algn="ctr">
+                      <a:solidFill>
+                        <a:srgbClr val="A3A3A3"/>
+                      </a:solidFill>
+                      <a:prstDash val="solid"/>
+                      <a:round/>
+                      <a:headEnd type="none" w="med" len="med"/>
+                      <a:tailEnd type="none" w="med" len="med"/>
+                    </a:lnL>
+                    <a:lnR w="12700" cap="flat" cmpd="sng" algn="ctr">
+                      <a:solidFill>
+                        <a:srgbClr val="A3A3A3"/>
+                      </a:solidFill>
+                      <a:prstDash val="solid"/>
+                      <a:round/>
+                      <a:headEnd type="none" w="med" len="med"/>
+                      <a:tailEnd type="none" w="med" len="med"/>
+                    </a:lnR>
+                    <a:lnT w="12700" cap="flat" cmpd="sng" algn="ctr">
+                      <a:solidFill>
+                        <a:srgbClr val="A3A3A3"/>
+                      </a:solidFill>
+                      <a:prstDash val="solid"/>
+                      <a:round/>
+                      <a:headEnd type="none" w="med" len="med"/>
+                      <a:tailEnd type="none" w="med" len="med"/>
+                    </a:lnT>
+                    <a:lnB w="12700" cap="flat" cmpd="sng" algn="ctr">
+                      <a:solidFill>
+                        <a:srgbClr val="A3A3A3"/>
+                      </a:solidFill>
+                      <a:prstDash val="solid"/>
+                      <a:round/>
+                      <a:headEnd type="none" w="med" len="med"/>
+                      <a:tailEnd type="none" w="med" len="med"/>
+                    </a:lnB>
+                  </a:tcPr>
+                </a:tc>
+                <a:extLst>
+                  <a:ext uri="{0D108BD9-81ED-4DB2-BD59-A6C34878D82A}">
+                    <a16:rowId xmlns:a16="http://schemas.microsoft.com/office/drawing/2014/main" val="3210656113"/>
+                  </a:ext>
+                </a:extLst>
+              </a:tr>
+              <a:tr h="917448">
+                <a:tc>
+                  <a:txBody>
+                    <a:bodyPr/>
+                    <a:lstStyle/>
+                    <a:p>
+                      <a:pPr marL="0" marR="0" algn="l" fontAlgn="t">
+                        <a:spcBef>
+                          <a:spcPts val="0"/>
+                        </a:spcBef>
+                        <a:spcAft>
+                          <a:spcPts val="0"/>
+                        </a:spcAft>
+                      </a:pPr>
+                      <a:r>
+                        <a:rPr lang="en-US" sz="3300" b="0" i="0" u="none" strike="noStrike" dirty="0">
+                          <a:solidFill>
+                            <a:srgbClr val="000000"/>
+                          </a:solidFill>
+                          <a:effectLst/>
+                          <a:latin typeface="Calibri" panose="020F0502020204030204" pitchFamily="34" charset="0"/>
+                        </a:rPr>
+                        <a:t>Named Functions</a:t>
+                      </a:r>
+                      <a:endParaRPr lang="en-US" sz="5400" b="0" i="0" u="none" strike="noStrike" dirty="0">
+                        <a:effectLst/>
+                        <a:latin typeface="Arial" panose="020B0604020202020204" pitchFamily="34" charset="0"/>
+                      </a:endParaRPr>
+                    </a:p>
+                  </a:txBody>
+                  <a:tcPr marL="152400" marR="152400" marT="152400" marB="152400">
+                    <a:lnL w="12700" cap="flat" cmpd="sng" algn="ctr">
+                      <a:solidFill>
+                        <a:srgbClr val="A3A3A3"/>
+                      </a:solidFill>
+                      <a:prstDash val="solid"/>
+                      <a:round/>
+                      <a:headEnd type="none" w="med" len="med"/>
+                      <a:tailEnd type="none" w="med" len="med"/>
+                    </a:lnL>
+                    <a:lnR w="12700" cap="flat" cmpd="sng" algn="ctr">
+                      <a:solidFill>
+                        <a:srgbClr val="A3A3A3"/>
+                      </a:solidFill>
+                      <a:prstDash val="solid"/>
+                      <a:round/>
+                      <a:headEnd type="none" w="med" len="med"/>
+                      <a:tailEnd type="none" w="med" len="med"/>
+                    </a:lnR>
+                    <a:lnT w="12700" cap="flat" cmpd="sng" algn="ctr">
+                      <a:solidFill>
+                        <a:srgbClr val="A3A3A3"/>
+                      </a:solidFill>
+                      <a:prstDash val="solid"/>
+                      <a:round/>
+                      <a:headEnd type="none" w="med" len="med"/>
+                      <a:tailEnd type="none" w="med" len="med"/>
+                    </a:lnT>
+                    <a:lnB w="12700" cap="flat" cmpd="sng" algn="ctr">
+                      <a:solidFill>
+                        <a:srgbClr val="A3A3A3"/>
+                      </a:solidFill>
+                      <a:prstDash val="solid"/>
+                      <a:round/>
+                      <a:headEnd type="none" w="med" len="med"/>
+                      <a:tailEnd type="none" w="med" len="med"/>
+                    </a:lnB>
+                  </a:tcPr>
+                </a:tc>
+                <a:extLst>
+                  <a:ext uri="{0D108BD9-81ED-4DB2-BD59-A6C34878D82A}">
+                    <a16:rowId xmlns:a16="http://schemas.microsoft.com/office/drawing/2014/main" val="1446771618"/>
+                  </a:ext>
+                </a:extLst>
+              </a:tr>
+              <a:tr h="917448">
+                <a:tc>
+                  <a:txBody>
+                    <a:bodyPr/>
+                    <a:lstStyle/>
+                    <a:p>
+                      <a:pPr marL="0" marR="0" algn="l" fontAlgn="t">
+                        <a:spcBef>
+                          <a:spcPts val="0"/>
+                        </a:spcBef>
+                        <a:spcAft>
+                          <a:spcPts val="0"/>
+                        </a:spcAft>
+                      </a:pPr>
+                      <a:r>
+                        <a:rPr lang="en-US" sz="3300" b="0" i="0" u="none" strike="noStrike" dirty="0">
+                          <a:solidFill>
+                            <a:srgbClr val="000000"/>
+                          </a:solidFill>
+                          <a:effectLst/>
+                          <a:latin typeface="Calibri" panose="020F0502020204030204" pitchFamily="34" charset="0"/>
+                        </a:rPr>
+                        <a:t>Promises</a:t>
+                      </a:r>
+                      <a:endParaRPr lang="en-US" sz="5400" b="0" i="0" u="none" strike="noStrike" dirty="0">
+                        <a:effectLst/>
+                        <a:latin typeface="Arial" panose="020B0604020202020204" pitchFamily="34" charset="0"/>
+                      </a:endParaRPr>
+                    </a:p>
+                  </a:txBody>
+                  <a:tcPr marL="152400" marR="152400" marT="152400" marB="152400">
+                    <a:lnL w="12700" cap="flat" cmpd="sng" algn="ctr">
+                      <a:solidFill>
+                        <a:srgbClr val="A3A3A3"/>
+                      </a:solidFill>
+                      <a:prstDash val="solid"/>
+                      <a:round/>
+                      <a:headEnd type="none" w="med" len="med"/>
+                      <a:tailEnd type="none" w="med" len="med"/>
+                    </a:lnL>
+                    <a:lnR w="12700" cap="flat" cmpd="sng" algn="ctr">
+                      <a:solidFill>
+                        <a:srgbClr val="A3A3A3"/>
+                      </a:solidFill>
+                      <a:prstDash val="solid"/>
+                      <a:round/>
+                      <a:headEnd type="none" w="med" len="med"/>
+                      <a:tailEnd type="none" w="med" len="med"/>
+                    </a:lnR>
+                    <a:lnT w="12700" cap="flat" cmpd="sng" algn="ctr">
+                      <a:solidFill>
+                        <a:srgbClr val="A3A3A3"/>
+                      </a:solidFill>
+                      <a:prstDash val="solid"/>
+                      <a:round/>
+                      <a:headEnd type="none" w="med" len="med"/>
+                      <a:tailEnd type="none" w="med" len="med"/>
+                    </a:lnT>
+                    <a:lnB w="12700" cap="flat" cmpd="sng" algn="ctr">
+                      <a:solidFill>
+                        <a:srgbClr val="A3A3A3"/>
+                      </a:solidFill>
+                      <a:prstDash val="solid"/>
+                      <a:round/>
+                      <a:headEnd type="none" w="med" len="med"/>
+                      <a:tailEnd type="none" w="med" len="med"/>
+                    </a:lnB>
+                  </a:tcPr>
+                </a:tc>
+                <a:extLst>
+                  <a:ext uri="{0D108BD9-81ED-4DB2-BD59-A6C34878D82A}">
+                    <a16:rowId xmlns:a16="http://schemas.microsoft.com/office/drawing/2014/main" val="2328523300"/>
+                  </a:ext>
+                </a:extLst>
+              </a:tr>
+              <a:tr h="917448">
+                <a:tc>
+                  <a:txBody>
+                    <a:bodyPr/>
+                    <a:lstStyle/>
+                    <a:p>
+                      <a:pPr marL="0" marR="0" algn="l" fontAlgn="t">
+                        <a:spcBef>
+                          <a:spcPts val="0"/>
+                        </a:spcBef>
+                        <a:spcAft>
+                          <a:spcPts val="0"/>
+                        </a:spcAft>
+                      </a:pPr>
+                      <a:r>
+                        <a:rPr lang="en-US" sz="3300" b="0" i="0" u="none" strike="noStrike" dirty="0">
+                          <a:solidFill>
+                            <a:srgbClr val="000000"/>
+                          </a:solidFill>
+                          <a:effectLst/>
+                          <a:latin typeface="Calibri" panose="020F0502020204030204" pitchFamily="34" charset="0"/>
+                        </a:rPr>
+                        <a:t>Async and Await</a:t>
+                      </a:r>
+                      <a:endParaRPr lang="en-US" sz="5400" b="0" i="0" u="none" strike="noStrike" dirty="0">
+                        <a:effectLst/>
+                        <a:latin typeface="Arial" panose="020B0604020202020204" pitchFamily="34" charset="0"/>
+                      </a:endParaRPr>
+                    </a:p>
+                  </a:txBody>
+                  <a:tcPr marL="152400" marR="152400" marT="152400" marB="152400">
+                    <a:lnL w="12700" cap="flat" cmpd="sng" algn="ctr">
+                      <a:solidFill>
+                        <a:srgbClr val="A3A3A3"/>
+                      </a:solidFill>
+                      <a:prstDash val="solid"/>
+                      <a:round/>
+                      <a:headEnd type="none" w="med" len="med"/>
+                      <a:tailEnd type="none" w="med" len="med"/>
+                    </a:lnL>
+                    <a:lnR w="12700" cap="flat" cmpd="sng" algn="ctr">
+                      <a:solidFill>
+                        <a:srgbClr val="A3A3A3"/>
+                      </a:solidFill>
+                      <a:prstDash val="solid"/>
+                      <a:round/>
+                      <a:headEnd type="none" w="med" len="med"/>
+                      <a:tailEnd type="none" w="med" len="med"/>
+                    </a:lnR>
+                    <a:lnT w="12700" cap="flat" cmpd="sng" algn="ctr">
+                      <a:solidFill>
+                        <a:srgbClr val="A3A3A3"/>
+                      </a:solidFill>
+                      <a:prstDash val="solid"/>
+                      <a:round/>
+                      <a:headEnd type="none" w="med" len="med"/>
+                      <a:tailEnd type="none" w="med" len="med"/>
+                    </a:lnT>
+                    <a:lnB w="12700" cap="flat" cmpd="sng" algn="ctr">
+                      <a:solidFill>
+                        <a:srgbClr val="A3A3A3"/>
+                      </a:solidFill>
+                      <a:prstDash val="solid"/>
+                      <a:round/>
+                      <a:headEnd type="none" w="med" len="med"/>
+                      <a:tailEnd type="none" w="med" len="med"/>
+                    </a:lnB>
+                  </a:tcPr>
+                </a:tc>
+                <a:extLst>
+                  <a:ext uri="{0D108BD9-81ED-4DB2-BD59-A6C34878D82A}">
+                    <a16:rowId xmlns:a16="http://schemas.microsoft.com/office/drawing/2014/main" val="3439521503"/>
+                  </a:ext>
+                </a:extLst>
+              </a:tr>
+            </a:tbl>
+          </a:graphicData>
+        </a:graphic>
+      </p:graphicFrame>
+    </p:spTree>
+    <p:extLst>
+      <p:ext uri="{BB962C8B-B14F-4D97-AF65-F5344CB8AC3E}">
+        <p14:creationId xmlns:p14="http://schemas.microsoft.com/office/powerpoint/2010/main" val="1132594767"/>
+      </p:ext>
+    </p:extLst>
+  </p:cSld>
+  <p:clrMapOvr>
+    <a:masterClrMapping/>
+  </p:clrMapOvr>
+</p:sld>
+</file>
+
+<file path=ppt/slides/slide5.xml><?xml version="1.0" encoding="utf-8"?>
+<p:sld xmlns:a="http://schemas.openxmlformats.org/drawingml/2006/main" xmlns:r="http://schemas.openxmlformats.org/officeDocument/2006/relationships" xmlns:p="http://schemas.openxmlformats.org/presentationml/2006/main">
+  <p:cSld>
+    <p:spTree>
+      <p:nvGrpSpPr>
+        <p:cNvPr id="1" name=""/>
+        <p:cNvGrpSpPr/>
+        <p:nvPr/>
+      </p:nvGrpSpPr>
+      <p:grpSpPr>
+        <a:xfrm>
+          <a:off x="0" y="0"/>
+          <a:ext cx="0" cy="0"/>
+          <a:chOff x="0" y="0"/>
+          <a:chExt cx="0" cy="0"/>
+        </a:xfrm>
+      </p:grpSpPr>
+      <p:sp>
+        <p:nvSpPr>
+          <p:cNvPr id="2" name="Title 1">
+            <a:extLst>
+              <a:ext uri="{FF2B5EF4-FFF2-40B4-BE49-F238E27FC236}">
+                <a16:creationId xmlns:a16="http://schemas.microsoft.com/office/drawing/2014/main" id="{FF503EBB-34B6-4F71-B3F3-49DE1851A975}"/>
+              </a:ext>
+            </a:extLst>
+          </p:cNvPr>
+          <p:cNvSpPr>
+            <a:spLocks noGrp="1"/>
+          </p:cNvSpPr>
+          <p:nvPr>
+            <p:ph type="title"/>
+          </p:nvPr>
+        </p:nvSpPr>
+        <p:spPr/>
+        <p:txBody>
+          <a:bodyPr/>
+          <a:lstStyle/>
+          <a:p>
+            <a:r>
+              <a:rPr lang="en-US" dirty="0"/>
+              <a:t>Promise</a:t>
+            </a:r>
+          </a:p>
+        </p:txBody>
+      </p:sp>
+      <p:sp>
+        <p:nvSpPr>
+          <p:cNvPr id="3" name="Content Placeholder 2">
+            <a:extLst>
+              <a:ext uri="{FF2B5EF4-FFF2-40B4-BE49-F238E27FC236}">
+                <a16:creationId xmlns:a16="http://schemas.microsoft.com/office/drawing/2014/main" id="{7D8E7C17-FFE9-4D5E-B57A-D12931149242}"/>
+              </a:ext>
+            </a:extLst>
+          </p:cNvPr>
+          <p:cNvSpPr>
+            <a:spLocks noGrp="1"/>
+          </p:cNvSpPr>
+          <p:nvPr>
+            <p:ph idx="1"/>
+          </p:nvPr>
+        </p:nvSpPr>
+        <p:spPr>
+          <a:xfrm>
+            <a:off x="1097280" y="1845734"/>
+            <a:ext cx="3387634" cy="4023360"/>
+          </a:xfrm>
+        </p:spPr>
+        <p:txBody>
+          <a:bodyPr/>
+          <a:lstStyle/>
+          <a:p>
+            <a:r>
+              <a:rPr lang="en-US" i="1" dirty="0"/>
+              <a:t>A promise in JavaScript world is piece of work which is expected to complete (or fail) at some point in future.</a:t>
+            </a:r>
+          </a:p>
+          <a:p>
+            <a:endParaRPr lang="en-US" i="1" dirty="0"/>
+          </a:p>
+          <a:p>
+            <a:pPr marL="0" indent="0">
+              <a:buNone/>
+            </a:pPr>
+            <a:r>
+              <a:rPr lang="en-US" i="1" dirty="0"/>
+              <a:t>A Promise can be in any of three states: Pending, Resolved and Rejected</a:t>
+            </a:r>
+          </a:p>
+        </p:txBody>
+      </p:sp>
+      <p:pic>
+        <p:nvPicPr>
+          <p:cNvPr id="4" name="Picture 2" descr="Image result for javascript promise">
+            <a:extLst>
+              <a:ext uri="{FF2B5EF4-FFF2-40B4-BE49-F238E27FC236}">
+                <a16:creationId xmlns:a16="http://schemas.microsoft.com/office/drawing/2014/main" id="{43B0BEA3-9086-4159-A57E-B26640B35059}"/>
+              </a:ext>
+            </a:extLst>
+          </p:cNvPr>
+          <p:cNvPicPr>
+            <a:picLocks noChangeAspect="1" noChangeArrowheads="1"/>
+          </p:cNvPicPr>
+          <p:nvPr/>
+        </p:nvPicPr>
+        <p:blipFill>
+          <a:blip r:embed="rId3">
+            <a:extLst>
+              <a:ext uri="{28A0092B-C50C-407E-A947-70E740481C1C}">
+                <a14:useLocalDpi xmlns:a14="http://schemas.microsoft.com/office/drawing/2010/main" val="0"/>
+              </a:ext>
+            </a:extLst>
+          </a:blip>
+          <a:srcRect/>
+          <a:stretch>
+            <a:fillRect/>
+          </a:stretch>
+        </p:blipFill>
+        <p:spPr bwMode="auto">
+          <a:xfrm>
+            <a:off x="5778871" y="2223993"/>
+            <a:ext cx="5376809" cy="2614893"/>
+          </a:xfrm>
+          <a:prstGeom prst="rect">
+            <a:avLst/>
+          </a:prstGeom>
+          <a:noFill/>
+          <a:extLst>
+            <a:ext uri="{909E8E84-426E-40DD-AFC4-6F175D3DCCD1}">
+              <a14:hiddenFill xmlns:a14="http://schemas.microsoft.com/office/drawing/2010/main">
+                <a:solidFill>
+                  <a:srgbClr val="FFFFFF"/>
+                </a:solidFill>
+              </a14:hiddenFill>
+            </a:ext>
+          </a:extLst>
+        </p:spPr>
+      </p:pic>
+    </p:spTree>
+    <p:extLst>
+      <p:ext uri="{BB962C8B-B14F-4D97-AF65-F5344CB8AC3E}">
+        <p14:creationId xmlns:p14="http://schemas.microsoft.com/office/powerpoint/2010/main" val="923993779"/>
+      </p:ext>
+    </p:extLst>
+  </p:cSld>
+  <p:clrMapOvr>
+    <a:masterClrMapping/>
+  </p:clrMapOvr>
+</p:sld>
+</file>
+
+<file path=ppt/slides/slide6.xml><?xml version="1.0" encoding="utf-8"?>
+<p:sld xmlns:a="http://schemas.openxmlformats.org/drawingml/2006/main" xmlns:r="http://schemas.openxmlformats.org/officeDocument/2006/relationships" xmlns:p="http://schemas.openxmlformats.org/presentationml/2006/main">
+  <p:cSld>
+    <p:bg>
+      <p:bgPr>
+        <a:solidFill>
+          <a:schemeClr val="bg1"/>
+        </a:solidFill>
+        <a:effectLst/>
+      </p:bgPr>
+    </p:bg>
+    <p:spTree>
+      <p:nvGrpSpPr>
+        <p:cNvPr id="1" name=""/>
+        <p:cNvGrpSpPr/>
+        <p:nvPr/>
+      </p:nvGrpSpPr>
+      <p:grpSpPr>
+        <a:xfrm>
+          <a:off x="0" y="0"/>
+          <a:ext cx="0" cy="0"/>
+          <a:chOff x="0" y="0"/>
+          <a:chExt cx="0" cy="0"/>
+        </a:xfrm>
+      </p:grpSpPr>
+      <p:sp>
+        <p:nvSpPr>
+          <p:cNvPr id="71" name="Rectangle 70">
+            <a:extLst>
+              <a:ext uri="{FF2B5EF4-FFF2-40B4-BE49-F238E27FC236}">
+                <a16:creationId xmlns:a16="http://schemas.microsoft.com/office/drawing/2014/main" id="{4A8FFEA1-1B69-4F42-B552-0CCF7259687D}"/>
+              </a:ext>
+              <a:ext uri="{C183D7F6-B498-43B3-948B-1728B52AA6E4}">
+                <adec:decorative xmlns:adec="http://schemas.microsoft.com/office/drawing/2017/decorative" val="1"/>
+              </a:ext>
+            </a:extLst>
+          </p:cNvPr>
+          <p:cNvSpPr>
+            <a:spLocks noGrp="1" noRot="1" noChangeAspect="1" noMove="1" noResize="1" noEditPoints="1" noAdjustHandles="1" noChangeArrowheads="1" noChangeShapeType="1" noTextEdit="1"/>
+          </p:cNvSpPr>
+          <p:nvPr>
+            <p:extLst>
+              <p:ext uri="{386F3935-93C4-4BCD-93E2-E3B085C9AB24}">
+                <p16:designElem xmlns:p16="http://schemas.microsoft.com/office/powerpoint/2015/main" val="1"/>
+              </p:ext>
+            </p:extLst>
+          </p:nvPr>
+        </p:nvSpPr>
+        <p:spPr>
+          <a:xfrm>
+            <a:off x="3175" y="6400800"/>
+            <a:ext cx="12188825" cy="457200"/>
+          </a:xfrm>
+          <a:prstGeom prst="rect">
+            <a:avLst/>
+          </a:prstGeom>
+          <a:solidFill>
+            <a:schemeClr val="accent2"/>
+          </a:solidFill>
+          <a:ln>
+            <a:noFill/>
+          </a:ln>
+        </p:spPr>
+        <p:style>
+          <a:lnRef idx="2">
+            <a:schemeClr val="accent1">
+              <a:shade val="50000"/>
+            </a:schemeClr>
+          </a:lnRef>
+          <a:fillRef idx="1">
+            <a:schemeClr val="accent1"/>
+          </a:fillRef>
+          <a:effectRef idx="0">
+            <a:schemeClr val="accent1"/>
+          </a:effectRef>
+          <a:fontRef idx="minor">
+            <a:schemeClr val="lt1"/>
+          </a:fontRef>
+        </p:style>
+      </p:sp>
+      <p:sp>
+        <p:nvSpPr>
+          <p:cNvPr id="73" name="Rectangle 72">
+            <a:extLst>
+              <a:ext uri="{FF2B5EF4-FFF2-40B4-BE49-F238E27FC236}">
+                <a16:creationId xmlns:a16="http://schemas.microsoft.com/office/drawing/2014/main" id="{AA3C9226-5EC8-460B-82D7-72AA994DF95E}"/>
+              </a:ext>
+              <a:ext uri="{C183D7F6-B498-43B3-948B-1728B52AA6E4}">
+                <adec:decorative xmlns:adec="http://schemas.microsoft.com/office/drawing/2017/decorative" val="1"/>
+              </a:ext>
+            </a:extLst>
+          </p:cNvPr>
+          <p:cNvSpPr>
+            <a:spLocks noGrp="1" noRot="1" noChangeAspect="1" noMove="1" noResize="1" noEditPoints="1" noAdjustHandles="1" noChangeArrowheads="1" noChangeShapeType="1" noTextEdit="1"/>
+          </p:cNvSpPr>
+          <p:nvPr>
+            <p:extLst>
+              <p:ext uri="{386F3935-93C4-4BCD-93E2-E3B085C9AB24}">
+                <p16:designElem xmlns:p16="http://schemas.microsoft.com/office/powerpoint/2015/main" val="1"/>
+              </p:ext>
+            </p:extLst>
+          </p:nvPr>
+        </p:nvSpPr>
+        <p:spPr>
+          <a:xfrm>
+            <a:off x="15" y="6334316"/>
+            <a:ext cx="12188825" cy="64008"/>
+          </a:xfrm>
+          <a:prstGeom prst="rect">
+            <a:avLst/>
+          </a:prstGeom>
+          <a:solidFill>
+            <a:schemeClr val="accent1"/>
+          </a:solidFill>
+          <a:ln>
+            <a:noFill/>
+          </a:ln>
+        </p:spPr>
+        <p:style>
+          <a:lnRef idx="2">
+            <a:schemeClr val="accent1">
+              <a:shade val="50000"/>
+            </a:schemeClr>
+          </a:lnRef>
+          <a:fillRef idx="1">
+            <a:schemeClr val="accent1"/>
+          </a:fillRef>
+          <a:effectRef idx="0">
+            <a:schemeClr val="accent1"/>
+          </a:effectRef>
+          <a:fontRef idx="minor">
+            <a:schemeClr val="lt1"/>
+          </a:fontRef>
+        </p:style>
+      </p:sp>
+      <p:cxnSp>
+        <p:nvCxnSpPr>
+          <p:cNvPr id="75" name="Straight Connector 74">
+            <a:extLst>
+              <a:ext uri="{FF2B5EF4-FFF2-40B4-BE49-F238E27FC236}">
+                <a16:creationId xmlns:a16="http://schemas.microsoft.com/office/drawing/2014/main" id="{62A90A9D-33DF-408E-BF4C-F82588935C96}"/>
+              </a:ext>
+              <a:ext uri="{C183D7F6-B498-43B3-948B-1728B52AA6E4}">
+                <adec:decorative xmlns:adec="http://schemas.microsoft.com/office/drawing/2017/decorative" val="1"/>
+              </a:ext>
+            </a:extLst>
+          </p:cNvPr>
+          <p:cNvCxnSpPr>
+            <a:cxnSpLocks noGrp="1" noRot="1" noChangeAspect="1" noMove="1" noResize="1" noEditPoints="1" noAdjustHandles="1" noChangeArrowheads="1" noChangeShapeType="1"/>
+          </p:cNvCxnSpPr>
+          <p:nvPr>
+            <p:extLst>
+              <p:ext uri="{386F3935-93C4-4BCD-93E2-E3B085C9AB24}">
+                <p16:designElem xmlns:p16="http://schemas.microsoft.com/office/powerpoint/2015/main" val="1"/>
+              </p:ext>
+            </p:extLst>
+          </p:nvPr>
+        </p:nvCxnSpPr>
+        <p:spPr>
+          <a:xfrm>
+            <a:off x="1207658" y="4343400"/>
+            <a:ext cx="9875520" cy="0"/>
+          </a:xfrm>
+          <a:prstGeom prst="line">
+            <a:avLst/>
+          </a:prstGeom>
+          <a:ln w="6350">
+            <a:solidFill>
+              <a:schemeClr val="tx1">
+                <a:lumMod val="50000"/>
+                <a:lumOff val="50000"/>
+              </a:schemeClr>
+            </a:solidFill>
+          </a:ln>
+        </p:spPr>
+        <p:style>
+          <a:lnRef idx="1">
+            <a:schemeClr val="accent1"/>
+          </a:lnRef>
+          <a:fillRef idx="0">
+            <a:schemeClr val="accent1"/>
+          </a:fillRef>
+          <a:effectRef idx="0">
+            <a:schemeClr val="accent1"/>
+          </a:effectRef>
+          <a:fontRef idx="minor">
+            <a:schemeClr val="tx1"/>
+          </a:fontRef>
+        </p:style>
+      </p:cxnSp>
+      <p:sp useBgFill="1">
+        <p:nvSpPr>
+          <p:cNvPr id="77" name="Rectangle 76">
+            <a:extLst>
+              <a:ext uri="{FF2B5EF4-FFF2-40B4-BE49-F238E27FC236}">
+                <a16:creationId xmlns:a16="http://schemas.microsoft.com/office/drawing/2014/main" id="{E6AA15AE-DAFE-4E1E-B05F-F57962FD3A2F}"/>
+              </a:ext>
+              <a:ext uri="{C183D7F6-B498-43B3-948B-1728B52AA6E4}">
+                <adec:decorative xmlns:adec="http://schemas.microsoft.com/office/drawing/2017/decorative" val="1"/>
+              </a:ext>
+            </a:extLst>
+          </p:cNvPr>
+          <p:cNvSpPr>
+            <a:spLocks noGrp="1" noRot="1" noChangeAspect="1" noMove="1" noResize="1" noEditPoints="1" noAdjustHandles="1" noChangeArrowheads="1" noChangeShapeType="1" noTextEdit="1"/>
+          </p:cNvSpPr>
+          <p:nvPr>
+            <p:extLst>
+              <p:ext uri="{386F3935-93C4-4BCD-93E2-E3B085C9AB24}">
+                <p16:designElem xmlns:p16="http://schemas.microsoft.com/office/powerpoint/2015/main" val="1"/>
+              </p:ext>
+            </p:extLst>
+          </p:nvPr>
+        </p:nvSpPr>
+        <p:spPr>
+          <a:xfrm>
+            <a:off x="0" y="0"/>
+            <a:ext cx="12192001" cy="6334316"/>
+          </a:xfrm>
+          <a:prstGeom prst="rect">
+            <a:avLst/>
+          </a:prstGeom>
+          <a:ln>
+            <a:noFill/>
+          </a:ln>
+        </p:spPr>
+        <p:style>
+          <a:lnRef idx="2">
+            <a:schemeClr val="accent1">
+              <a:shade val="50000"/>
+            </a:schemeClr>
+          </a:lnRef>
+          <a:fillRef idx="1">
+            <a:schemeClr val="accent1"/>
+          </a:fillRef>
+          <a:effectRef idx="0">
+            <a:schemeClr val="accent1"/>
+          </a:effectRef>
+          <a:fontRef idx="minor">
+            <a:schemeClr val="lt1"/>
+          </a:fontRef>
+        </p:style>
+        <p:txBody>
+          <a:bodyPr rtlCol="0" anchor="ctr"/>
+          <a:lstStyle/>
+          <a:p>
+            <a:pPr algn="ctr"/>
+            <a:endParaRPr lang="en-US"/>
+          </a:p>
+        </p:txBody>
+      </p:sp>
+      <p:sp>
+        <p:nvSpPr>
+          <p:cNvPr id="2" name="Title 1">
+            <a:extLst>
+              <a:ext uri="{FF2B5EF4-FFF2-40B4-BE49-F238E27FC236}">
+                <a16:creationId xmlns:a16="http://schemas.microsoft.com/office/drawing/2014/main" id="{876F84AF-1D93-4749-9AC4-2F230C673DF8}"/>
+              </a:ext>
+            </a:extLst>
+          </p:cNvPr>
+          <p:cNvSpPr>
+            <a:spLocks noGrp="1"/>
+          </p:cNvSpPr>
+          <p:nvPr>
+            <p:ph type="title"/>
+          </p:nvPr>
+        </p:nvSpPr>
+        <p:spPr>
+          <a:xfrm>
+            <a:off x="8141110" y="639097"/>
+            <a:ext cx="3401961" cy="3686015"/>
+          </a:xfrm>
+        </p:spPr>
+        <p:txBody>
+          <a:bodyPr vert="horz" lIns="91440" tIns="45720" rIns="91440" bIns="45720" rtlCol="0" anchor="b">
+            <a:normAutofit/>
+          </a:bodyPr>
+          <a:lstStyle/>
+          <a:p>
+            <a:r>
+              <a:rPr lang="en-US" sz="6600">
+                <a:solidFill>
+                  <a:schemeClr val="tx1">
+                    <a:lumMod val="85000"/>
+                    <a:lumOff val="15000"/>
+                  </a:schemeClr>
+                </a:solidFill>
+              </a:rPr>
+              <a:t>Async &amp; Await</a:t>
+            </a:r>
+          </a:p>
+        </p:txBody>
+      </p:sp>
+      <p:pic>
+        <p:nvPicPr>
+          <p:cNvPr id="4098" name="Picture 2" descr="Image result for async javascript es6">
+            <a:extLst>
+              <a:ext uri="{FF2B5EF4-FFF2-40B4-BE49-F238E27FC236}">
+                <a16:creationId xmlns:a16="http://schemas.microsoft.com/office/drawing/2014/main" id="{7DECF178-F596-417B-96C5-29D6464875C9}"/>
+              </a:ext>
+            </a:extLst>
+          </p:cNvPr>
+          <p:cNvPicPr>
+            <a:picLocks noGrp="1" noChangeAspect="1" noChangeArrowheads="1"/>
+          </p:cNvPicPr>
+          <p:nvPr>
+            <p:ph idx="1"/>
+          </p:nvPr>
+        </p:nvPicPr>
+        <p:blipFill>
+          <a:blip r:embed="rId2">
+            <a:extLst>
+              <a:ext uri="{28A0092B-C50C-407E-A947-70E740481C1C}">
+                <a14:useLocalDpi xmlns:a14="http://schemas.microsoft.com/office/drawing/2010/main" val="0"/>
+              </a:ext>
+            </a:extLst>
+          </a:blip>
+          <a:srcRect/>
+          <a:stretch>
+            <a:fillRect/>
+          </a:stretch>
+        </p:blipFill>
+        <p:spPr bwMode="auto">
+          <a:xfrm>
+            <a:off x="633999" y="808365"/>
+            <a:ext cx="6912217" cy="4717587"/>
+          </a:xfrm>
+          <a:prstGeom prst="rect">
+            <a:avLst/>
+          </a:prstGeom>
+          <a:noFill/>
+          <a:extLst>
+            <a:ext uri="{909E8E84-426E-40DD-AFC4-6F175D3DCCD1}">
+              <a14:hiddenFill xmlns:a14="http://schemas.microsoft.com/office/drawing/2010/main">
+                <a:solidFill>
+                  <a:srgbClr val="FFFFFF"/>
+                </a:solidFill>
+              </a14:hiddenFill>
+            </a:ext>
+          </a:extLst>
+        </p:spPr>
+      </p:pic>
+      <p:cxnSp>
+        <p:nvCxnSpPr>
+          <p:cNvPr id="79" name="Straight Connector 78">
+            <a:extLst>
+              <a:ext uri="{FF2B5EF4-FFF2-40B4-BE49-F238E27FC236}">
+                <a16:creationId xmlns:a16="http://schemas.microsoft.com/office/drawing/2014/main" id="{D07141D5-A57C-43F5-A655-5BA2D0D2AFF3}"/>
+              </a:ext>
+              <a:ext uri="{C183D7F6-B498-43B3-948B-1728B52AA6E4}">
+                <adec:decorative xmlns:adec="http://schemas.microsoft.com/office/drawing/2017/decorative" val="1"/>
+              </a:ext>
+            </a:extLst>
+          </p:cNvPr>
+          <p:cNvCxnSpPr>
+            <a:cxnSpLocks noGrp="1" noRot="1" noChangeAspect="1" noMove="1" noResize="1" noEditPoints="1" noAdjustHandles="1" noChangeArrowheads="1" noChangeShapeType="1"/>
+          </p:cNvCxnSpPr>
+          <p:nvPr>
+            <p:extLst>
+              <p:ext uri="{386F3935-93C4-4BCD-93E2-E3B085C9AB24}">
+                <p16:designElem xmlns:p16="http://schemas.microsoft.com/office/powerpoint/2015/main" val="1"/>
+              </p:ext>
+            </p:extLst>
+          </p:nvPr>
+        </p:nvCxnSpPr>
+        <p:spPr>
+          <a:xfrm>
+            <a:off x="8209305" y="4343400"/>
+            <a:ext cx="3200400" cy="0"/>
+          </a:xfrm>
+          <a:prstGeom prst="line">
+            <a:avLst/>
+          </a:prstGeom>
+          <a:ln w="6350">
+            <a:solidFill>
+              <a:schemeClr val="tx2">
+                <a:alpha val="90000"/>
+              </a:schemeClr>
+            </a:solidFill>
+          </a:ln>
+        </p:spPr>
+        <p:style>
+          <a:lnRef idx="1">
+            <a:schemeClr val="accent1"/>
+          </a:lnRef>
+          <a:fillRef idx="0">
+            <a:schemeClr val="accent1"/>
+          </a:fillRef>
+          <a:effectRef idx="0">
+            <a:schemeClr val="accent1"/>
+          </a:effectRef>
+          <a:fontRef idx="minor">
+            <a:schemeClr val="tx1"/>
+          </a:fontRef>
+        </p:style>
+      </p:cxnSp>
+      <p:sp>
+        <p:nvSpPr>
+          <p:cNvPr id="81" name="Rectangle 80">
+            <a:extLst>
+              <a:ext uri="{FF2B5EF4-FFF2-40B4-BE49-F238E27FC236}">
+                <a16:creationId xmlns:a16="http://schemas.microsoft.com/office/drawing/2014/main" id="{D9DB1F97-BFF9-46CC-8EB4-BB63B98F13CA}"/>
+              </a:ext>
+              <a:ext uri="{C183D7F6-B498-43B3-948B-1728B52AA6E4}">
+                <adec:decorative xmlns:adec="http://schemas.microsoft.com/office/drawing/2017/decorative" val="1"/>
+              </a:ext>
+            </a:extLst>
+          </p:cNvPr>
+          <p:cNvSpPr>
+            <a:spLocks noGrp="1" noRot="1" noChangeAspect="1" noMove="1" noResize="1" noEditPoints="1" noAdjustHandles="1" noChangeArrowheads="1" noChangeShapeType="1" noTextEdit="1"/>
+          </p:cNvSpPr>
+          <p:nvPr>
+            <p:extLst>
+              <p:ext uri="{386F3935-93C4-4BCD-93E2-E3B085C9AB24}">
+                <p16:designElem xmlns:p16="http://schemas.microsoft.com/office/powerpoint/2015/main" val="1"/>
+              </p:ext>
+            </p:extLst>
+          </p:nvPr>
+        </p:nvSpPr>
+        <p:spPr>
+          <a:xfrm>
+            <a:off x="15" y="6334316"/>
+            <a:ext cx="12191985" cy="66484"/>
+          </a:xfrm>
+          <a:prstGeom prst="rect">
+            <a:avLst/>
+          </a:prstGeom>
+          <a:solidFill>
+            <a:schemeClr val="accent1"/>
+          </a:solidFill>
+          <a:ln>
+            <a:noFill/>
+          </a:ln>
+        </p:spPr>
+        <p:style>
+          <a:lnRef idx="2">
+            <a:schemeClr val="accent1">
+              <a:shade val="50000"/>
+            </a:schemeClr>
+          </a:lnRef>
+          <a:fillRef idx="1">
+            <a:schemeClr val="accent1"/>
+          </a:fillRef>
+          <a:effectRef idx="0">
+            <a:schemeClr val="accent1"/>
+          </a:effectRef>
+          <a:fontRef idx="minor">
+            <a:schemeClr val="lt1"/>
+          </a:fontRef>
+        </p:style>
+      </p:sp>
+      <p:sp>
+        <p:nvSpPr>
+          <p:cNvPr id="83" name="Rectangle 82">
+            <a:extLst>
+              <a:ext uri="{FF2B5EF4-FFF2-40B4-BE49-F238E27FC236}">
+                <a16:creationId xmlns:a16="http://schemas.microsoft.com/office/drawing/2014/main" id="{88CAE6E3-39B4-4A16-97BC-9C376B9B7EAF}"/>
+              </a:ext>
+              <a:ext uri="{C183D7F6-B498-43B3-948B-1728B52AA6E4}">
+                <adec:decorative xmlns:adec="http://schemas.microsoft.com/office/drawing/2017/decorative" val="1"/>
+              </a:ext>
+            </a:extLst>
+          </p:cNvPr>
+          <p:cNvSpPr>
+            <a:spLocks noGrp="1" noRot="1" noChangeAspect="1" noMove="1" noResize="1" noEditPoints="1" noAdjustHandles="1" noChangeArrowheads="1" noChangeShapeType="1" noTextEdit="1"/>
+          </p:cNvSpPr>
+          <p:nvPr>
+            <p:extLst>
+              <p:ext uri="{386F3935-93C4-4BCD-93E2-E3B085C9AB24}">
+                <p16:designElem xmlns:p16="http://schemas.microsoft.com/office/powerpoint/2015/main" val="1"/>
+              </p:ext>
+            </p:extLst>
+          </p:nvPr>
+        </p:nvSpPr>
+        <p:spPr>
+          <a:xfrm>
+            <a:off x="1" y="6400800"/>
+            <a:ext cx="12192000" cy="457200"/>
+          </a:xfrm>
+          <a:prstGeom prst="rect">
+            <a:avLst/>
+          </a:prstGeom>
+          <a:solidFill>
+            <a:schemeClr val="accent2"/>
+          </a:solidFill>
+          <a:ln>
+            <a:noFill/>
+          </a:ln>
+        </p:spPr>
+        <p:style>
+          <a:lnRef idx="2">
+            <a:schemeClr val="accent1">
+              <a:shade val="50000"/>
+            </a:schemeClr>
+          </a:lnRef>
+          <a:fillRef idx="1">
+            <a:schemeClr val="accent1"/>
+          </a:fillRef>
+          <a:effectRef idx="0">
+            <a:schemeClr val="accent1"/>
+          </a:effectRef>
+          <a:fontRef idx="minor">
+            <a:schemeClr val="lt1"/>
+          </a:fontRef>
+        </p:style>
+      </p:sp>
+    </p:spTree>
+    <p:extLst>
+      <p:ext uri="{BB962C8B-B14F-4D97-AF65-F5344CB8AC3E}">
+        <p14:creationId xmlns:p14="http://schemas.microsoft.com/office/powerpoint/2010/main" val="3300693305"/>
+      </p:ext>
+    </p:extLst>
+  </p:cSld>
+  <p:clrMapOvr>
+    <a:masterClrMapping/>
+  </p:clrMapOvr>
+</p:sld>
+</file>
+
+<file path=ppt/slides/slide7.xml><?xml version="1.0" encoding="utf-8"?>
+<p:sld xmlns:a="http://schemas.openxmlformats.org/drawingml/2006/main" xmlns:r="http://schemas.openxmlformats.org/officeDocument/2006/relationships" xmlns:p="http://schemas.openxmlformats.org/presentationml/2006/main">
+  <p:cSld>
+    <p:bg>
+      <p:bgPr>
+        <a:solidFill>
+          <a:schemeClr val="bg1"/>
+        </a:solidFill>
+        <a:effectLst/>
+      </p:bgPr>
+    </p:bg>
+    <p:spTree>
+      <p:nvGrpSpPr>
+        <p:cNvPr id="1" name=""/>
+        <p:cNvGrpSpPr/>
+        <p:nvPr/>
+      </p:nvGrpSpPr>
+      <p:grpSpPr>
+        <a:xfrm>
+          <a:off x="0" y="0"/>
+          <a:ext cx="0" cy="0"/>
+          <a:chOff x="0" y="0"/>
+          <a:chExt cx="0" cy="0"/>
+        </a:xfrm>
+      </p:grpSpPr>
+      <p:sp useBgFill="1">
+        <p:nvSpPr>
+          <p:cNvPr id="10" name="Rectangle 9">
+            <a:extLst>
+              <a:ext uri="{FF2B5EF4-FFF2-40B4-BE49-F238E27FC236}">
+                <a16:creationId xmlns:a16="http://schemas.microsoft.com/office/drawing/2014/main" id="{B9D3A0FC-5D74-4BAC-9DDB-68A942650BC9}"/>
+              </a:ext>
+              <a:ext uri="{C183D7F6-B498-43B3-948B-1728B52AA6E4}">
+                <adec:decorative xmlns:adec="http://schemas.microsoft.com/office/drawing/2017/decorative" val="1"/>
+              </a:ext>
+            </a:extLst>
+          </p:cNvPr>
+          <p:cNvSpPr>
+            <a:spLocks noGrp="1" noRot="1" noChangeAspect="1" noMove="1" noResize="1" noEditPoints="1" noAdjustHandles="1" noChangeArrowheads="1" noChangeShapeType="1" noTextEdit="1"/>
+          </p:cNvSpPr>
+          <p:nvPr>
+            <p:extLst>
+              <p:ext uri="{386F3935-93C4-4BCD-93E2-E3B085C9AB24}">
+                <p16:designElem xmlns:p16="http://schemas.microsoft.com/office/powerpoint/2015/main" val="1"/>
+              </p:ext>
+            </p:extLst>
+          </p:nvPr>
+        </p:nvSpPr>
+        <p:spPr>
+          <a:xfrm>
+            <a:off x="0" y="0"/>
+            <a:ext cx="12192001" cy="6334316"/>
+          </a:xfrm>
+          <a:prstGeom prst="rect">
+            <a:avLst/>
+          </a:prstGeom>
+          <a:ln>
+            <a:noFill/>
+          </a:ln>
+        </p:spPr>
+        <p:style>
+          <a:lnRef idx="2">
+            <a:schemeClr val="accent1">
+              <a:shade val="50000"/>
+            </a:schemeClr>
+          </a:lnRef>
+          <a:fillRef idx="1">
+            <a:schemeClr val="accent1"/>
+          </a:fillRef>
+          <a:effectRef idx="0">
+            <a:schemeClr val="accent1"/>
+          </a:effectRef>
+          <a:fontRef idx="minor">
+            <a:schemeClr val="lt1"/>
+          </a:fontRef>
+        </p:style>
+        <p:txBody>
+          <a:bodyPr rtlCol="0" anchor="ctr"/>
+          <a:lstStyle/>
+          <a:p>
+            <a:pPr algn="ctr"/>
+            <a:endParaRPr lang="en-US"/>
+          </a:p>
+        </p:txBody>
+      </p:sp>
+      <p:sp>
+        <p:nvSpPr>
+          <p:cNvPr id="2" name="Title 1">
+            <a:extLst>
+              <a:ext uri="{FF2B5EF4-FFF2-40B4-BE49-F238E27FC236}">
+                <a16:creationId xmlns:a16="http://schemas.microsoft.com/office/drawing/2014/main" id="{1A43DDAC-2C98-4FBD-B451-0148A5D92FDC}"/>
+              </a:ext>
+            </a:extLst>
+          </p:cNvPr>
+          <p:cNvSpPr>
+            <a:spLocks noGrp="1"/>
+          </p:cNvSpPr>
+          <p:nvPr>
+            <p:ph type="title"/>
+          </p:nvPr>
+        </p:nvSpPr>
+        <p:spPr>
+          <a:xfrm>
+            <a:off x="4974771" y="634946"/>
+            <a:ext cx="6574972" cy="1450757"/>
+          </a:xfrm>
+        </p:spPr>
+        <p:txBody>
+          <a:bodyPr>
+            <a:normAutofit/>
+          </a:bodyPr>
+          <a:lstStyle/>
+          <a:p>
+            <a:r>
+              <a:rPr lang="en-US" dirty="0"/>
+              <a:t>Async &amp; Await</a:t>
+            </a:r>
+          </a:p>
+        </p:txBody>
+      </p:sp>
+      <p:pic>
+        <p:nvPicPr>
+          <p:cNvPr id="5" name="Picture 4">
+            <a:extLst>
+              <a:ext uri="{FF2B5EF4-FFF2-40B4-BE49-F238E27FC236}">
+                <a16:creationId xmlns:a16="http://schemas.microsoft.com/office/drawing/2014/main" id="{82664AB9-AE66-4517-9BBF-A0EE7F9F3C09}"/>
+              </a:ext>
+            </a:extLst>
+          </p:cNvPr>
+          <p:cNvPicPr>
+            <a:picLocks noChangeAspect="1"/>
+          </p:cNvPicPr>
+          <p:nvPr/>
+        </p:nvPicPr>
+        <p:blipFill>
+          <a:blip r:embed="rId2"/>
+          <a:stretch>
+            <a:fillRect/>
+          </a:stretch>
+        </p:blipFill>
+        <p:spPr>
+          <a:xfrm>
+            <a:off x="633999" y="713613"/>
+            <a:ext cx="4001315" cy="5167342"/>
+          </a:xfrm>
+          <a:prstGeom prst="rect">
+            <a:avLst/>
+          </a:prstGeom>
+        </p:spPr>
+      </p:pic>
+      <p:cxnSp>
+        <p:nvCxnSpPr>
+          <p:cNvPr id="12" name="Straight Connector 11">
+            <a:extLst>
+              <a:ext uri="{FF2B5EF4-FFF2-40B4-BE49-F238E27FC236}">
+                <a16:creationId xmlns:a16="http://schemas.microsoft.com/office/drawing/2014/main" id="{69B36A11-4FA0-4989-A465-037DF52469FA}"/>
+              </a:ext>
+              <a:ext uri="{C183D7F6-B498-43B3-948B-1728B52AA6E4}">
+                <adec:decorative xmlns:adec="http://schemas.microsoft.com/office/drawing/2017/decorative" val="1"/>
+              </a:ext>
+            </a:extLst>
+          </p:cNvPr>
+          <p:cNvCxnSpPr>
+            <a:cxnSpLocks noGrp="1" noRot="1" noChangeAspect="1" noMove="1" noResize="1" noEditPoints="1" noAdjustHandles="1" noChangeArrowheads="1" noChangeShapeType="1"/>
+          </p:cNvCxnSpPr>
+          <p:nvPr>
+            <p:extLst>
+              <p:ext uri="{386F3935-93C4-4BCD-93E2-E3B085C9AB24}">
+                <p16:designElem xmlns:p16="http://schemas.microsoft.com/office/powerpoint/2015/main" val="1"/>
+              </p:ext>
+            </p:extLst>
+          </p:nvPr>
+        </p:nvCxnSpPr>
+        <p:spPr>
+          <a:xfrm>
+            <a:off x="4974770" y="2086188"/>
+            <a:ext cx="6089768" cy="0"/>
+          </a:xfrm>
+          <a:prstGeom prst="line">
+            <a:avLst/>
+          </a:prstGeom>
+          <a:ln w="6350">
+            <a:solidFill>
+              <a:schemeClr val="tx1">
+                <a:lumMod val="50000"/>
+                <a:lumOff val="50000"/>
+                <a:alpha val="90000"/>
+              </a:schemeClr>
+            </a:solidFill>
+          </a:ln>
+        </p:spPr>
+        <p:style>
+          <a:lnRef idx="1">
+            <a:schemeClr val="accent1"/>
+          </a:lnRef>
+          <a:fillRef idx="0">
+            <a:schemeClr val="accent1"/>
+          </a:fillRef>
+          <a:effectRef idx="0">
+            <a:schemeClr val="accent1"/>
+          </a:effectRef>
+          <a:fontRef idx="minor">
+            <a:schemeClr val="tx1"/>
+          </a:fontRef>
+        </p:style>
+      </p:cxnSp>
+      <p:sp>
+        <p:nvSpPr>
+          <p:cNvPr id="3" name="Content Placeholder 2">
+            <a:extLst>
+              <a:ext uri="{FF2B5EF4-FFF2-40B4-BE49-F238E27FC236}">
+                <a16:creationId xmlns:a16="http://schemas.microsoft.com/office/drawing/2014/main" id="{62536CC0-4C67-4844-87B6-27F19B02B0E9}"/>
+              </a:ext>
+            </a:extLst>
+          </p:cNvPr>
+          <p:cNvSpPr>
+            <a:spLocks noGrp="1"/>
+          </p:cNvSpPr>
+          <p:nvPr>
+            <p:ph idx="1"/>
+          </p:nvPr>
+        </p:nvSpPr>
+        <p:spPr>
+          <a:xfrm>
+            <a:off x="4974769" y="2198914"/>
+            <a:ext cx="6574973" cy="3670180"/>
+          </a:xfrm>
+        </p:spPr>
+        <p:txBody>
+          <a:bodyPr>
+            <a:normAutofit/>
+          </a:bodyPr>
+          <a:lstStyle/>
+          <a:p>
+            <a:r>
+              <a:rPr lang="en-US" dirty="0"/>
+              <a:t>ES 2017 introduced </a:t>
+            </a:r>
+            <a:r>
+              <a:rPr lang="en-US" b="1" dirty="0"/>
+              <a:t>Asynchronous</a:t>
+            </a:r>
+            <a:r>
+              <a:rPr lang="en-US" dirty="0"/>
+              <a:t> functions</a:t>
+            </a:r>
+          </a:p>
+          <a:p>
+            <a:r>
+              <a:rPr lang="en-US" dirty="0"/>
+              <a:t>It is non-blocking (just like promises and callbacks).</a:t>
+            </a:r>
+          </a:p>
+          <a:p>
+            <a:r>
+              <a:rPr lang="en-US" dirty="0"/>
+              <a:t>Async/Await was created to simplify the process of working with and writing chained promises.</a:t>
+            </a:r>
+          </a:p>
+          <a:p>
+            <a:r>
+              <a:rPr lang="en-US" dirty="0"/>
+              <a:t>Async functions return a Promise. If the function throws an error, the Promise will be rejected. If the function returns a value, the Promise will be resolved.</a:t>
+            </a:r>
+          </a:p>
+          <a:p>
+            <a:endParaRPr lang="en-US" dirty="0"/>
+          </a:p>
+        </p:txBody>
+      </p:sp>
+      <p:sp>
+        <p:nvSpPr>
+          <p:cNvPr id="14" name="Rectangle 13">
+            <a:extLst>
+              <a:ext uri="{FF2B5EF4-FFF2-40B4-BE49-F238E27FC236}">
+                <a16:creationId xmlns:a16="http://schemas.microsoft.com/office/drawing/2014/main" id="{B8DB8C60-3B7D-46C5-B1A9-A295D8A4853F}"/>
+              </a:ext>
+              <a:ext uri="{C183D7F6-B498-43B3-948B-1728B52AA6E4}">
+                <adec:decorative xmlns:adec="http://schemas.microsoft.com/office/drawing/2017/decorative" val="1"/>
+              </a:ext>
+            </a:extLst>
+          </p:cNvPr>
+          <p:cNvSpPr>
+            <a:spLocks noGrp="1" noRot="1" noChangeAspect="1" noMove="1" noResize="1" noEditPoints="1" noAdjustHandles="1" noChangeArrowheads="1" noChangeShapeType="1" noTextEdit="1"/>
+          </p:cNvSpPr>
+          <p:nvPr>
+            <p:extLst>
+              <p:ext uri="{386F3935-93C4-4BCD-93E2-E3B085C9AB24}">
+                <p16:designElem xmlns:p16="http://schemas.microsoft.com/office/powerpoint/2015/main" val="1"/>
+              </p:ext>
+            </p:extLst>
+          </p:nvPr>
+        </p:nvSpPr>
+        <p:spPr>
+          <a:xfrm>
+            <a:off x="15" y="6334316"/>
+            <a:ext cx="12191985" cy="66484"/>
+          </a:xfrm>
+          <a:prstGeom prst="rect">
+            <a:avLst/>
+          </a:prstGeom>
+          <a:solidFill>
+            <a:schemeClr val="accent1"/>
+          </a:solidFill>
+          <a:ln>
+            <a:noFill/>
+          </a:ln>
+        </p:spPr>
+        <p:style>
+          <a:lnRef idx="2">
+            <a:schemeClr val="accent1">
+              <a:shade val="50000"/>
+            </a:schemeClr>
+          </a:lnRef>
+          <a:fillRef idx="1">
+            <a:schemeClr val="accent1"/>
+          </a:fillRef>
+          <a:effectRef idx="0">
+            <a:schemeClr val="accent1"/>
+          </a:effectRef>
+          <a:fontRef idx="minor">
+            <a:schemeClr val="lt1"/>
+          </a:fontRef>
+        </p:style>
+      </p:sp>
+      <p:sp>
+        <p:nvSpPr>
+          <p:cNvPr id="16" name="Rectangle 15">
+            <a:extLst>
+              <a:ext uri="{FF2B5EF4-FFF2-40B4-BE49-F238E27FC236}">
+                <a16:creationId xmlns:a16="http://schemas.microsoft.com/office/drawing/2014/main" id="{7B7006A8-EB46-45ED-977F-BC489E2B7E7A}"/>
+              </a:ext>
+              <a:ext uri="{C183D7F6-B498-43B3-948B-1728B52AA6E4}">
+                <adec:decorative xmlns:adec="http://schemas.microsoft.com/office/drawing/2017/decorative" val="1"/>
+              </a:ext>
+            </a:extLst>
+          </p:cNvPr>
+          <p:cNvSpPr>
+            <a:spLocks noGrp="1" noRot="1" noChangeAspect="1" noMove="1" noResize="1" noEditPoints="1" noAdjustHandles="1" noChangeArrowheads="1" noChangeShapeType="1" noTextEdit="1"/>
+          </p:cNvSpPr>
+          <p:nvPr>
+            <p:extLst>
+              <p:ext uri="{386F3935-93C4-4BCD-93E2-E3B085C9AB24}">
+                <p16:designElem xmlns:p16="http://schemas.microsoft.com/office/powerpoint/2015/main" val="1"/>
+              </p:ext>
+            </p:extLst>
+          </p:nvPr>
+        </p:nvSpPr>
+        <p:spPr>
+          <a:xfrm>
+            <a:off x="1" y="6400800"/>
+            <a:ext cx="12192000" cy="457200"/>
+          </a:xfrm>
+          <a:prstGeom prst="rect">
+            <a:avLst/>
+          </a:prstGeom>
+          <a:solidFill>
+            <a:schemeClr val="accent2"/>
+          </a:solidFill>
+          <a:ln>
+            <a:noFill/>
+          </a:ln>
+        </p:spPr>
+        <p:style>
+          <a:lnRef idx="2">
+            <a:schemeClr val="accent1">
+              <a:shade val="50000"/>
+            </a:schemeClr>
+          </a:lnRef>
+          <a:fillRef idx="1">
+            <a:schemeClr val="accent1"/>
+          </a:fillRef>
+          <a:effectRef idx="0">
+            <a:schemeClr val="accent1"/>
+          </a:effectRef>
+          <a:fontRef idx="minor">
+            <a:schemeClr val="lt1"/>
+          </a:fontRef>
+        </p:style>
+      </p:sp>
+    </p:spTree>
+    <p:extLst>
+      <p:ext uri="{BB962C8B-B14F-4D97-AF65-F5344CB8AC3E}">
+        <p14:creationId xmlns:p14="http://schemas.microsoft.com/office/powerpoint/2010/main" val="1696922839"/>
+      </p:ext>
+    </p:extLst>
+  </p:cSld>
+  <p:clrMapOvr>
+    <a:masterClrMapping/>
+  </p:clrMapOvr>
+</p:sld>
+</file>
+
+<file path=ppt/slides/slide8.xml><?xml version="1.0" encoding="utf-8"?>
 <p:sld xmlns:a="http://schemas.openxmlformats.org/drawingml/2006/main" xmlns:r="http://schemas.openxmlformats.org/officeDocument/2006/relationships" xmlns:p="http://schemas.openxmlformats.org/presentationml/2006/main">
   <p:cSld>
     <p:bg>
@@ -9953,1787 +11734,6 @@
 </p:sld>
 </file>
 
-<file path=ppt/slides/slide5.xml><?xml version="1.0" encoding="utf-8"?>
-<p:sld xmlns:a="http://schemas.openxmlformats.org/drawingml/2006/main" xmlns:r="http://schemas.openxmlformats.org/officeDocument/2006/relationships" xmlns:p="http://schemas.openxmlformats.org/presentationml/2006/main">
-  <p:cSld>
-    <p:bg>
-      <p:bgPr>
-        <a:solidFill>
-          <a:schemeClr val="bg1"/>
-        </a:solidFill>
-        <a:effectLst/>
-      </p:bgPr>
-    </p:bg>
-    <p:spTree>
-      <p:nvGrpSpPr>
-        <p:cNvPr id="1" name=""/>
-        <p:cNvGrpSpPr/>
-        <p:nvPr/>
-      </p:nvGrpSpPr>
-      <p:grpSpPr>
-        <a:xfrm>
-          <a:off x="0" y="0"/>
-          <a:ext cx="0" cy="0"/>
-          <a:chOff x="0" y="0"/>
-          <a:chExt cx="0" cy="0"/>
-        </a:xfrm>
-      </p:grpSpPr>
-      <p:sp useBgFill="1">
-        <p:nvSpPr>
-          <p:cNvPr id="12" name="Rectangle 11">
-            <a:extLst>
-              <a:ext uri="{FF2B5EF4-FFF2-40B4-BE49-F238E27FC236}">
-                <a16:creationId xmlns:a16="http://schemas.microsoft.com/office/drawing/2014/main" id="{605A42EF-68E6-4808-81CD-E5ABD0ED92CA}"/>
-              </a:ext>
-              <a:ext uri="{C183D7F6-B498-43B3-948B-1728B52AA6E4}">
-                <adec:decorative xmlns:adec="http://schemas.microsoft.com/office/drawing/2017/decorative" val="1"/>
-              </a:ext>
-            </a:extLst>
-          </p:cNvPr>
-          <p:cNvSpPr>
-            <a:spLocks noGrp="1" noRot="1" noChangeAspect="1" noMove="1" noResize="1" noEditPoints="1" noAdjustHandles="1" noChangeArrowheads="1" noChangeShapeType="1" noTextEdit="1"/>
-          </p:cNvSpPr>
-          <p:nvPr>
-            <p:extLst>
-              <p:ext uri="{386F3935-93C4-4BCD-93E2-E3B085C9AB24}">
-                <p16:designElem xmlns:p16="http://schemas.microsoft.com/office/powerpoint/2015/main" val="1"/>
-              </p:ext>
-            </p:extLst>
-          </p:nvPr>
-        </p:nvSpPr>
-        <p:spPr>
-          <a:xfrm>
-            <a:off x="0" y="0"/>
-            <a:ext cx="12192001" cy="6334316"/>
-          </a:xfrm>
-          <a:prstGeom prst="rect">
-            <a:avLst/>
-          </a:prstGeom>
-          <a:ln>
-            <a:noFill/>
-          </a:ln>
-        </p:spPr>
-        <p:style>
-          <a:lnRef idx="2">
-            <a:schemeClr val="accent1">
-              <a:shade val="50000"/>
-            </a:schemeClr>
-          </a:lnRef>
-          <a:fillRef idx="1">
-            <a:schemeClr val="accent1"/>
-          </a:fillRef>
-          <a:effectRef idx="0">
-            <a:schemeClr val="accent1"/>
-          </a:effectRef>
-          <a:fontRef idx="minor">
-            <a:schemeClr val="lt1"/>
-          </a:fontRef>
-        </p:style>
-        <p:txBody>
-          <a:bodyPr rtlCol="0" anchor="ctr"/>
-          <a:lstStyle/>
-          <a:p>
-            <a:pPr algn="ctr"/>
-            <a:endParaRPr lang="en-US"/>
-          </a:p>
-        </p:txBody>
-      </p:sp>
-      <p:sp>
-        <p:nvSpPr>
-          <p:cNvPr id="2" name="Title 1">
-            <a:extLst>
-              <a:ext uri="{FF2B5EF4-FFF2-40B4-BE49-F238E27FC236}">
-                <a16:creationId xmlns:a16="http://schemas.microsoft.com/office/drawing/2014/main" id="{183999A5-C373-4C5D-B0FF-5FA3816C1A47}"/>
-              </a:ext>
-            </a:extLst>
-          </p:cNvPr>
-          <p:cNvSpPr>
-            <a:spLocks noGrp="1"/>
-          </p:cNvSpPr>
-          <p:nvPr>
-            <p:ph type="title"/>
-          </p:nvPr>
-        </p:nvSpPr>
-        <p:spPr>
-          <a:xfrm>
-            <a:off x="6411685" y="634946"/>
-            <a:ext cx="5127171" cy="1450757"/>
-          </a:xfrm>
-        </p:spPr>
-        <p:txBody>
-          <a:bodyPr>
-            <a:normAutofit/>
-          </a:bodyPr>
-          <a:lstStyle/>
-          <a:p>
-            <a:r>
-              <a:rPr lang="en-US" dirty="0"/>
-              <a:t>Asynchronous Programming </a:t>
-            </a:r>
-            <a:r>
-              <a:rPr lang="en-US"/>
-              <a:t>/ ES8</a:t>
-            </a:r>
-            <a:endParaRPr lang="en-US" dirty="0"/>
-          </a:p>
-        </p:txBody>
-      </p:sp>
-      <p:cxnSp>
-        <p:nvCxnSpPr>
-          <p:cNvPr id="14" name="Straight Connector 13">
-            <a:extLst>
-              <a:ext uri="{FF2B5EF4-FFF2-40B4-BE49-F238E27FC236}">
-                <a16:creationId xmlns:a16="http://schemas.microsoft.com/office/drawing/2014/main" id="{3C4A154E-1950-4755-A5FC-5998EE0CC14B}"/>
-              </a:ext>
-              <a:ext uri="{C183D7F6-B498-43B3-948B-1728B52AA6E4}">
-                <adec:decorative xmlns:adec="http://schemas.microsoft.com/office/drawing/2017/decorative" val="1"/>
-              </a:ext>
-            </a:extLst>
-          </p:cNvPr>
-          <p:cNvCxnSpPr>
-            <a:cxnSpLocks noGrp="1" noRot="1" noChangeAspect="1" noMove="1" noResize="1" noEditPoints="1" noAdjustHandles="1" noChangeArrowheads="1" noChangeShapeType="1"/>
-          </p:cNvCxnSpPr>
-          <p:nvPr>
-            <p:extLst>
-              <p:ext uri="{386F3935-93C4-4BCD-93E2-E3B085C9AB24}">
-                <p16:designElem xmlns:p16="http://schemas.microsoft.com/office/powerpoint/2015/main" val="1"/>
-              </p:ext>
-            </p:extLst>
-          </p:nvPr>
-        </p:nvCxnSpPr>
-        <p:spPr>
-          <a:xfrm>
-            <a:off x="6411684" y="2086188"/>
-            <a:ext cx="4748808" cy="0"/>
-          </a:xfrm>
-          <a:prstGeom prst="line">
-            <a:avLst/>
-          </a:prstGeom>
-          <a:ln w="6350">
-            <a:solidFill>
-              <a:schemeClr val="tx1">
-                <a:lumMod val="50000"/>
-                <a:lumOff val="50000"/>
-                <a:alpha val="90000"/>
-              </a:schemeClr>
-            </a:solidFill>
-          </a:ln>
-        </p:spPr>
-        <p:style>
-          <a:lnRef idx="1">
-            <a:schemeClr val="accent1"/>
-          </a:lnRef>
-          <a:fillRef idx="0">
-            <a:schemeClr val="accent1"/>
-          </a:fillRef>
-          <a:effectRef idx="0">
-            <a:schemeClr val="accent1"/>
-          </a:effectRef>
-          <a:fontRef idx="minor">
-            <a:schemeClr val="tx1"/>
-          </a:fontRef>
-        </p:style>
-      </p:cxnSp>
-      <p:sp>
-        <p:nvSpPr>
-          <p:cNvPr id="16" name="Rectangle 15">
-            <a:extLst>
-              <a:ext uri="{FF2B5EF4-FFF2-40B4-BE49-F238E27FC236}">
-                <a16:creationId xmlns:a16="http://schemas.microsoft.com/office/drawing/2014/main" id="{3FE9C285-56FB-4B36-8ECA-C2D6596AA906}"/>
-              </a:ext>
-              <a:ext uri="{C183D7F6-B498-43B3-948B-1728B52AA6E4}">
-                <adec:decorative xmlns:adec="http://schemas.microsoft.com/office/drawing/2017/decorative" val="1"/>
-              </a:ext>
-            </a:extLst>
-          </p:cNvPr>
-          <p:cNvSpPr>
-            <a:spLocks noGrp="1" noRot="1" noChangeAspect="1" noMove="1" noResize="1" noEditPoints="1" noAdjustHandles="1" noChangeArrowheads="1" noChangeShapeType="1" noTextEdit="1"/>
-          </p:cNvSpPr>
-          <p:nvPr>
-            <p:extLst>
-              <p:ext uri="{386F3935-93C4-4BCD-93E2-E3B085C9AB24}">
-                <p16:designElem xmlns:p16="http://schemas.microsoft.com/office/powerpoint/2015/main" val="1"/>
-              </p:ext>
-            </p:extLst>
-          </p:nvPr>
-        </p:nvSpPr>
-        <p:spPr>
-          <a:xfrm>
-            <a:off x="15" y="6334316"/>
-            <a:ext cx="12191985" cy="66484"/>
-          </a:xfrm>
-          <a:prstGeom prst="rect">
-            <a:avLst/>
-          </a:prstGeom>
-          <a:solidFill>
-            <a:schemeClr val="accent1"/>
-          </a:solidFill>
-          <a:ln>
-            <a:noFill/>
-          </a:ln>
-        </p:spPr>
-        <p:style>
-          <a:lnRef idx="2">
-            <a:schemeClr val="accent1">
-              <a:shade val="50000"/>
-            </a:schemeClr>
-          </a:lnRef>
-          <a:fillRef idx="1">
-            <a:schemeClr val="accent1"/>
-          </a:fillRef>
-          <a:effectRef idx="0">
-            <a:schemeClr val="accent1"/>
-          </a:effectRef>
-          <a:fontRef idx="minor">
-            <a:schemeClr val="lt1"/>
-          </a:fontRef>
-        </p:style>
-      </p:sp>
-      <p:sp>
-        <p:nvSpPr>
-          <p:cNvPr id="18" name="Rectangle 17">
-            <a:extLst>
-              <a:ext uri="{FF2B5EF4-FFF2-40B4-BE49-F238E27FC236}">
-                <a16:creationId xmlns:a16="http://schemas.microsoft.com/office/drawing/2014/main" id="{937C076B-00B1-4629-B27F-A86F9885FB4D}"/>
-              </a:ext>
-              <a:ext uri="{C183D7F6-B498-43B3-948B-1728B52AA6E4}">
-                <adec:decorative xmlns:adec="http://schemas.microsoft.com/office/drawing/2017/decorative" val="1"/>
-              </a:ext>
-            </a:extLst>
-          </p:cNvPr>
-          <p:cNvSpPr>
-            <a:spLocks noGrp="1" noRot="1" noChangeAspect="1" noMove="1" noResize="1" noEditPoints="1" noAdjustHandles="1" noChangeArrowheads="1" noChangeShapeType="1" noTextEdit="1"/>
-          </p:cNvSpPr>
-          <p:nvPr>
-            <p:extLst>
-              <p:ext uri="{386F3935-93C4-4BCD-93E2-E3B085C9AB24}">
-                <p16:designElem xmlns:p16="http://schemas.microsoft.com/office/powerpoint/2015/main" val="1"/>
-              </p:ext>
-            </p:extLst>
-          </p:nvPr>
-        </p:nvSpPr>
-        <p:spPr>
-          <a:xfrm>
-            <a:off x="1" y="6400800"/>
-            <a:ext cx="12192000" cy="457200"/>
-          </a:xfrm>
-          <a:prstGeom prst="rect">
-            <a:avLst/>
-          </a:prstGeom>
-          <a:solidFill>
-            <a:schemeClr val="accent2"/>
-          </a:solidFill>
-          <a:ln>
-            <a:noFill/>
-          </a:ln>
-        </p:spPr>
-        <p:style>
-          <a:lnRef idx="2">
-            <a:schemeClr val="accent1">
-              <a:shade val="50000"/>
-            </a:schemeClr>
-          </a:lnRef>
-          <a:fillRef idx="1">
-            <a:schemeClr val="accent1"/>
-          </a:fillRef>
-          <a:effectRef idx="0">
-            <a:schemeClr val="accent1"/>
-          </a:effectRef>
-          <a:fontRef idx="minor">
-            <a:schemeClr val="lt1"/>
-          </a:fontRef>
-        </p:style>
-      </p:sp>
-      <p:graphicFrame>
-        <p:nvGraphicFramePr>
-          <p:cNvPr id="7" name="Content Placeholder 3">
-            <a:extLst>
-              <a:ext uri="{FF2B5EF4-FFF2-40B4-BE49-F238E27FC236}">
-                <a16:creationId xmlns:a16="http://schemas.microsoft.com/office/drawing/2014/main" id="{82834486-4827-4EE7-B83F-E112915BB023}"/>
-              </a:ext>
-            </a:extLst>
-          </p:cNvPr>
-          <p:cNvGraphicFramePr>
-            <a:graphicFrameLocks/>
-          </p:cNvGraphicFramePr>
-          <p:nvPr>
-            <p:extLst>
-              <p:ext uri="{D42A27DB-BD31-4B8C-83A1-F6EECF244321}">
-                <p14:modId xmlns:p14="http://schemas.microsoft.com/office/powerpoint/2010/main" val="422335672"/>
-              </p:ext>
-            </p:extLst>
-          </p:nvPr>
-        </p:nvGraphicFramePr>
-        <p:xfrm>
-          <a:off x="812113" y="975359"/>
-          <a:ext cx="5113785" cy="4587240"/>
-        </p:xfrm>
-        <a:graphic>
-          <a:graphicData uri="http://schemas.openxmlformats.org/drawingml/2006/table">
-            <a:tbl>
-              <a:tblPr/>
-              <a:tblGrid>
-                <a:gridCol w="5113785">
-                  <a:extLst>
-                    <a:ext uri="{9D8B030D-6E8A-4147-A177-3AD203B41FA5}">
-                      <a16:colId xmlns:a16="http://schemas.microsoft.com/office/drawing/2014/main" val="1329727569"/>
-                    </a:ext>
-                  </a:extLst>
-                </a:gridCol>
-              </a:tblGrid>
-              <a:tr h="917448">
-                <a:tc>
-                  <a:txBody>
-                    <a:bodyPr/>
-                    <a:lstStyle/>
-                    <a:p>
-                      <a:pPr marL="0" marR="0" algn="l" fontAlgn="t">
-                        <a:spcBef>
-                          <a:spcPts val="0"/>
-                        </a:spcBef>
-                        <a:spcAft>
-                          <a:spcPts val="0"/>
-                        </a:spcAft>
-                      </a:pPr>
-                      <a:r>
-                        <a:rPr lang="en-US" sz="3300" b="0" i="0" u="none" strike="noStrike" dirty="0">
-                          <a:solidFill>
-                            <a:srgbClr val="000000"/>
-                          </a:solidFill>
-                          <a:effectLst/>
-                          <a:latin typeface="Calibri" panose="020F0502020204030204" pitchFamily="34" charset="0"/>
-                        </a:rPr>
-                        <a:t>Callback </a:t>
-                      </a:r>
-                      <a:endParaRPr lang="en-US" sz="5400" b="0" i="0" u="none" strike="noStrike" dirty="0">
-                        <a:effectLst/>
-                        <a:latin typeface="Arial" panose="020B0604020202020204" pitchFamily="34" charset="0"/>
-                      </a:endParaRPr>
-                    </a:p>
-                  </a:txBody>
-                  <a:tcPr marL="152400" marR="152400" marT="152400" marB="152400">
-                    <a:lnL w="12700" cap="flat" cmpd="sng" algn="ctr">
-                      <a:solidFill>
-                        <a:srgbClr val="A3A3A3"/>
-                      </a:solidFill>
-                      <a:prstDash val="solid"/>
-                      <a:round/>
-                      <a:headEnd type="none" w="med" len="med"/>
-                      <a:tailEnd type="none" w="med" len="med"/>
-                    </a:lnL>
-                    <a:lnR w="12700" cap="flat" cmpd="sng" algn="ctr">
-                      <a:solidFill>
-                        <a:srgbClr val="A3A3A3"/>
-                      </a:solidFill>
-                      <a:prstDash val="solid"/>
-                      <a:round/>
-                      <a:headEnd type="none" w="med" len="med"/>
-                      <a:tailEnd type="none" w="med" len="med"/>
-                    </a:lnR>
-                    <a:lnT w="12700" cap="flat" cmpd="sng" algn="ctr">
-                      <a:solidFill>
-                        <a:srgbClr val="A3A3A3"/>
-                      </a:solidFill>
-                      <a:prstDash val="solid"/>
-                      <a:round/>
-                      <a:headEnd type="none" w="med" len="med"/>
-                      <a:tailEnd type="none" w="med" len="med"/>
-                    </a:lnT>
-                    <a:lnB w="12700" cap="flat" cmpd="sng" algn="ctr">
-                      <a:solidFill>
-                        <a:srgbClr val="A3A3A3"/>
-                      </a:solidFill>
-                      <a:prstDash val="solid"/>
-                      <a:round/>
-                      <a:headEnd type="none" w="med" len="med"/>
-                      <a:tailEnd type="none" w="med" len="med"/>
-                    </a:lnB>
-                  </a:tcPr>
-                </a:tc>
-                <a:extLst>
-                  <a:ext uri="{0D108BD9-81ED-4DB2-BD59-A6C34878D82A}">
-                    <a16:rowId xmlns:a16="http://schemas.microsoft.com/office/drawing/2014/main" val="400951643"/>
-                  </a:ext>
-                </a:extLst>
-              </a:tr>
-              <a:tr h="917448">
-                <a:tc>
-                  <a:txBody>
-                    <a:bodyPr/>
-                    <a:lstStyle/>
-                    <a:p>
-                      <a:pPr marL="0" marR="0" algn="l" fontAlgn="t">
-                        <a:spcBef>
-                          <a:spcPts val="0"/>
-                        </a:spcBef>
-                        <a:spcAft>
-                          <a:spcPts val="0"/>
-                        </a:spcAft>
-                      </a:pPr>
-                      <a:r>
-                        <a:rPr lang="en-US" sz="3300" b="0" i="0" u="none" strike="noStrike">
-                          <a:solidFill>
-                            <a:srgbClr val="000000"/>
-                          </a:solidFill>
-                          <a:effectLst/>
-                          <a:latin typeface="Calibri" panose="020F0502020204030204" pitchFamily="34" charset="0"/>
-                        </a:rPr>
-                        <a:t>Callback hell</a:t>
-                      </a:r>
-                      <a:endParaRPr lang="en-US" sz="5400" b="0" i="0" u="none" strike="noStrike">
-                        <a:effectLst/>
-                        <a:latin typeface="Arial" panose="020B0604020202020204" pitchFamily="34" charset="0"/>
-                      </a:endParaRPr>
-                    </a:p>
-                  </a:txBody>
-                  <a:tcPr marL="152400" marR="152400" marT="152400" marB="152400">
-                    <a:lnL w="12700" cap="flat" cmpd="sng" algn="ctr">
-                      <a:solidFill>
-                        <a:srgbClr val="A3A3A3"/>
-                      </a:solidFill>
-                      <a:prstDash val="solid"/>
-                      <a:round/>
-                      <a:headEnd type="none" w="med" len="med"/>
-                      <a:tailEnd type="none" w="med" len="med"/>
-                    </a:lnL>
-                    <a:lnR w="12700" cap="flat" cmpd="sng" algn="ctr">
-                      <a:solidFill>
-                        <a:srgbClr val="A3A3A3"/>
-                      </a:solidFill>
-                      <a:prstDash val="solid"/>
-                      <a:round/>
-                      <a:headEnd type="none" w="med" len="med"/>
-                      <a:tailEnd type="none" w="med" len="med"/>
-                    </a:lnR>
-                    <a:lnT w="12700" cap="flat" cmpd="sng" algn="ctr">
-                      <a:solidFill>
-                        <a:srgbClr val="A3A3A3"/>
-                      </a:solidFill>
-                      <a:prstDash val="solid"/>
-                      <a:round/>
-                      <a:headEnd type="none" w="med" len="med"/>
-                      <a:tailEnd type="none" w="med" len="med"/>
-                    </a:lnT>
-                    <a:lnB w="12700" cap="flat" cmpd="sng" algn="ctr">
-                      <a:solidFill>
-                        <a:srgbClr val="A3A3A3"/>
-                      </a:solidFill>
-                      <a:prstDash val="solid"/>
-                      <a:round/>
-                      <a:headEnd type="none" w="med" len="med"/>
-                      <a:tailEnd type="none" w="med" len="med"/>
-                    </a:lnB>
-                  </a:tcPr>
-                </a:tc>
-                <a:extLst>
-                  <a:ext uri="{0D108BD9-81ED-4DB2-BD59-A6C34878D82A}">
-                    <a16:rowId xmlns:a16="http://schemas.microsoft.com/office/drawing/2014/main" val="3210656113"/>
-                  </a:ext>
-                </a:extLst>
-              </a:tr>
-              <a:tr h="917448">
-                <a:tc>
-                  <a:txBody>
-                    <a:bodyPr/>
-                    <a:lstStyle/>
-                    <a:p>
-                      <a:pPr marL="0" marR="0" algn="l" fontAlgn="t">
-                        <a:spcBef>
-                          <a:spcPts val="0"/>
-                        </a:spcBef>
-                        <a:spcAft>
-                          <a:spcPts val="0"/>
-                        </a:spcAft>
-                      </a:pPr>
-                      <a:r>
-                        <a:rPr lang="en-US" sz="3300" b="0" i="0" u="none" strike="noStrike" dirty="0">
-                          <a:solidFill>
-                            <a:srgbClr val="000000"/>
-                          </a:solidFill>
-                          <a:effectLst/>
-                          <a:latin typeface="Calibri" panose="020F0502020204030204" pitchFamily="34" charset="0"/>
-                        </a:rPr>
-                        <a:t>Named Functions</a:t>
-                      </a:r>
-                      <a:endParaRPr lang="en-US" sz="5400" b="0" i="0" u="none" strike="noStrike" dirty="0">
-                        <a:effectLst/>
-                        <a:latin typeface="Arial" panose="020B0604020202020204" pitchFamily="34" charset="0"/>
-                      </a:endParaRPr>
-                    </a:p>
-                  </a:txBody>
-                  <a:tcPr marL="152400" marR="152400" marT="152400" marB="152400">
-                    <a:lnL w="12700" cap="flat" cmpd="sng" algn="ctr">
-                      <a:solidFill>
-                        <a:srgbClr val="A3A3A3"/>
-                      </a:solidFill>
-                      <a:prstDash val="solid"/>
-                      <a:round/>
-                      <a:headEnd type="none" w="med" len="med"/>
-                      <a:tailEnd type="none" w="med" len="med"/>
-                    </a:lnL>
-                    <a:lnR w="12700" cap="flat" cmpd="sng" algn="ctr">
-                      <a:solidFill>
-                        <a:srgbClr val="A3A3A3"/>
-                      </a:solidFill>
-                      <a:prstDash val="solid"/>
-                      <a:round/>
-                      <a:headEnd type="none" w="med" len="med"/>
-                      <a:tailEnd type="none" w="med" len="med"/>
-                    </a:lnR>
-                    <a:lnT w="12700" cap="flat" cmpd="sng" algn="ctr">
-                      <a:solidFill>
-                        <a:srgbClr val="A3A3A3"/>
-                      </a:solidFill>
-                      <a:prstDash val="solid"/>
-                      <a:round/>
-                      <a:headEnd type="none" w="med" len="med"/>
-                      <a:tailEnd type="none" w="med" len="med"/>
-                    </a:lnT>
-                    <a:lnB w="12700" cap="flat" cmpd="sng" algn="ctr">
-                      <a:solidFill>
-                        <a:srgbClr val="A3A3A3"/>
-                      </a:solidFill>
-                      <a:prstDash val="solid"/>
-                      <a:round/>
-                      <a:headEnd type="none" w="med" len="med"/>
-                      <a:tailEnd type="none" w="med" len="med"/>
-                    </a:lnB>
-                  </a:tcPr>
-                </a:tc>
-                <a:extLst>
-                  <a:ext uri="{0D108BD9-81ED-4DB2-BD59-A6C34878D82A}">
-                    <a16:rowId xmlns:a16="http://schemas.microsoft.com/office/drawing/2014/main" val="1446771618"/>
-                  </a:ext>
-                </a:extLst>
-              </a:tr>
-              <a:tr h="917448">
-                <a:tc>
-                  <a:txBody>
-                    <a:bodyPr/>
-                    <a:lstStyle/>
-                    <a:p>
-                      <a:pPr marL="0" marR="0" algn="l" fontAlgn="t">
-                        <a:spcBef>
-                          <a:spcPts val="0"/>
-                        </a:spcBef>
-                        <a:spcAft>
-                          <a:spcPts val="0"/>
-                        </a:spcAft>
-                      </a:pPr>
-                      <a:r>
-                        <a:rPr lang="en-US" sz="3300" b="0" i="0" u="none" strike="noStrike" dirty="0">
-                          <a:solidFill>
-                            <a:srgbClr val="000000"/>
-                          </a:solidFill>
-                          <a:effectLst/>
-                          <a:latin typeface="Calibri" panose="020F0502020204030204" pitchFamily="34" charset="0"/>
-                        </a:rPr>
-                        <a:t>Promises</a:t>
-                      </a:r>
-                      <a:endParaRPr lang="en-US" sz="5400" b="0" i="0" u="none" strike="noStrike" dirty="0">
-                        <a:effectLst/>
-                        <a:latin typeface="Arial" panose="020B0604020202020204" pitchFamily="34" charset="0"/>
-                      </a:endParaRPr>
-                    </a:p>
-                  </a:txBody>
-                  <a:tcPr marL="152400" marR="152400" marT="152400" marB="152400">
-                    <a:lnL w="12700" cap="flat" cmpd="sng" algn="ctr">
-                      <a:solidFill>
-                        <a:srgbClr val="A3A3A3"/>
-                      </a:solidFill>
-                      <a:prstDash val="solid"/>
-                      <a:round/>
-                      <a:headEnd type="none" w="med" len="med"/>
-                      <a:tailEnd type="none" w="med" len="med"/>
-                    </a:lnL>
-                    <a:lnR w="12700" cap="flat" cmpd="sng" algn="ctr">
-                      <a:solidFill>
-                        <a:srgbClr val="A3A3A3"/>
-                      </a:solidFill>
-                      <a:prstDash val="solid"/>
-                      <a:round/>
-                      <a:headEnd type="none" w="med" len="med"/>
-                      <a:tailEnd type="none" w="med" len="med"/>
-                    </a:lnR>
-                    <a:lnT w="12700" cap="flat" cmpd="sng" algn="ctr">
-                      <a:solidFill>
-                        <a:srgbClr val="A3A3A3"/>
-                      </a:solidFill>
-                      <a:prstDash val="solid"/>
-                      <a:round/>
-                      <a:headEnd type="none" w="med" len="med"/>
-                      <a:tailEnd type="none" w="med" len="med"/>
-                    </a:lnT>
-                    <a:lnB w="12700" cap="flat" cmpd="sng" algn="ctr">
-                      <a:solidFill>
-                        <a:srgbClr val="A3A3A3"/>
-                      </a:solidFill>
-                      <a:prstDash val="solid"/>
-                      <a:round/>
-                      <a:headEnd type="none" w="med" len="med"/>
-                      <a:tailEnd type="none" w="med" len="med"/>
-                    </a:lnB>
-                  </a:tcPr>
-                </a:tc>
-                <a:extLst>
-                  <a:ext uri="{0D108BD9-81ED-4DB2-BD59-A6C34878D82A}">
-                    <a16:rowId xmlns:a16="http://schemas.microsoft.com/office/drawing/2014/main" val="2328523300"/>
-                  </a:ext>
-                </a:extLst>
-              </a:tr>
-              <a:tr h="917448">
-                <a:tc>
-                  <a:txBody>
-                    <a:bodyPr/>
-                    <a:lstStyle/>
-                    <a:p>
-                      <a:pPr marL="0" marR="0" algn="l" fontAlgn="t">
-                        <a:spcBef>
-                          <a:spcPts val="0"/>
-                        </a:spcBef>
-                        <a:spcAft>
-                          <a:spcPts val="0"/>
-                        </a:spcAft>
-                      </a:pPr>
-                      <a:r>
-                        <a:rPr lang="en-US" sz="3300" b="0" i="0" u="none" strike="noStrike" dirty="0">
-                          <a:solidFill>
-                            <a:srgbClr val="000000"/>
-                          </a:solidFill>
-                          <a:effectLst/>
-                          <a:latin typeface="Calibri" panose="020F0502020204030204" pitchFamily="34" charset="0"/>
-                        </a:rPr>
-                        <a:t>Async and Await</a:t>
-                      </a:r>
-                      <a:endParaRPr lang="en-US" sz="5400" b="0" i="0" u="none" strike="noStrike" dirty="0">
-                        <a:effectLst/>
-                        <a:latin typeface="Arial" panose="020B0604020202020204" pitchFamily="34" charset="0"/>
-                      </a:endParaRPr>
-                    </a:p>
-                  </a:txBody>
-                  <a:tcPr marL="152400" marR="152400" marT="152400" marB="152400">
-                    <a:lnL w="12700" cap="flat" cmpd="sng" algn="ctr">
-                      <a:solidFill>
-                        <a:srgbClr val="A3A3A3"/>
-                      </a:solidFill>
-                      <a:prstDash val="solid"/>
-                      <a:round/>
-                      <a:headEnd type="none" w="med" len="med"/>
-                      <a:tailEnd type="none" w="med" len="med"/>
-                    </a:lnL>
-                    <a:lnR w="12700" cap="flat" cmpd="sng" algn="ctr">
-                      <a:solidFill>
-                        <a:srgbClr val="A3A3A3"/>
-                      </a:solidFill>
-                      <a:prstDash val="solid"/>
-                      <a:round/>
-                      <a:headEnd type="none" w="med" len="med"/>
-                      <a:tailEnd type="none" w="med" len="med"/>
-                    </a:lnR>
-                    <a:lnT w="12700" cap="flat" cmpd="sng" algn="ctr">
-                      <a:solidFill>
-                        <a:srgbClr val="A3A3A3"/>
-                      </a:solidFill>
-                      <a:prstDash val="solid"/>
-                      <a:round/>
-                      <a:headEnd type="none" w="med" len="med"/>
-                      <a:tailEnd type="none" w="med" len="med"/>
-                    </a:lnT>
-                    <a:lnB w="12700" cap="flat" cmpd="sng" algn="ctr">
-                      <a:solidFill>
-                        <a:srgbClr val="A3A3A3"/>
-                      </a:solidFill>
-                      <a:prstDash val="solid"/>
-                      <a:round/>
-                      <a:headEnd type="none" w="med" len="med"/>
-                      <a:tailEnd type="none" w="med" len="med"/>
-                    </a:lnB>
-                  </a:tcPr>
-                </a:tc>
-                <a:extLst>
-                  <a:ext uri="{0D108BD9-81ED-4DB2-BD59-A6C34878D82A}">
-                    <a16:rowId xmlns:a16="http://schemas.microsoft.com/office/drawing/2014/main" val="3439521503"/>
-                  </a:ext>
-                </a:extLst>
-              </a:tr>
-            </a:tbl>
-          </a:graphicData>
-        </a:graphic>
-      </p:graphicFrame>
-    </p:spTree>
-    <p:extLst>
-      <p:ext uri="{BB962C8B-B14F-4D97-AF65-F5344CB8AC3E}">
-        <p14:creationId xmlns:p14="http://schemas.microsoft.com/office/powerpoint/2010/main" val="1132594767"/>
-      </p:ext>
-    </p:extLst>
-  </p:cSld>
-  <p:clrMapOvr>
-    <a:masterClrMapping/>
-  </p:clrMapOvr>
-</p:sld>
-</file>
-
-<file path=ppt/slides/slide6.xml><?xml version="1.0" encoding="utf-8"?>
-<p:sld xmlns:a="http://schemas.openxmlformats.org/drawingml/2006/main" xmlns:r="http://schemas.openxmlformats.org/officeDocument/2006/relationships" xmlns:p="http://schemas.openxmlformats.org/presentationml/2006/main">
-  <p:cSld>
-    <p:spTree>
-      <p:nvGrpSpPr>
-        <p:cNvPr id="1" name=""/>
-        <p:cNvGrpSpPr/>
-        <p:nvPr/>
-      </p:nvGrpSpPr>
-      <p:grpSpPr>
-        <a:xfrm>
-          <a:off x="0" y="0"/>
-          <a:ext cx="0" cy="0"/>
-          <a:chOff x="0" y="0"/>
-          <a:chExt cx="0" cy="0"/>
-        </a:xfrm>
-      </p:grpSpPr>
-      <p:sp>
-        <p:nvSpPr>
-          <p:cNvPr id="2" name="Title 1">
-            <a:extLst>
-              <a:ext uri="{FF2B5EF4-FFF2-40B4-BE49-F238E27FC236}">
-                <a16:creationId xmlns:a16="http://schemas.microsoft.com/office/drawing/2014/main" id="{FF503EBB-34B6-4F71-B3F3-49DE1851A975}"/>
-              </a:ext>
-            </a:extLst>
-          </p:cNvPr>
-          <p:cNvSpPr>
-            <a:spLocks noGrp="1"/>
-          </p:cNvSpPr>
-          <p:nvPr>
-            <p:ph type="title"/>
-          </p:nvPr>
-        </p:nvSpPr>
-        <p:spPr/>
-        <p:txBody>
-          <a:bodyPr/>
-          <a:lstStyle/>
-          <a:p>
-            <a:r>
-              <a:rPr lang="en-US" dirty="0"/>
-              <a:t>Promise</a:t>
-            </a:r>
-          </a:p>
-        </p:txBody>
-      </p:sp>
-      <p:sp>
-        <p:nvSpPr>
-          <p:cNvPr id="3" name="Content Placeholder 2">
-            <a:extLst>
-              <a:ext uri="{FF2B5EF4-FFF2-40B4-BE49-F238E27FC236}">
-                <a16:creationId xmlns:a16="http://schemas.microsoft.com/office/drawing/2014/main" id="{7D8E7C17-FFE9-4D5E-B57A-D12931149242}"/>
-              </a:ext>
-            </a:extLst>
-          </p:cNvPr>
-          <p:cNvSpPr>
-            <a:spLocks noGrp="1"/>
-          </p:cNvSpPr>
-          <p:nvPr>
-            <p:ph idx="1"/>
-          </p:nvPr>
-        </p:nvSpPr>
-        <p:spPr>
-          <a:xfrm>
-            <a:off x="1097280" y="1845734"/>
-            <a:ext cx="3387634" cy="4023360"/>
-          </a:xfrm>
-        </p:spPr>
-        <p:txBody>
-          <a:bodyPr/>
-          <a:lstStyle/>
-          <a:p>
-            <a:r>
-              <a:rPr lang="en-US" i="1" dirty="0"/>
-              <a:t>A promise in JavaScript world is piece of work which is expected to complete (or fail) at some point in future.</a:t>
-            </a:r>
-          </a:p>
-          <a:p>
-            <a:endParaRPr lang="en-US" i="1" dirty="0"/>
-          </a:p>
-          <a:p>
-            <a:pPr marL="0" indent="0">
-              <a:buNone/>
-            </a:pPr>
-            <a:r>
-              <a:rPr lang="en-US" i="1" dirty="0"/>
-              <a:t>A Promise can be in any of three states: Pending, Resolved and Rejected</a:t>
-            </a:r>
-          </a:p>
-        </p:txBody>
-      </p:sp>
-      <p:pic>
-        <p:nvPicPr>
-          <p:cNvPr id="4" name="Picture 2" descr="Image result for javascript promise">
-            <a:extLst>
-              <a:ext uri="{FF2B5EF4-FFF2-40B4-BE49-F238E27FC236}">
-                <a16:creationId xmlns:a16="http://schemas.microsoft.com/office/drawing/2014/main" id="{43B0BEA3-9086-4159-A57E-B26640B35059}"/>
-              </a:ext>
-            </a:extLst>
-          </p:cNvPr>
-          <p:cNvPicPr>
-            <a:picLocks noChangeAspect="1" noChangeArrowheads="1"/>
-          </p:cNvPicPr>
-          <p:nvPr/>
-        </p:nvPicPr>
-        <p:blipFill>
-          <a:blip r:embed="rId3">
-            <a:extLst>
-              <a:ext uri="{28A0092B-C50C-407E-A947-70E740481C1C}">
-                <a14:useLocalDpi xmlns:a14="http://schemas.microsoft.com/office/drawing/2010/main" val="0"/>
-              </a:ext>
-            </a:extLst>
-          </a:blip>
-          <a:srcRect/>
-          <a:stretch>
-            <a:fillRect/>
-          </a:stretch>
-        </p:blipFill>
-        <p:spPr bwMode="auto">
-          <a:xfrm>
-            <a:off x="5778871" y="2223993"/>
-            <a:ext cx="5376809" cy="2614893"/>
-          </a:xfrm>
-          <a:prstGeom prst="rect">
-            <a:avLst/>
-          </a:prstGeom>
-          <a:noFill/>
-          <a:extLst>
-            <a:ext uri="{909E8E84-426E-40DD-AFC4-6F175D3DCCD1}">
-              <a14:hiddenFill xmlns:a14="http://schemas.microsoft.com/office/drawing/2010/main">
-                <a:solidFill>
-                  <a:srgbClr val="FFFFFF"/>
-                </a:solidFill>
-              </a14:hiddenFill>
-            </a:ext>
-          </a:extLst>
-        </p:spPr>
-      </p:pic>
-    </p:spTree>
-    <p:extLst>
-      <p:ext uri="{BB962C8B-B14F-4D97-AF65-F5344CB8AC3E}">
-        <p14:creationId xmlns:p14="http://schemas.microsoft.com/office/powerpoint/2010/main" val="923993779"/>
-      </p:ext>
-    </p:extLst>
-  </p:cSld>
-  <p:clrMapOvr>
-    <a:masterClrMapping/>
-  </p:clrMapOvr>
-</p:sld>
-</file>
-
-<file path=ppt/slides/slide7.xml><?xml version="1.0" encoding="utf-8"?>
-<p:sld xmlns:a="http://schemas.openxmlformats.org/drawingml/2006/main" xmlns:r="http://schemas.openxmlformats.org/officeDocument/2006/relationships" xmlns:p="http://schemas.openxmlformats.org/presentationml/2006/main">
-  <p:cSld>
-    <p:bg>
-      <p:bgPr>
-        <a:solidFill>
-          <a:schemeClr val="bg1"/>
-        </a:solidFill>
-        <a:effectLst/>
-      </p:bgPr>
-    </p:bg>
-    <p:spTree>
-      <p:nvGrpSpPr>
-        <p:cNvPr id="1" name=""/>
-        <p:cNvGrpSpPr/>
-        <p:nvPr/>
-      </p:nvGrpSpPr>
-      <p:grpSpPr>
-        <a:xfrm>
-          <a:off x="0" y="0"/>
-          <a:ext cx="0" cy="0"/>
-          <a:chOff x="0" y="0"/>
-          <a:chExt cx="0" cy="0"/>
-        </a:xfrm>
-      </p:grpSpPr>
-      <p:sp>
-        <p:nvSpPr>
-          <p:cNvPr id="71" name="Rectangle 70">
-            <a:extLst>
-              <a:ext uri="{FF2B5EF4-FFF2-40B4-BE49-F238E27FC236}">
-                <a16:creationId xmlns:a16="http://schemas.microsoft.com/office/drawing/2014/main" id="{4A8FFEA1-1B69-4F42-B552-0CCF7259687D}"/>
-              </a:ext>
-              <a:ext uri="{C183D7F6-B498-43B3-948B-1728B52AA6E4}">
-                <adec:decorative xmlns:adec="http://schemas.microsoft.com/office/drawing/2017/decorative" val="1"/>
-              </a:ext>
-            </a:extLst>
-          </p:cNvPr>
-          <p:cNvSpPr>
-            <a:spLocks noGrp="1" noRot="1" noChangeAspect="1" noMove="1" noResize="1" noEditPoints="1" noAdjustHandles="1" noChangeArrowheads="1" noChangeShapeType="1" noTextEdit="1"/>
-          </p:cNvSpPr>
-          <p:nvPr>
-            <p:extLst>
-              <p:ext uri="{386F3935-93C4-4BCD-93E2-E3B085C9AB24}">
-                <p16:designElem xmlns:p16="http://schemas.microsoft.com/office/powerpoint/2015/main" val="1"/>
-              </p:ext>
-            </p:extLst>
-          </p:nvPr>
-        </p:nvSpPr>
-        <p:spPr>
-          <a:xfrm>
-            <a:off x="3175" y="6400800"/>
-            <a:ext cx="12188825" cy="457200"/>
-          </a:xfrm>
-          <a:prstGeom prst="rect">
-            <a:avLst/>
-          </a:prstGeom>
-          <a:solidFill>
-            <a:schemeClr val="accent2"/>
-          </a:solidFill>
-          <a:ln>
-            <a:noFill/>
-          </a:ln>
-        </p:spPr>
-        <p:style>
-          <a:lnRef idx="2">
-            <a:schemeClr val="accent1">
-              <a:shade val="50000"/>
-            </a:schemeClr>
-          </a:lnRef>
-          <a:fillRef idx="1">
-            <a:schemeClr val="accent1"/>
-          </a:fillRef>
-          <a:effectRef idx="0">
-            <a:schemeClr val="accent1"/>
-          </a:effectRef>
-          <a:fontRef idx="minor">
-            <a:schemeClr val="lt1"/>
-          </a:fontRef>
-        </p:style>
-      </p:sp>
-      <p:sp>
-        <p:nvSpPr>
-          <p:cNvPr id="73" name="Rectangle 72">
-            <a:extLst>
-              <a:ext uri="{FF2B5EF4-FFF2-40B4-BE49-F238E27FC236}">
-                <a16:creationId xmlns:a16="http://schemas.microsoft.com/office/drawing/2014/main" id="{AA3C9226-5EC8-460B-82D7-72AA994DF95E}"/>
-              </a:ext>
-              <a:ext uri="{C183D7F6-B498-43B3-948B-1728B52AA6E4}">
-                <adec:decorative xmlns:adec="http://schemas.microsoft.com/office/drawing/2017/decorative" val="1"/>
-              </a:ext>
-            </a:extLst>
-          </p:cNvPr>
-          <p:cNvSpPr>
-            <a:spLocks noGrp="1" noRot="1" noChangeAspect="1" noMove="1" noResize="1" noEditPoints="1" noAdjustHandles="1" noChangeArrowheads="1" noChangeShapeType="1" noTextEdit="1"/>
-          </p:cNvSpPr>
-          <p:nvPr>
-            <p:extLst>
-              <p:ext uri="{386F3935-93C4-4BCD-93E2-E3B085C9AB24}">
-                <p16:designElem xmlns:p16="http://schemas.microsoft.com/office/powerpoint/2015/main" val="1"/>
-              </p:ext>
-            </p:extLst>
-          </p:nvPr>
-        </p:nvSpPr>
-        <p:spPr>
-          <a:xfrm>
-            <a:off x="15" y="6334316"/>
-            <a:ext cx="12188825" cy="64008"/>
-          </a:xfrm>
-          <a:prstGeom prst="rect">
-            <a:avLst/>
-          </a:prstGeom>
-          <a:solidFill>
-            <a:schemeClr val="accent1"/>
-          </a:solidFill>
-          <a:ln>
-            <a:noFill/>
-          </a:ln>
-        </p:spPr>
-        <p:style>
-          <a:lnRef idx="2">
-            <a:schemeClr val="accent1">
-              <a:shade val="50000"/>
-            </a:schemeClr>
-          </a:lnRef>
-          <a:fillRef idx="1">
-            <a:schemeClr val="accent1"/>
-          </a:fillRef>
-          <a:effectRef idx="0">
-            <a:schemeClr val="accent1"/>
-          </a:effectRef>
-          <a:fontRef idx="minor">
-            <a:schemeClr val="lt1"/>
-          </a:fontRef>
-        </p:style>
-      </p:sp>
-      <p:cxnSp>
-        <p:nvCxnSpPr>
-          <p:cNvPr id="75" name="Straight Connector 74">
-            <a:extLst>
-              <a:ext uri="{FF2B5EF4-FFF2-40B4-BE49-F238E27FC236}">
-                <a16:creationId xmlns:a16="http://schemas.microsoft.com/office/drawing/2014/main" id="{62A90A9D-33DF-408E-BF4C-F82588935C96}"/>
-              </a:ext>
-              <a:ext uri="{C183D7F6-B498-43B3-948B-1728B52AA6E4}">
-                <adec:decorative xmlns:adec="http://schemas.microsoft.com/office/drawing/2017/decorative" val="1"/>
-              </a:ext>
-            </a:extLst>
-          </p:cNvPr>
-          <p:cNvCxnSpPr>
-            <a:cxnSpLocks noGrp="1" noRot="1" noChangeAspect="1" noMove="1" noResize="1" noEditPoints="1" noAdjustHandles="1" noChangeArrowheads="1" noChangeShapeType="1"/>
-          </p:cNvCxnSpPr>
-          <p:nvPr>
-            <p:extLst>
-              <p:ext uri="{386F3935-93C4-4BCD-93E2-E3B085C9AB24}">
-                <p16:designElem xmlns:p16="http://schemas.microsoft.com/office/powerpoint/2015/main" val="1"/>
-              </p:ext>
-            </p:extLst>
-          </p:nvPr>
-        </p:nvCxnSpPr>
-        <p:spPr>
-          <a:xfrm>
-            <a:off x="1207658" y="4343400"/>
-            <a:ext cx="9875520" cy="0"/>
-          </a:xfrm>
-          <a:prstGeom prst="line">
-            <a:avLst/>
-          </a:prstGeom>
-          <a:ln w="6350">
-            <a:solidFill>
-              <a:schemeClr val="tx1">
-                <a:lumMod val="50000"/>
-                <a:lumOff val="50000"/>
-              </a:schemeClr>
-            </a:solidFill>
-          </a:ln>
-        </p:spPr>
-        <p:style>
-          <a:lnRef idx="1">
-            <a:schemeClr val="accent1"/>
-          </a:lnRef>
-          <a:fillRef idx="0">
-            <a:schemeClr val="accent1"/>
-          </a:fillRef>
-          <a:effectRef idx="0">
-            <a:schemeClr val="accent1"/>
-          </a:effectRef>
-          <a:fontRef idx="minor">
-            <a:schemeClr val="tx1"/>
-          </a:fontRef>
-        </p:style>
-      </p:cxnSp>
-      <p:sp useBgFill="1">
-        <p:nvSpPr>
-          <p:cNvPr id="77" name="Rectangle 76">
-            <a:extLst>
-              <a:ext uri="{FF2B5EF4-FFF2-40B4-BE49-F238E27FC236}">
-                <a16:creationId xmlns:a16="http://schemas.microsoft.com/office/drawing/2014/main" id="{E6AA15AE-DAFE-4E1E-B05F-F57962FD3A2F}"/>
-              </a:ext>
-              <a:ext uri="{C183D7F6-B498-43B3-948B-1728B52AA6E4}">
-                <adec:decorative xmlns:adec="http://schemas.microsoft.com/office/drawing/2017/decorative" val="1"/>
-              </a:ext>
-            </a:extLst>
-          </p:cNvPr>
-          <p:cNvSpPr>
-            <a:spLocks noGrp="1" noRot="1" noChangeAspect="1" noMove="1" noResize="1" noEditPoints="1" noAdjustHandles="1" noChangeArrowheads="1" noChangeShapeType="1" noTextEdit="1"/>
-          </p:cNvSpPr>
-          <p:nvPr>
-            <p:extLst>
-              <p:ext uri="{386F3935-93C4-4BCD-93E2-E3B085C9AB24}">
-                <p16:designElem xmlns:p16="http://schemas.microsoft.com/office/powerpoint/2015/main" val="1"/>
-              </p:ext>
-            </p:extLst>
-          </p:nvPr>
-        </p:nvSpPr>
-        <p:spPr>
-          <a:xfrm>
-            <a:off x="0" y="0"/>
-            <a:ext cx="12192001" cy="6334316"/>
-          </a:xfrm>
-          <a:prstGeom prst="rect">
-            <a:avLst/>
-          </a:prstGeom>
-          <a:ln>
-            <a:noFill/>
-          </a:ln>
-        </p:spPr>
-        <p:style>
-          <a:lnRef idx="2">
-            <a:schemeClr val="accent1">
-              <a:shade val="50000"/>
-            </a:schemeClr>
-          </a:lnRef>
-          <a:fillRef idx="1">
-            <a:schemeClr val="accent1"/>
-          </a:fillRef>
-          <a:effectRef idx="0">
-            <a:schemeClr val="accent1"/>
-          </a:effectRef>
-          <a:fontRef idx="minor">
-            <a:schemeClr val="lt1"/>
-          </a:fontRef>
-        </p:style>
-        <p:txBody>
-          <a:bodyPr rtlCol="0" anchor="ctr"/>
-          <a:lstStyle/>
-          <a:p>
-            <a:pPr algn="ctr"/>
-            <a:endParaRPr lang="en-US"/>
-          </a:p>
-        </p:txBody>
-      </p:sp>
-      <p:sp>
-        <p:nvSpPr>
-          <p:cNvPr id="2" name="Title 1">
-            <a:extLst>
-              <a:ext uri="{FF2B5EF4-FFF2-40B4-BE49-F238E27FC236}">
-                <a16:creationId xmlns:a16="http://schemas.microsoft.com/office/drawing/2014/main" id="{876F84AF-1D93-4749-9AC4-2F230C673DF8}"/>
-              </a:ext>
-            </a:extLst>
-          </p:cNvPr>
-          <p:cNvSpPr>
-            <a:spLocks noGrp="1"/>
-          </p:cNvSpPr>
-          <p:nvPr>
-            <p:ph type="title"/>
-          </p:nvPr>
-        </p:nvSpPr>
-        <p:spPr>
-          <a:xfrm>
-            <a:off x="8141110" y="639097"/>
-            <a:ext cx="3401961" cy="3686015"/>
-          </a:xfrm>
-        </p:spPr>
-        <p:txBody>
-          <a:bodyPr vert="horz" lIns="91440" tIns="45720" rIns="91440" bIns="45720" rtlCol="0" anchor="b">
-            <a:normAutofit/>
-          </a:bodyPr>
-          <a:lstStyle/>
-          <a:p>
-            <a:r>
-              <a:rPr lang="en-US" sz="6600">
-                <a:solidFill>
-                  <a:schemeClr val="tx1">
-                    <a:lumMod val="85000"/>
-                    <a:lumOff val="15000"/>
-                  </a:schemeClr>
-                </a:solidFill>
-              </a:rPr>
-              <a:t>Async &amp; Await</a:t>
-            </a:r>
-          </a:p>
-        </p:txBody>
-      </p:sp>
-      <p:pic>
-        <p:nvPicPr>
-          <p:cNvPr id="4098" name="Picture 2" descr="Image result for async javascript es6">
-            <a:extLst>
-              <a:ext uri="{FF2B5EF4-FFF2-40B4-BE49-F238E27FC236}">
-                <a16:creationId xmlns:a16="http://schemas.microsoft.com/office/drawing/2014/main" id="{7DECF178-F596-417B-96C5-29D6464875C9}"/>
-              </a:ext>
-            </a:extLst>
-          </p:cNvPr>
-          <p:cNvPicPr>
-            <a:picLocks noGrp="1" noChangeAspect="1" noChangeArrowheads="1"/>
-          </p:cNvPicPr>
-          <p:nvPr>
-            <p:ph idx="1"/>
-          </p:nvPr>
-        </p:nvPicPr>
-        <p:blipFill>
-          <a:blip r:embed="rId2">
-            <a:extLst>
-              <a:ext uri="{28A0092B-C50C-407E-A947-70E740481C1C}">
-                <a14:useLocalDpi xmlns:a14="http://schemas.microsoft.com/office/drawing/2010/main" val="0"/>
-              </a:ext>
-            </a:extLst>
-          </a:blip>
-          <a:srcRect/>
-          <a:stretch>
-            <a:fillRect/>
-          </a:stretch>
-        </p:blipFill>
-        <p:spPr bwMode="auto">
-          <a:xfrm>
-            <a:off x="633999" y="808365"/>
-            <a:ext cx="6912217" cy="4717587"/>
-          </a:xfrm>
-          <a:prstGeom prst="rect">
-            <a:avLst/>
-          </a:prstGeom>
-          <a:noFill/>
-          <a:extLst>
-            <a:ext uri="{909E8E84-426E-40DD-AFC4-6F175D3DCCD1}">
-              <a14:hiddenFill xmlns:a14="http://schemas.microsoft.com/office/drawing/2010/main">
-                <a:solidFill>
-                  <a:srgbClr val="FFFFFF"/>
-                </a:solidFill>
-              </a14:hiddenFill>
-            </a:ext>
-          </a:extLst>
-        </p:spPr>
-      </p:pic>
-      <p:cxnSp>
-        <p:nvCxnSpPr>
-          <p:cNvPr id="79" name="Straight Connector 78">
-            <a:extLst>
-              <a:ext uri="{FF2B5EF4-FFF2-40B4-BE49-F238E27FC236}">
-                <a16:creationId xmlns:a16="http://schemas.microsoft.com/office/drawing/2014/main" id="{D07141D5-A57C-43F5-A655-5BA2D0D2AFF3}"/>
-              </a:ext>
-              <a:ext uri="{C183D7F6-B498-43B3-948B-1728B52AA6E4}">
-                <adec:decorative xmlns:adec="http://schemas.microsoft.com/office/drawing/2017/decorative" val="1"/>
-              </a:ext>
-            </a:extLst>
-          </p:cNvPr>
-          <p:cNvCxnSpPr>
-            <a:cxnSpLocks noGrp="1" noRot="1" noChangeAspect="1" noMove="1" noResize="1" noEditPoints="1" noAdjustHandles="1" noChangeArrowheads="1" noChangeShapeType="1"/>
-          </p:cNvCxnSpPr>
-          <p:nvPr>
-            <p:extLst>
-              <p:ext uri="{386F3935-93C4-4BCD-93E2-E3B085C9AB24}">
-                <p16:designElem xmlns:p16="http://schemas.microsoft.com/office/powerpoint/2015/main" val="1"/>
-              </p:ext>
-            </p:extLst>
-          </p:nvPr>
-        </p:nvCxnSpPr>
-        <p:spPr>
-          <a:xfrm>
-            <a:off x="8209305" y="4343400"/>
-            <a:ext cx="3200400" cy="0"/>
-          </a:xfrm>
-          <a:prstGeom prst="line">
-            <a:avLst/>
-          </a:prstGeom>
-          <a:ln w="6350">
-            <a:solidFill>
-              <a:schemeClr val="tx2">
-                <a:alpha val="90000"/>
-              </a:schemeClr>
-            </a:solidFill>
-          </a:ln>
-        </p:spPr>
-        <p:style>
-          <a:lnRef idx="1">
-            <a:schemeClr val="accent1"/>
-          </a:lnRef>
-          <a:fillRef idx="0">
-            <a:schemeClr val="accent1"/>
-          </a:fillRef>
-          <a:effectRef idx="0">
-            <a:schemeClr val="accent1"/>
-          </a:effectRef>
-          <a:fontRef idx="minor">
-            <a:schemeClr val="tx1"/>
-          </a:fontRef>
-        </p:style>
-      </p:cxnSp>
-      <p:sp>
-        <p:nvSpPr>
-          <p:cNvPr id="81" name="Rectangle 80">
-            <a:extLst>
-              <a:ext uri="{FF2B5EF4-FFF2-40B4-BE49-F238E27FC236}">
-                <a16:creationId xmlns:a16="http://schemas.microsoft.com/office/drawing/2014/main" id="{D9DB1F97-BFF9-46CC-8EB4-BB63B98F13CA}"/>
-              </a:ext>
-              <a:ext uri="{C183D7F6-B498-43B3-948B-1728B52AA6E4}">
-                <adec:decorative xmlns:adec="http://schemas.microsoft.com/office/drawing/2017/decorative" val="1"/>
-              </a:ext>
-            </a:extLst>
-          </p:cNvPr>
-          <p:cNvSpPr>
-            <a:spLocks noGrp="1" noRot="1" noChangeAspect="1" noMove="1" noResize="1" noEditPoints="1" noAdjustHandles="1" noChangeArrowheads="1" noChangeShapeType="1" noTextEdit="1"/>
-          </p:cNvSpPr>
-          <p:nvPr>
-            <p:extLst>
-              <p:ext uri="{386F3935-93C4-4BCD-93E2-E3B085C9AB24}">
-                <p16:designElem xmlns:p16="http://schemas.microsoft.com/office/powerpoint/2015/main" val="1"/>
-              </p:ext>
-            </p:extLst>
-          </p:nvPr>
-        </p:nvSpPr>
-        <p:spPr>
-          <a:xfrm>
-            <a:off x="15" y="6334316"/>
-            <a:ext cx="12191985" cy="66484"/>
-          </a:xfrm>
-          <a:prstGeom prst="rect">
-            <a:avLst/>
-          </a:prstGeom>
-          <a:solidFill>
-            <a:schemeClr val="accent1"/>
-          </a:solidFill>
-          <a:ln>
-            <a:noFill/>
-          </a:ln>
-        </p:spPr>
-        <p:style>
-          <a:lnRef idx="2">
-            <a:schemeClr val="accent1">
-              <a:shade val="50000"/>
-            </a:schemeClr>
-          </a:lnRef>
-          <a:fillRef idx="1">
-            <a:schemeClr val="accent1"/>
-          </a:fillRef>
-          <a:effectRef idx="0">
-            <a:schemeClr val="accent1"/>
-          </a:effectRef>
-          <a:fontRef idx="minor">
-            <a:schemeClr val="lt1"/>
-          </a:fontRef>
-        </p:style>
-      </p:sp>
-      <p:sp>
-        <p:nvSpPr>
-          <p:cNvPr id="83" name="Rectangle 82">
-            <a:extLst>
-              <a:ext uri="{FF2B5EF4-FFF2-40B4-BE49-F238E27FC236}">
-                <a16:creationId xmlns:a16="http://schemas.microsoft.com/office/drawing/2014/main" id="{88CAE6E3-39B4-4A16-97BC-9C376B9B7EAF}"/>
-              </a:ext>
-              <a:ext uri="{C183D7F6-B498-43B3-948B-1728B52AA6E4}">
-                <adec:decorative xmlns:adec="http://schemas.microsoft.com/office/drawing/2017/decorative" val="1"/>
-              </a:ext>
-            </a:extLst>
-          </p:cNvPr>
-          <p:cNvSpPr>
-            <a:spLocks noGrp="1" noRot="1" noChangeAspect="1" noMove="1" noResize="1" noEditPoints="1" noAdjustHandles="1" noChangeArrowheads="1" noChangeShapeType="1" noTextEdit="1"/>
-          </p:cNvSpPr>
-          <p:nvPr>
-            <p:extLst>
-              <p:ext uri="{386F3935-93C4-4BCD-93E2-E3B085C9AB24}">
-                <p16:designElem xmlns:p16="http://schemas.microsoft.com/office/powerpoint/2015/main" val="1"/>
-              </p:ext>
-            </p:extLst>
-          </p:nvPr>
-        </p:nvSpPr>
-        <p:spPr>
-          <a:xfrm>
-            <a:off x="1" y="6400800"/>
-            <a:ext cx="12192000" cy="457200"/>
-          </a:xfrm>
-          <a:prstGeom prst="rect">
-            <a:avLst/>
-          </a:prstGeom>
-          <a:solidFill>
-            <a:schemeClr val="accent2"/>
-          </a:solidFill>
-          <a:ln>
-            <a:noFill/>
-          </a:ln>
-        </p:spPr>
-        <p:style>
-          <a:lnRef idx="2">
-            <a:schemeClr val="accent1">
-              <a:shade val="50000"/>
-            </a:schemeClr>
-          </a:lnRef>
-          <a:fillRef idx="1">
-            <a:schemeClr val="accent1"/>
-          </a:fillRef>
-          <a:effectRef idx="0">
-            <a:schemeClr val="accent1"/>
-          </a:effectRef>
-          <a:fontRef idx="minor">
-            <a:schemeClr val="lt1"/>
-          </a:fontRef>
-        </p:style>
-      </p:sp>
-    </p:spTree>
-    <p:extLst>
-      <p:ext uri="{BB962C8B-B14F-4D97-AF65-F5344CB8AC3E}">
-        <p14:creationId xmlns:p14="http://schemas.microsoft.com/office/powerpoint/2010/main" val="3300693305"/>
-      </p:ext>
-    </p:extLst>
-  </p:cSld>
-  <p:clrMapOvr>
-    <a:masterClrMapping/>
-  </p:clrMapOvr>
-</p:sld>
-</file>
-
-<file path=ppt/slides/slide8.xml><?xml version="1.0" encoding="utf-8"?>
-<p:sld xmlns:a="http://schemas.openxmlformats.org/drawingml/2006/main" xmlns:r="http://schemas.openxmlformats.org/officeDocument/2006/relationships" xmlns:p="http://schemas.openxmlformats.org/presentationml/2006/main">
-  <p:cSld>
-    <p:bg>
-      <p:bgPr>
-        <a:solidFill>
-          <a:schemeClr val="bg1"/>
-        </a:solidFill>
-        <a:effectLst/>
-      </p:bgPr>
-    </p:bg>
-    <p:spTree>
-      <p:nvGrpSpPr>
-        <p:cNvPr id="1" name=""/>
-        <p:cNvGrpSpPr/>
-        <p:nvPr/>
-      </p:nvGrpSpPr>
-      <p:grpSpPr>
-        <a:xfrm>
-          <a:off x="0" y="0"/>
-          <a:ext cx="0" cy="0"/>
-          <a:chOff x="0" y="0"/>
-          <a:chExt cx="0" cy="0"/>
-        </a:xfrm>
-      </p:grpSpPr>
-      <p:sp useBgFill="1">
-        <p:nvSpPr>
-          <p:cNvPr id="10" name="Rectangle 9">
-            <a:extLst>
-              <a:ext uri="{FF2B5EF4-FFF2-40B4-BE49-F238E27FC236}">
-                <a16:creationId xmlns:a16="http://schemas.microsoft.com/office/drawing/2014/main" id="{B9D3A0FC-5D74-4BAC-9DDB-68A942650BC9}"/>
-              </a:ext>
-              <a:ext uri="{C183D7F6-B498-43B3-948B-1728B52AA6E4}">
-                <adec:decorative xmlns:adec="http://schemas.microsoft.com/office/drawing/2017/decorative" val="1"/>
-              </a:ext>
-            </a:extLst>
-          </p:cNvPr>
-          <p:cNvSpPr>
-            <a:spLocks noGrp="1" noRot="1" noChangeAspect="1" noMove="1" noResize="1" noEditPoints="1" noAdjustHandles="1" noChangeArrowheads="1" noChangeShapeType="1" noTextEdit="1"/>
-          </p:cNvSpPr>
-          <p:nvPr>
-            <p:extLst>
-              <p:ext uri="{386F3935-93C4-4BCD-93E2-E3B085C9AB24}">
-                <p16:designElem xmlns:p16="http://schemas.microsoft.com/office/powerpoint/2015/main" val="1"/>
-              </p:ext>
-            </p:extLst>
-          </p:nvPr>
-        </p:nvSpPr>
-        <p:spPr>
-          <a:xfrm>
-            <a:off x="0" y="0"/>
-            <a:ext cx="12192001" cy="6334316"/>
-          </a:xfrm>
-          <a:prstGeom prst="rect">
-            <a:avLst/>
-          </a:prstGeom>
-          <a:ln>
-            <a:noFill/>
-          </a:ln>
-        </p:spPr>
-        <p:style>
-          <a:lnRef idx="2">
-            <a:schemeClr val="accent1">
-              <a:shade val="50000"/>
-            </a:schemeClr>
-          </a:lnRef>
-          <a:fillRef idx="1">
-            <a:schemeClr val="accent1"/>
-          </a:fillRef>
-          <a:effectRef idx="0">
-            <a:schemeClr val="accent1"/>
-          </a:effectRef>
-          <a:fontRef idx="minor">
-            <a:schemeClr val="lt1"/>
-          </a:fontRef>
-        </p:style>
-        <p:txBody>
-          <a:bodyPr rtlCol="0" anchor="ctr"/>
-          <a:lstStyle/>
-          <a:p>
-            <a:pPr algn="ctr"/>
-            <a:endParaRPr lang="en-US"/>
-          </a:p>
-        </p:txBody>
-      </p:sp>
-      <p:sp>
-        <p:nvSpPr>
-          <p:cNvPr id="2" name="Title 1">
-            <a:extLst>
-              <a:ext uri="{FF2B5EF4-FFF2-40B4-BE49-F238E27FC236}">
-                <a16:creationId xmlns:a16="http://schemas.microsoft.com/office/drawing/2014/main" id="{1A43DDAC-2C98-4FBD-B451-0148A5D92FDC}"/>
-              </a:ext>
-            </a:extLst>
-          </p:cNvPr>
-          <p:cNvSpPr>
-            <a:spLocks noGrp="1"/>
-          </p:cNvSpPr>
-          <p:nvPr>
-            <p:ph type="title"/>
-          </p:nvPr>
-        </p:nvSpPr>
-        <p:spPr>
-          <a:xfrm>
-            <a:off x="4974771" y="634946"/>
-            <a:ext cx="6574972" cy="1450757"/>
-          </a:xfrm>
-        </p:spPr>
-        <p:txBody>
-          <a:bodyPr>
-            <a:normAutofit/>
-          </a:bodyPr>
-          <a:lstStyle/>
-          <a:p>
-            <a:r>
-              <a:rPr lang="en-US" dirty="0"/>
-              <a:t>Async &amp; Await</a:t>
-            </a:r>
-          </a:p>
-        </p:txBody>
-      </p:sp>
-      <p:pic>
-        <p:nvPicPr>
-          <p:cNvPr id="5" name="Picture 4">
-            <a:extLst>
-              <a:ext uri="{FF2B5EF4-FFF2-40B4-BE49-F238E27FC236}">
-                <a16:creationId xmlns:a16="http://schemas.microsoft.com/office/drawing/2014/main" id="{82664AB9-AE66-4517-9BBF-A0EE7F9F3C09}"/>
-              </a:ext>
-            </a:extLst>
-          </p:cNvPr>
-          <p:cNvPicPr>
-            <a:picLocks noChangeAspect="1"/>
-          </p:cNvPicPr>
-          <p:nvPr/>
-        </p:nvPicPr>
-        <p:blipFill>
-          <a:blip r:embed="rId2"/>
-          <a:stretch>
-            <a:fillRect/>
-          </a:stretch>
-        </p:blipFill>
-        <p:spPr>
-          <a:xfrm>
-            <a:off x="633999" y="713613"/>
-            <a:ext cx="4001315" cy="5167342"/>
-          </a:xfrm>
-          <a:prstGeom prst="rect">
-            <a:avLst/>
-          </a:prstGeom>
-        </p:spPr>
-      </p:pic>
-      <p:cxnSp>
-        <p:nvCxnSpPr>
-          <p:cNvPr id="12" name="Straight Connector 11">
-            <a:extLst>
-              <a:ext uri="{FF2B5EF4-FFF2-40B4-BE49-F238E27FC236}">
-                <a16:creationId xmlns:a16="http://schemas.microsoft.com/office/drawing/2014/main" id="{69B36A11-4FA0-4989-A465-037DF52469FA}"/>
-              </a:ext>
-              <a:ext uri="{C183D7F6-B498-43B3-948B-1728B52AA6E4}">
-                <adec:decorative xmlns:adec="http://schemas.microsoft.com/office/drawing/2017/decorative" val="1"/>
-              </a:ext>
-            </a:extLst>
-          </p:cNvPr>
-          <p:cNvCxnSpPr>
-            <a:cxnSpLocks noGrp="1" noRot="1" noChangeAspect="1" noMove="1" noResize="1" noEditPoints="1" noAdjustHandles="1" noChangeArrowheads="1" noChangeShapeType="1"/>
-          </p:cNvCxnSpPr>
-          <p:nvPr>
-            <p:extLst>
-              <p:ext uri="{386F3935-93C4-4BCD-93E2-E3B085C9AB24}">
-                <p16:designElem xmlns:p16="http://schemas.microsoft.com/office/powerpoint/2015/main" val="1"/>
-              </p:ext>
-            </p:extLst>
-          </p:nvPr>
-        </p:nvCxnSpPr>
-        <p:spPr>
-          <a:xfrm>
-            <a:off x="4974770" y="2086188"/>
-            <a:ext cx="6089768" cy="0"/>
-          </a:xfrm>
-          <a:prstGeom prst="line">
-            <a:avLst/>
-          </a:prstGeom>
-          <a:ln w="6350">
-            <a:solidFill>
-              <a:schemeClr val="tx1">
-                <a:lumMod val="50000"/>
-                <a:lumOff val="50000"/>
-                <a:alpha val="90000"/>
-              </a:schemeClr>
-            </a:solidFill>
-          </a:ln>
-        </p:spPr>
-        <p:style>
-          <a:lnRef idx="1">
-            <a:schemeClr val="accent1"/>
-          </a:lnRef>
-          <a:fillRef idx="0">
-            <a:schemeClr val="accent1"/>
-          </a:fillRef>
-          <a:effectRef idx="0">
-            <a:schemeClr val="accent1"/>
-          </a:effectRef>
-          <a:fontRef idx="minor">
-            <a:schemeClr val="tx1"/>
-          </a:fontRef>
-        </p:style>
-      </p:cxnSp>
-      <p:sp>
-        <p:nvSpPr>
-          <p:cNvPr id="3" name="Content Placeholder 2">
-            <a:extLst>
-              <a:ext uri="{FF2B5EF4-FFF2-40B4-BE49-F238E27FC236}">
-                <a16:creationId xmlns:a16="http://schemas.microsoft.com/office/drawing/2014/main" id="{62536CC0-4C67-4844-87B6-27F19B02B0E9}"/>
-              </a:ext>
-            </a:extLst>
-          </p:cNvPr>
-          <p:cNvSpPr>
-            <a:spLocks noGrp="1"/>
-          </p:cNvSpPr>
-          <p:nvPr>
-            <p:ph idx="1"/>
-          </p:nvPr>
-        </p:nvSpPr>
-        <p:spPr>
-          <a:xfrm>
-            <a:off x="4974769" y="2198914"/>
-            <a:ext cx="6574973" cy="3670180"/>
-          </a:xfrm>
-        </p:spPr>
-        <p:txBody>
-          <a:bodyPr>
-            <a:normAutofit/>
-          </a:bodyPr>
-          <a:lstStyle/>
-          <a:p>
-            <a:r>
-              <a:rPr lang="en-US" dirty="0"/>
-              <a:t>ES 2017 introduced </a:t>
-            </a:r>
-            <a:r>
-              <a:rPr lang="en-US" b="1" dirty="0"/>
-              <a:t>Asynchronous</a:t>
-            </a:r>
-            <a:r>
-              <a:rPr lang="en-US" dirty="0"/>
-              <a:t> functions</a:t>
-            </a:r>
-          </a:p>
-          <a:p>
-            <a:r>
-              <a:rPr lang="en-US" dirty="0"/>
-              <a:t>It is non-blocking (just like promises and callbacks).</a:t>
-            </a:r>
-          </a:p>
-          <a:p>
-            <a:r>
-              <a:rPr lang="en-US" dirty="0"/>
-              <a:t>Async/Await was created to simplify the process of working with and writing chained promises.</a:t>
-            </a:r>
-          </a:p>
-          <a:p>
-            <a:r>
-              <a:rPr lang="en-US" dirty="0"/>
-              <a:t>Async functions return a Promise. If the function throws an error, the Promise will be rejected. If the function returns a value, the Promise will be resolved.</a:t>
-            </a:r>
-          </a:p>
-          <a:p>
-            <a:endParaRPr lang="en-US" dirty="0"/>
-          </a:p>
-        </p:txBody>
-      </p:sp>
-      <p:sp>
-        <p:nvSpPr>
-          <p:cNvPr id="14" name="Rectangle 13">
-            <a:extLst>
-              <a:ext uri="{FF2B5EF4-FFF2-40B4-BE49-F238E27FC236}">
-                <a16:creationId xmlns:a16="http://schemas.microsoft.com/office/drawing/2014/main" id="{B8DB8C60-3B7D-46C5-B1A9-A295D8A4853F}"/>
-              </a:ext>
-              <a:ext uri="{C183D7F6-B498-43B3-948B-1728B52AA6E4}">
-                <adec:decorative xmlns:adec="http://schemas.microsoft.com/office/drawing/2017/decorative" val="1"/>
-              </a:ext>
-            </a:extLst>
-          </p:cNvPr>
-          <p:cNvSpPr>
-            <a:spLocks noGrp="1" noRot="1" noChangeAspect="1" noMove="1" noResize="1" noEditPoints="1" noAdjustHandles="1" noChangeArrowheads="1" noChangeShapeType="1" noTextEdit="1"/>
-          </p:cNvSpPr>
-          <p:nvPr>
-            <p:extLst>
-              <p:ext uri="{386F3935-93C4-4BCD-93E2-E3B085C9AB24}">
-                <p16:designElem xmlns:p16="http://schemas.microsoft.com/office/powerpoint/2015/main" val="1"/>
-              </p:ext>
-            </p:extLst>
-          </p:nvPr>
-        </p:nvSpPr>
-        <p:spPr>
-          <a:xfrm>
-            <a:off x="15" y="6334316"/>
-            <a:ext cx="12191985" cy="66484"/>
-          </a:xfrm>
-          <a:prstGeom prst="rect">
-            <a:avLst/>
-          </a:prstGeom>
-          <a:solidFill>
-            <a:schemeClr val="accent1"/>
-          </a:solidFill>
-          <a:ln>
-            <a:noFill/>
-          </a:ln>
-        </p:spPr>
-        <p:style>
-          <a:lnRef idx="2">
-            <a:schemeClr val="accent1">
-              <a:shade val="50000"/>
-            </a:schemeClr>
-          </a:lnRef>
-          <a:fillRef idx="1">
-            <a:schemeClr val="accent1"/>
-          </a:fillRef>
-          <a:effectRef idx="0">
-            <a:schemeClr val="accent1"/>
-          </a:effectRef>
-          <a:fontRef idx="minor">
-            <a:schemeClr val="lt1"/>
-          </a:fontRef>
-        </p:style>
-      </p:sp>
-      <p:sp>
-        <p:nvSpPr>
-          <p:cNvPr id="16" name="Rectangle 15">
-            <a:extLst>
-              <a:ext uri="{FF2B5EF4-FFF2-40B4-BE49-F238E27FC236}">
-                <a16:creationId xmlns:a16="http://schemas.microsoft.com/office/drawing/2014/main" id="{7B7006A8-EB46-45ED-977F-BC489E2B7E7A}"/>
-              </a:ext>
-              <a:ext uri="{C183D7F6-B498-43B3-948B-1728B52AA6E4}">
-                <adec:decorative xmlns:adec="http://schemas.microsoft.com/office/drawing/2017/decorative" val="1"/>
-              </a:ext>
-            </a:extLst>
-          </p:cNvPr>
-          <p:cNvSpPr>
-            <a:spLocks noGrp="1" noRot="1" noChangeAspect="1" noMove="1" noResize="1" noEditPoints="1" noAdjustHandles="1" noChangeArrowheads="1" noChangeShapeType="1" noTextEdit="1"/>
-          </p:cNvSpPr>
-          <p:nvPr>
-            <p:extLst>
-              <p:ext uri="{386F3935-93C4-4BCD-93E2-E3B085C9AB24}">
-                <p16:designElem xmlns:p16="http://schemas.microsoft.com/office/powerpoint/2015/main" val="1"/>
-              </p:ext>
-            </p:extLst>
-          </p:nvPr>
-        </p:nvSpPr>
-        <p:spPr>
-          <a:xfrm>
-            <a:off x="1" y="6400800"/>
-            <a:ext cx="12192000" cy="457200"/>
-          </a:xfrm>
-          <a:prstGeom prst="rect">
-            <a:avLst/>
-          </a:prstGeom>
-          <a:solidFill>
-            <a:schemeClr val="accent2"/>
-          </a:solidFill>
-          <a:ln>
-            <a:noFill/>
-          </a:ln>
-        </p:spPr>
-        <p:style>
-          <a:lnRef idx="2">
-            <a:schemeClr val="accent1">
-              <a:shade val="50000"/>
-            </a:schemeClr>
-          </a:lnRef>
-          <a:fillRef idx="1">
-            <a:schemeClr val="accent1"/>
-          </a:fillRef>
-          <a:effectRef idx="0">
-            <a:schemeClr val="accent1"/>
-          </a:effectRef>
-          <a:fontRef idx="minor">
-            <a:schemeClr val="lt1"/>
-          </a:fontRef>
-        </p:style>
-      </p:sp>
-    </p:spTree>
-    <p:extLst>
-      <p:ext uri="{BB962C8B-B14F-4D97-AF65-F5344CB8AC3E}">
-        <p14:creationId xmlns:p14="http://schemas.microsoft.com/office/powerpoint/2010/main" val="1696922839"/>
-      </p:ext>
-    </p:extLst>
-  </p:cSld>
-  <p:clrMapOvr>
-    <a:masterClrMapping/>
-  </p:clrMapOvr>
-</p:sld>
-</file>
-
 <file path=ppt/slides/slide9.xml><?xml version="1.0" encoding="utf-8"?>
 <p:sld xmlns:a="http://schemas.openxmlformats.org/drawingml/2006/main" xmlns:r="http://schemas.openxmlformats.org/officeDocument/2006/relationships" xmlns:p="http://schemas.openxmlformats.org/presentationml/2006/main">
   <p:cSld>

--- a/ppt/async-es6-nodejs.pptx
+++ b/ppt/async-es6-nodejs.pptx
@@ -3244,7 +3244,7 @@
           <a:p>
             <a:fld id="{A442E2AB-93A4-450A-A4DB-BD52D9511A6E}" type="datetimeFigureOut">
               <a:rPr lang="en-US" smtClean="0"/>
-              <a:t>10/24/2018</a:t>
+              <a:t>10/25/2018</a:t>
             </a:fld>
             <a:endParaRPr lang="en-US"/>
           </a:p>
@@ -3750,10 +3750,10 @@
                 <a:ea typeface="+mn-ea"/>
                 <a:cs typeface="+mn-cs"/>
               </a:rPr>
-              <a:t>var is function scoped. It is </a:t>
+              <a:t>var is function scoped. It </a:t>
             </a:r>
             <a:r>
-              <a:rPr lang="en-US" sz="1200" b="0" kern="1200" dirty="0" err="1">
+              <a:rPr lang="en-US" sz="1200" b="0" kern="1200">
                 <a:solidFill>
                   <a:schemeClr val="tx1"/>
                 </a:solidFill>
@@ -3762,7 +3762,7 @@
                 <a:ea typeface="+mn-ea"/>
                 <a:cs typeface="+mn-cs"/>
               </a:rPr>
-              <a:t>availble</a:t>
+              <a:t>is available </a:t>
             </a:r>
             <a:r>
               <a:rPr lang="en-US" sz="1200" b="0" kern="1200" dirty="0">
@@ -3774,7 +3774,7 @@
                 <a:ea typeface="+mn-ea"/>
                 <a:cs typeface="+mn-cs"/>
               </a:rPr>
-              <a:t> in the whole function even before being declared.</a:t>
+              <a:t>in the whole function even before being declared.</a:t>
             </a:r>
           </a:p>
           <a:p>
@@ -4246,7 +4246,7 @@
           <a:p>
             <a:fld id="{40D91A4E-B5A1-41BD-9E91-011F503E5120}" type="datetimeFigureOut">
               <a:rPr lang="en-US" smtClean="0"/>
-              <a:t>10/24/2018</a:t>
+              <a:t>10/25/2018</a:t>
             </a:fld>
             <a:endParaRPr lang="en-US"/>
           </a:p>
@@ -4454,7 +4454,7 @@
           <a:p>
             <a:fld id="{40D91A4E-B5A1-41BD-9E91-011F503E5120}" type="datetimeFigureOut">
               <a:rPr lang="en-US" smtClean="0"/>
-              <a:t>10/24/2018</a:t>
+              <a:t>10/25/2018</a:t>
             </a:fld>
             <a:endParaRPr lang="en-US"/>
           </a:p>
@@ -4710,7 +4710,7 @@
           <a:p>
             <a:fld id="{40D91A4E-B5A1-41BD-9E91-011F503E5120}" type="datetimeFigureOut">
               <a:rPr lang="en-US" smtClean="0"/>
-              <a:t>10/24/2018</a:t>
+              <a:t>10/25/2018</a:t>
             </a:fld>
             <a:endParaRPr lang="en-US"/>
           </a:p>
@@ -4880,7 +4880,7 @@
           <a:p>
             <a:fld id="{40D91A4E-B5A1-41BD-9E91-011F503E5120}" type="datetimeFigureOut">
               <a:rPr lang="en-US" smtClean="0"/>
-              <a:t>10/24/2018</a:t>
+              <a:t>10/25/2018</a:t>
             </a:fld>
             <a:endParaRPr lang="en-US"/>
           </a:p>
@@ -5223,7 +5223,7 @@
           <a:p>
             <a:fld id="{40D91A4E-B5A1-41BD-9E91-011F503E5120}" type="datetimeFigureOut">
               <a:rPr lang="en-US" smtClean="0"/>
-              <a:t>10/24/2018</a:t>
+              <a:t>10/25/2018</a:t>
             </a:fld>
             <a:endParaRPr lang="en-US"/>
           </a:p>
@@ -5498,7 +5498,7 @@
           <a:p>
             <a:fld id="{40D91A4E-B5A1-41BD-9E91-011F503E5120}" type="datetimeFigureOut">
               <a:rPr lang="en-US" smtClean="0"/>
-              <a:t>10/24/2018</a:t>
+              <a:t>10/25/2018</a:t>
             </a:fld>
             <a:endParaRPr lang="en-US"/>
           </a:p>
@@ -5877,7 +5877,7 @@
           <a:p>
             <a:fld id="{40D91A4E-B5A1-41BD-9E91-011F503E5120}" type="datetimeFigureOut">
               <a:rPr lang="en-US" smtClean="0"/>
-              <a:t>10/24/2018</a:t>
+              <a:t>10/25/2018</a:t>
             </a:fld>
             <a:endParaRPr lang="en-US"/>
           </a:p>
@@ -5995,7 +5995,7 @@
           <a:p>
             <a:fld id="{40D91A4E-B5A1-41BD-9E91-011F503E5120}" type="datetimeFigureOut">
               <a:rPr lang="en-US" smtClean="0"/>
-              <a:t>10/24/2018</a:t>
+              <a:t>10/25/2018</a:t>
             </a:fld>
             <a:endParaRPr lang="en-US"/>
           </a:p>
@@ -6166,7 +6166,7 @@
           <a:p>
             <a:fld id="{40D91A4E-B5A1-41BD-9E91-011F503E5120}" type="datetimeFigureOut">
               <a:rPr lang="en-US" smtClean="0"/>
-              <a:t>10/24/2018</a:t>
+              <a:t>10/25/2018</a:t>
             </a:fld>
             <a:endParaRPr lang="en-US"/>
           </a:p>
@@ -6520,7 +6520,7 @@
           <a:p>
             <a:fld id="{40D91A4E-B5A1-41BD-9E91-011F503E5120}" type="datetimeFigureOut">
               <a:rPr lang="en-US" smtClean="0"/>
-              <a:t>10/24/2018</a:t>
+              <a:t>10/25/2018</a:t>
             </a:fld>
             <a:endParaRPr lang="en-US"/>
           </a:p>
@@ -6897,7 +6897,7 @@
           <a:p>
             <a:fld id="{40D91A4E-B5A1-41BD-9E91-011F503E5120}" type="datetimeFigureOut">
               <a:rPr lang="en-US" smtClean="0"/>
-              <a:t>10/24/2018</a:t>
+              <a:t>10/25/2018</a:t>
             </a:fld>
             <a:endParaRPr lang="en-US"/>
           </a:p>
@@ -7184,7 +7184,7 @@
           <a:p>
             <a:fld id="{40D91A4E-B5A1-41BD-9E91-011F503E5120}" type="datetimeFigureOut">
               <a:rPr lang="en-US" smtClean="0"/>
-              <a:t>10/24/2018</a:t>
+              <a:t>10/25/2018</a:t>
             </a:fld>
             <a:endParaRPr lang="en-US"/>
           </a:p>
@@ -8848,21 +8848,21 @@
           <p:nvPr>
             <p:extLst>
               <p:ext uri="{D42A27DB-BD31-4B8C-83A1-F6EECF244321}">
-                <p14:modId xmlns:p14="http://schemas.microsoft.com/office/powerpoint/2010/main" val="422335672"/>
+                <p14:modId xmlns:p14="http://schemas.microsoft.com/office/powerpoint/2010/main" val="219498591"/>
               </p:ext>
             </p:extLst>
           </p:nvPr>
         </p:nvGraphicFramePr>
         <p:xfrm>
-          <a:off x="812113" y="975359"/>
-          <a:ext cx="5113785" cy="4587240"/>
+          <a:off x="798727" y="975359"/>
+          <a:ext cx="5127171" cy="3669792"/>
         </p:xfrm>
         <a:graphic>
           <a:graphicData uri="http://schemas.openxmlformats.org/drawingml/2006/table">
             <a:tbl>
               <a:tblPr/>
               <a:tblGrid>
-                <a:gridCol w="5113785">
+                <a:gridCol w="5127171">
                   <a:extLst>
                     <a:ext uri="{9D8B030D-6E8A-4147-A177-3AD203B41FA5}">
                       <a16:colId xmlns:a16="http://schemas.microsoft.com/office/drawing/2014/main" val="1329727569"/>
@@ -9017,81 +9017,6 @@
                 <a:extLst>
                   <a:ext uri="{0D108BD9-81ED-4DB2-BD59-A6C34878D82A}">
                     <a16:rowId xmlns:a16="http://schemas.microsoft.com/office/drawing/2014/main" val="3210656113"/>
-                  </a:ext>
-                </a:extLst>
-              </a:tr>
-              <a:tr h="917448">
-                <a:tc>
-                  <a:txBody>
-                    <a:bodyPr/>
-                    <a:lstStyle/>
-                    <a:p>
-                      <a:pPr marL="0" marR="0" algn="l" fontAlgn="t">
-                        <a:spcBef>
-                          <a:spcPts val="0"/>
-                        </a:spcBef>
-                        <a:spcAft>
-                          <a:spcPts val="0"/>
-                        </a:spcAft>
-                      </a:pPr>
-                      <a:r>
-                        <a:rPr lang="en-US" sz="3300" b="0" i="0" u="none" strike="noStrike" dirty="0">
-                          <a:solidFill>
-                            <a:srgbClr val="000000"/>
-                          </a:solidFill>
-                          <a:effectLst/>
-                          <a:latin typeface="Calibri" panose="020F0502020204030204" pitchFamily="34" charset="0"/>
-                        </a:rPr>
-                        <a:t>Named Functions</a:t>
-                      </a:r>
-                      <a:endParaRPr lang="en-US" sz="5400" b="0" i="0" u="none" strike="noStrike" dirty="0">
-                        <a:effectLst/>
-                        <a:latin typeface="Arial" panose="020B0604020202020204" pitchFamily="34" charset="0"/>
-                      </a:endParaRPr>
-                    </a:p>
-                  </a:txBody>
-                  <a:tcPr marL="152400" marR="152400" marT="152400" marB="152400">
-                    <a:lnL w="12700" cap="flat" cmpd="sng" algn="ctr">
-                      <a:solidFill>
-                        <a:srgbClr val="A3A3A3"/>
-                      </a:solidFill>
-                      <a:prstDash val="solid"/>
-                      <a:round/>
-                      <a:headEnd type="none" w="med" len="med"/>
-                      <a:tailEnd type="none" w="med" len="med"/>
-                    </a:lnL>
-                    <a:lnR w="12700" cap="flat" cmpd="sng" algn="ctr">
-                      <a:solidFill>
-                        <a:srgbClr val="A3A3A3"/>
-                      </a:solidFill>
-                      <a:prstDash val="solid"/>
-                      <a:round/>
-                      <a:headEnd type="none" w="med" len="med"/>
-                      <a:tailEnd type="none" w="med" len="med"/>
-                    </a:lnR>
-                    <a:lnT w="12700" cap="flat" cmpd="sng" algn="ctr">
-                      <a:solidFill>
-                        <a:srgbClr val="A3A3A3"/>
-                      </a:solidFill>
-                      <a:prstDash val="solid"/>
-                      <a:round/>
-                      <a:headEnd type="none" w="med" len="med"/>
-                      <a:tailEnd type="none" w="med" len="med"/>
-                    </a:lnT>
-                    <a:lnB w="12700" cap="flat" cmpd="sng" algn="ctr">
-                      <a:solidFill>
-                        <a:srgbClr val="A3A3A3"/>
-                      </a:solidFill>
-                      <a:prstDash val="solid"/>
-                      <a:round/>
-                      <a:headEnd type="none" w="med" len="med"/>
-                      <a:tailEnd type="none" w="med" len="med"/>
-                    </a:lnB>
-                  </a:tcPr>
-                </a:tc>
-                <a:extLst>
-                  <a:ext uri="{0D108BD9-81ED-4DB2-BD59-A6C34878D82A}">
-                    <a16:rowId xmlns:a16="http://schemas.microsoft.com/office/drawing/2014/main" val="1446771618"/>
                   </a:ext>
                 </a:extLst>
               </a:tr>
@@ -10795,7 +10720,7 @@
             <p:ph idx="1"/>
             <p:extLst>
               <p:ext uri="{D42A27DB-BD31-4B8C-83A1-F6EECF244321}">
-                <p14:modId xmlns:p14="http://schemas.microsoft.com/office/powerpoint/2010/main" val="3879203943"/>
+                <p14:modId xmlns:p14="http://schemas.microsoft.com/office/powerpoint/2010/main" val="3612094189"/>
               </p:ext>
             </p:extLst>
           </p:nvPr>
@@ -10832,16 +10757,26 @@
                         </a:spcAft>
                       </a:pPr>
                       <a:r>
-                        <a:rPr lang="en-US" sz="1300" b="0" i="0" u="none" strike="noStrike">
+                        <a:rPr lang="en-US" sz="1300" b="0" i="0" u="none" strike="noStrike" dirty="0">
                           <a:solidFill>
                             <a:srgbClr val="000000"/>
                           </a:solidFill>
                           <a:effectLst/>
                           <a:latin typeface="Calibri" panose="020F0502020204030204" pitchFamily="34" charset="0"/>
                         </a:rPr>
-                        <a:t>Constants</a:t>
+                        <a:t>Constants, Var/let/const Hoisting, </a:t>
                       </a:r>
-                      <a:endParaRPr lang="en-US" sz="2200" b="0" i="0" u="none" strike="noStrike">
+                      <a:r>
+                        <a:rPr lang="en-US" sz="1300" b="0" i="0" u="none" strike="noStrike" dirty="0" err="1">
+                          <a:solidFill>
+                            <a:srgbClr val="000000"/>
+                          </a:solidFill>
+                          <a:effectLst/>
+                          <a:latin typeface="Calibri" panose="020F0502020204030204" pitchFamily="34" charset="0"/>
+                        </a:rPr>
+                        <a:t>object.freeze</a:t>
+                      </a:r>
+                      <a:endParaRPr lang="en-US" sz="2200" b="0" i="0" u="none" strike="noStrike" dirty="0">
                         <a:effectLst/>
                         <a:latin typeface="Arial" panose="020B0604020202020204" pitchFamily="34" charset="0"/>
                       </a:endParaRPr>
